--- a/Presentations/For Me/Presentation.pptx
+++ b/Presentations/For Me/Presentation.pptx
@@ -21,6 +21,7 @@
     <p:sldId id="268" r:id="rId15"/>
     <p:sldId id="269" r:id="rId16"/>
     <p:sldId id="274" r:id="rId17"/>
+    <p:sldId id="275" r:id="rId18"/>
   </p:sldIdLst>
   <p:sldSz cx="12192000" cy="6858000"/>
   <p:notesSz cx="6858000" cy="9144000"/>
@@ -127,6 +128,18 @@
 </p:presentation>
 </file>
 
+<file path=ppt/commentAuthors.xml><?xml version="1.0" encoding="utf-8"?>
+<p:cmAuthorLst xmlns:a="http://schemas.openxmlformats.org/drawingml/2006/main" xmlns:r="http://schemas.openxmlformats.org/officeDocument/2006/relationships" xmlns:p="http://schemas.openxmlformats.org/presentationml/2006/main">
+  <p:cmAuthor id="1" name="William Pembleton" initials="WP" lastIdx="1" clrIdx="0">
+    <p:extLst>
+      <p:ext uri="{19B8F6BF-5375-455C-9EA6-DF929625EA0E}">
+        <p15:presenceInfo xmlns:p15="http://schemas.microsoft.com/office/powerpoint/2012/main" userId="aa56e9868da9a350" providerId="Windows Live"/>
+      </p:ext>
+    </p:extLst>
+  </p:cmAuthor>
+</p:cmAuthorLst>
+</file>
+
 <file path=ppt/slideLayouts/slideLayout1.xml><?xml version="1.0" encoding="utf-8"?>
 <p:sldLayout xmlns:a="http://schemas.openxmlformats.org/drawingml/2006/main" xmlns:r="http://schemas.openxmlformats.org/officeDocument/2006/relationships" xmlns:p="http://schemas.openxmlformats.org/presentationml/2006/main" type="title" preserve="1">
   <p:cSld name="Title Slide">
@@ -274,7 +287,7 @@
           <a:p>
             <a:fld id="{FE400534-9B4E-43CC-9E90-F3FF0615A88D}" type="datetimeFigureOut">
               <a:rPr lang="en-US" smtClean="0"/>
-              <a:t>10/30/2018</a:t>
+              <a:t>11/12/2018</a:t>
             </a:fld>
             <a:endParaRPr lang="en-US"/>
           </a:p>
@@ -477,7 +490,7 @@
           <a:p>
             <a:fld id="{FE400534-9B4E-43CC-9E90-F3FF0615A88D}" type="datetimeFigureOut">
               <a:rPr lang="en-US" smtClean="0"/>
-              <a:t>10/30/2018</a:t>
+              <a:t>11/12/2018</a:t>
             </a:fld>
             <a:endParaRPr lang="en-US"/>
           </a:p>
@@ -685,7 +698,7 @@
           <a:p>
             <a:fld id="{FE400534-9B4E-43CC-9E90-F3FF0615A88D}" type="datetimeFigureOut">
               <a:rPr lang="en-US" smtClean="0"/>
-              <a:t>10/30/2018</a:t>
+              <a:t>11/12/2018</a:t>
             </a:fld>
             <a:endParaRPr lang="en-US"/>
           </a:p>
@@ -883,7 +896,7 @@
           <a:p>
             <a:fld id="{FE400534-9B4E-43CC-9E90-F3FF0615A88D}" type="datetimeFigureOut">
               <a:rPr lang="en-US" smtClean="0"/>
-              <a:t>10/30/2018</a:t>
+              <a:t>11/12/2018</a:t>
             </a:fld>
             <a:endParaRPr lang="en-US"/>
           </a:p>
@@ -1158,7 +1171,7 @@
           <a:p>
             <a:fld id="{FE400534-9B4E-43CC-9E90-F3FF0615A88D}" type="datetimeFigureOut">
               <a:rPr lang="en-US" smtClean="0"/>
-              <a:t>10/30/2018</a:t>
+              <a:t>11/12/2018</a:t>
             </a:fld>
             <a:endParaRPr lang="en-US"/>
           </a:p>
@@ -1428,7 +1441,7 @@
           <a:p>
             <a:fld id="{FE400534-9B4E-43CC-9E90-F3FF0615A88D}" type="datetimeFigureOut">
               <a:rPr lang="en-US" smtClean="0"/>
-              <a:t>10/30/2018</a:t>
+              <a:t>11/12/2018</a:t>
             </a:fld>
             <a:endParaRPr lang="en-US"/>
           </a:p>
@@ -1840,7 +1853,7 @@
           <a:p>
             <a:fld id="{FE400534-9B4E-43CC-9E90-F3FF0615A88D}" type="datetimeFigureOut">
               <a:rPr lang="en-US" smtClean="0"/>
-              <a:t>10/30/2018</a:t>
+              <a:t>11/12/2018</a:t>
             </a:fld>
             <a:endParaRPr lang="en-US"/>
           </a:p>
@@ -1981,7 +1994,7 @@
           <a:p>
             <a:fld id="{FE400534-9B4E-43CC-9E90-F3FF0615A88D}" type="datetimeFigureOut">
               <a:rPr lang="en-US" smtClean="0"/>
-              <a:t>10/30/2018</a:t>
+              <a:t>11/12/2018</a:t>
             </a:fld>
             <a:endParaRPr lang="en-US"/>
           </a:p>
@@ -2094,7 +2107,7 @@
           <a:p>
             <a:fld id="{FE400534-9B4E-43CC-9E90-F3FF0615A88D}" type="datetimeFigureOut">
               <a:rPr lang="en-US" smtClean="0"/>
-              <a:t>10/30/2018</a:t>
+              <a:t>11/12/2018</a:t>
             </a:fld>
             <a:endParaRPr lang="en-US"/>
           </a:p>
@@ -2405,7 +2418,7 @@
           <a:p>
             <a:fld id="{FE400534-9B4E-43CC-9E90-F3FF0615A88D}" type="datetimeFigureOut">
               <a:rPr lang="en-US" smtClean="0"/>
-              <a:t>10/30/2018</a:t>
+              <a:t>11/12/2018</a:t>
             </a:fld>
             <a:endParaRPr lang="en-US"/>
           </a:p>
@@ -2693,7 +2706,7 @@
           <a:p>
             <a:fld id="{FE400534-9B4E-43CC-9E90-F3FF0615A88D}" type="datetimeFigureOut">
               <a:rPr lang="en-US" smtClean="0"/>
-              <a:t>10/30/2018</a:t>
+              <a:t>11/12/2018</a:t>
             </a:fld>
             <a:endParaRPr lang="en-US"/>
           </a:p>
@@ -2934,7 +2947,7 @@
           <a:p>
             <a:fld id="{FE400534-9B4E-43CC-9E90-F3FF0615A88D}" type="datetimeFigureOut">
               <a:rPr lang="en-US" smtClean="0"/>
-              <a:t>10/30/2018</a:t>
+              <a:t>11/12/2018</a:t>
             </a:fld>
             <a:endParaRPr lang="en-US"/>
           </a:p>
@@ -4981,6 +4994,516 @@
     <p:extLst>
       <p:ext uri="{BB962C8B-B14F-4D97-AF65-F5344CB8AC3E}">
         <p14:creationId xmlns:p14="http://schemas.microsoft.com/office/powerpoint/2010/main" val="1031475963"/>
+      </p:ext>
+    </p:extLst>
+  </p:cSld>
+  <p:clrMapOvr>
+    <a:masterClrMapping/>
+  </p:clrMapOvr>
+</p:sld>
+</file>
+
+<file path=ppt/slides/slide17.xml><?xml version="1.0" encoding="utf-8"?>
+<p:sld xmlns:a="http://schemas.openxmlformats.org/drawingml/2006/main" xmlns:r="http://schemas.openxmlformats.org/officeDocument/2006/relationships" xmlns:p="http://schemas.openxmlformats.org/presentationml/2006/main">
+  <p:cSld>
+    <p:spTree>
+      <p:nvGrpSpPr>
+        <p:cNvPr id="1" name=""/>
+        <p:cNvGrpSpPr/>
+        <p:nvPr/>
+      </p:nvGrpSpPr>
+      <p:grpSpPr>
+        <a:xfrm>
+          <a:off x="0" y="0"/>
+          <a:ext cx="0" cy="0"/>
+          <a:chOff x="0" y="0"/>
+          <a:chExt cx="0" cy="0"/>
+        </a:xfrm>
+      </p:grpSpPr>
+      <p:sp>
+        <p:nvSpPr>
+          <p:cNvPr id="2" name="Oval 1">
+            <a:extLst>
+              <a:ext uri="{FF2B5EF4-FFF2-40B4-BE49-F238E27FC236}">
+                <a16:creationId xmlns:a16="http://schemas.microsoft.com/office/drawing/2014/main" id="{935D0A8C-BAF1-4F40-BEFB-CF285A0529E1}"/>
+              </a:ext>
+            </a:extLst>
+          </p:cNvPr>
+          <p:cNvSpPr/>
+          <p:nvPr/>
+        </p:nvSpPr>
+        <p:spPr>
+          <a:xfrm>
+            <a:off x="5091343" y="479394"/>
+            <a:ext cx="1407111" cy="1278384"/>
+          </a:xfrm>
+          <a:prstGeom prst="ellipse">
+            <a:avLst/>
+          </a:prstGeom>
+          <a:solidFill>
+            <a:schemeClr val="bg1"/>
+          </a:solidFill>
+          <a:ln>
+            <a:solidFill>
+              <a:schemeClr val="tx1"/>
+            </a:solidFill>
+          </a:ln>
+        </p:spPr>
+        <p:style>
+          <a:lnRef idx="2">
+            <a:schemeClr val="accent1">
+              <a:shade val="50000"/>
+            </a:schemeClr>
+          </a:lnRef>
+          <a:fillRef idx="1">
+            <a:schemeClr val="accent1"/>
+          </a:fillRef>
+          <a:effectRef idx="0">
+            <a:schemeClr val="accent1"/>
+          </a:effectRef>
+          <a:fontRef idx="minor">
+            <a:schemeClr val="lt1"/>
+          </a:fontRef>
+        </p:style>
+        <p:txBody>
+          <a:bodyPr rtlCol="0" anchor="ctr"/>
+          <a:lstStyle/>
+          <a:p>
+            <a:pPr algn="ctr"/>
+            <a:r>
+              <a:rPr lang="en-US" dirty="0" err="1">
+                <a:solidFill>
+                  <a:sysClr val="windowText" lastClr="000000"/>
+                </a:solidFill>
+              </a:rPr>
+              <a:t>DevType</a:t>
+            </a:r>
+            <a:endParaRPr lang="en-US" dirty="0">
+              <a:solidFill>
+                <a:sysClr val="windowText" lastClr="000000"/>
+              </a:solidFill>
+            </a:endParaRPr>
+          </a:p>
+        </p:txBody>
+      </p:sp>
+      <p:cxnSp>
+        <p:nvCxnSpPr>
+          <p:cNvPr id="4" name="Straight Connector 3">
+            <a:extLst>
+              <a:ext uri="{FF2B5EF4-FFF2-40B4-BE49-F238E27FC236}">
+                <a16:creationId xmlns:a16="http://schemas.microsoft.com/office/drawing/2014/main" id="{D6D9F5A7-CAD4-40ED-A3B2-91554444572C}"/>
+              </a:ext>
+            </a:extLst>
+          </p:cNvPr>
+          <p:cNvCxnSpPr>
+            <a:cxnSpLocks/>
+            <a:stCxn id="2" idx="2"/>
+          </p:cNvCxnSpPr>
+          <p:nvPr/>
+        </p:nvCxnSpPr>
+        <p:spPr>
+          <a:xfrm flipH="1">
+            <a:off x="870012" y="1118586"/>
+            <a:ext cx="4221331" cy="1331651"/>
+          </a:xfrm>
+          <a:prstGeom prst="line">
+            <a:avLst/>
+          </a:prstGeom>
+          <a:ln>
+            <a:solidFill>
+              <a:schemeClr val="tx1"/>
+            </a:solidFill>
+          </a:ln>
+        </p:spPr>
+        <p:style>
+          <a:lnRef idx="1">
+            <a:schemeClr val="accent1"/>
+          </a:lnRef>
+          <a:fillRef idx="0">
+            <a:schemeClr val="accent1"/>
+          </a:fillRef>
+          <a:effectRef idx="0">
+            <a:schemeClr val="accent1"/>
+          </a:effectRef>
+          <a:fontRef idx="minor">
+            <a:schemeClr val="tx1"/>
+          </a:fontRef>
+        </p:style>
+      </p:cxnSp>
+      <p:sp>
+        <p:nvSpPr>
+          <p:cNvPr id="7" name="TextBox 6">
+            <a:extLst>
+              <a:ext uri="{FF2B5EF4-FFF2-40B4-BE49-F238E27FC236}">
+                <a16:creationId xmlns:a16="http://schemas.microsoft.com/office/drawing/2014/main" id="{4EDD9F41-735E-4B6A-85C5-EAD14A26C044}"/>
+              </a:ext>
+            </a:extLst>
+          </p:cNvPr>
+          <p:cNvSpPr txBox="1"/>
+          <p:nvPr/>
+        </p:nvSpPr>
+        <p:spPr>
+          <a:xfrm>
+            <a:off x="652508" y="1388446"/>
+            <a:ext cx="2758769" cy="369332"/>
+          </a:xfrm>
+          <a:prstGeom prst="rect">
+            <a:avLst/>
+          </a:prstGeom>
+          <a:noFill/>
+        </p:spPr>
+        <p:txBody>
+          <a:bodyPr wrap="square" rtlCol="0">
+            <a:spAutoFit/>
+          </a:bodyPr>
+          <a:lstStyle/>
+          <a:p>
+            <a:r>
+              <a:rPr lang="en-US" dirty="0" err="1"/>
+              <a:t>FullStack;Back</a:t>
+            </a:r>
+            <a:r>
+              <a:rPr lang="en-US" dirty="0"/>
+              <a:t> End; DevOps</a:t>
+            </a:r>
+          </a:p>
+        </p:txBody>
+      </p:sp>
+      <p:cxnSp>
+        <p:nvCxnSpPr>
+          <p:cNvPr id="9" name="Straight Connector 8">
+            <a:extLst>
+              <a:ext uri="{FF2B5EF4-FFF2-40B4-BE49-F238E27FC236}">
+                <a16:creationId xmlns:a16="http://schemas.microsoft.com/office/drawing/2014/main" id="{10445D48-93CB-460B-8741-081726AF299F}"/>
+              </a:ext>
+            </a:extLst>
+          </p:cNvPr>
+          <p:cNvCxnSpPr>
+            <a:stCxn id="2" idx="3"/>
+          </p:cNvCxnSpPr>
+          <p:nvPr/>
+        </p:nvCxnSpPr>
+        <p:spPr>
+          <a:xfrm flipH="1">
+            <a:off x="4518734" y="1570563"/>
+            <a:ext cx="778676" cy="879674"/>
+          </a:xfrm>
+          <a:prstGeom prst="line">
+            <a:avLst/>
+          </a:prstGeom>
+          <a:ln>
+            <a:solidFill>
+              <a:schemeClr val="tx1"/>
+            </a:solidFill>
+          </a:ln>
+        </p:spPr>
+        <p:style>
+          <a:lnRef idx="1">
+            <a:schemeClr val="accent1"/>
+          </a:lnRef>
+          <a:fillRef idx="0">
+            <a:schemeClr val="accent1"/>
+          </a:fillRef>
+          <a:effectRef idx="0">
+            <a:schemeClr val="accent1"/>
+          </a:effectRef>
+          <a:fontRef idx="minor">
+            <a:schemeClr val="tx1"/>
+          </a:fontRef>
+        </p:style>
+      </p:cxnSp>
+      <p:sp>
+        <p:nvSpPr>
+          <p:cNvPr id="10" name="TextBox 9">
+            <a:extLst>
+              <a:ext uri="{FF2B5EF4-FFF2-40B4-BE49-F238E27FC236}">
+                <a16:creationId xmlns:a16="http://schemas.microsoft.com/office/drawing/2014/main" id="{DD19835D-2F25-4B44-8E07-6AEDBE8CE2F6}"/>
+              </a:ext>
+            </a:extLst>
+          </p:cNvPr>
+          <p:cNvSpPr txBox="1"/>
+          <p:nvPr/>
+        </p:nvSpPr>
+        <p:spPr>
+          <a:xfrm>
+            <a:off x="1896499" y="2010400"/>
+            <a:ext cx="2842381" cy="369332"/>
+          </a:xfrm>
+          <a:prstGeom prst="rect">
+            <a:avLst/>
+          </a:prstGeom>
+          <a:noFill/>
+        </p:spPr>
+        <p:txBody>
+          <a:bodyPr wrap="square" rtlCol="0">
+            <a:spAutoFit/>
+          </a:bodyPr>
+          <a:lstStyle/>
+          <a:p>
+            <a:r>
+              <a:rPr lang="en-US" dirty="0" err="1"/>
+              <a:t>FullStack;Database</a:t>
+            </a:r>
+            <a:r>
+              <a:rPr lang="en-US" dirty="0"/>
+              <a:t> Manager</a:t>
+            </a:r>
+          </a:p>
+        </p:txBody>
+      </p:sp>
+      <p:cxnSp>
+        <p:nvCxnSpPr>
+          <p:cNvPr id="13" name="Straight Connector 12">
+            <a:extLst>
+              <a:ext uri="{FF2B5EF4-FFF2-40B4-BE49-F238E27FC236}">
+                <a16:creationId xmlns:a16="http://schemas.microsoft.com/office/drawing/2014/main" id="{628387F7-CEFD-4930-B853-A7B4433927D3}"/>
+              </a:ext>
+            </a:extLst>
+          </p:cNvPr>
+          <p:cNvCxnSpPr>
+            <a:stCxn id="2" idx="4"/>
+          </p:cNvCxnSpPr>
+          <p:nvPr/>
+        </p:nvCxnSpPr>
+        <p:spPr>
+          <a:xfrm flipH="1">
+            <a:off x="5794898" y="1757778"/>
+            <a:ext cx="1" cy="692459"/>
+          </a:xfrm>
+          <a:prstGeom prst="line">
+            <a:avLst/>
+          </a:prstGeom>
+          <a:ln>
+            <a:solidFill>
+              <a:schemeClr val="tx1"/>
+            </a:solidFill>
+          </a:ln>
+        </p:spPr>
+        <p:style>
+          <a:lnRef idx="1">
+            <a:schemeClr val="accent1"/>
+          </a:lnRef>
+          <a:fillRef idx="0">
+            <a:schemeClr val="accent1"/>
+          </a:fillRef>
+          <a:effectRef idx="0">
+            <a:schemeClr val="accent1"/>
+          </a:effectRef>
+          <a:fontRef idx="minor">
+            <a:schemeClr val="tx1"/>
+          </a:fontRef>
+        </p:style>
+      </p:cxnSp>
+      <p:sp>
+        <p:nvSpPr>
+          <p:cNvPr id="14" name="TextBox 13">
+            <a:extLst>
+              <a:ext uri="{FF2B5EF4-FFF2-40B4-BE49-F238E27FC236}">
+                <a16:creationId xmlns:a16="http://schemas.microsoft.com/office/drawing/2014/main" id="{8A2B6F10-7D0E-43E3-BBC9-26EC5E06AD72}"/>
+              </a:ext>
+            </a:extLst>
+          </p:cNvPr>
+          <p:cNvSpPr txBox="1"/>
+          <p:nvPr/>
+        </p:nvSpPr>
+        <p:spPr>
+          <a:xfrm>
+            <a:off x="4886587" y="1919341"/>
+            <a:ext cx="1919500" cy="369332"/>
+          </a:xfrm>
+          <a:prstGeom prst="rect">
+            <a:avLst/>
+          </a:prstGeom>
+          <a:noFill/>
+        </p:spPr>
+        <p:txBody>
+          <a:bodyPr wrap="square" rtlCol="0">
+            <a:spAutoFit/>
+          </a:bodyPr>
+          <a:lstStyle/>
+          <a:p>
+            <a:r>
+              <a:rPr lang="en-US" dirty="0" err="1"/>
+              <a:t>FullStack;Back</a:t>
+            </a:r>
+            <a:r>
+              <a:rPr lang="en-US" dirty="0"/>
+              <a:t> End</a:t>
+            </a:r>
+          </a:p>
+        </p:txBody>
+      </p:sp>
+      <p:cxnSp>
+        <p:nvCxnSpPr>
+          <p:cNvPr id="16" name="Straight Connector 15">
+            <a:extLst>
+              <a:ext uri="{FF2B5EF4-FFF2-40B4-BE49-F238E27FC236}">
+                <a16:creationId xmlns:a16="http://schemas.microsoft.com/office/drawing/2014/main" id="{9F00724D-B3D9-48B1-91E1-2E419A4BC31A}"/>
+              </a:ext>
+            </a:extLst>
+          </p:cNvPr>
+          <p:cNvCxnSpPr>
+            <a:stCxn id="2" idx="5"/>
+          </p:cNvCxnSpPr>
+          <p:nvPr/>
+        </p:nvCxnSpPr>
+        <p:spPr>
+          <a:xfrm>
+            <a:off x="6292387" y="1570563"/>
+            <a:ext cx="1040568" cy="809169"/>
+          </a:xfrm>
+          <a:prstGeom prst="line">
+            <a:avLst/>
+          </a:prstGeom>
+          <a:ln>
+            <a:solidFill>
+              <a:schemeClr val="tx1"/>
+            </a:solidFill>
+          </a:ln>
+        </p:spPr>
+        <p:style>
+          <a:lnRef idx="1">
+            <a:schemeClr val="accent1"/>
+          </a:lnRef>
+          <a:fillRef idx="0">
+            <a:schemeClr val="accent1"/>
+          </a:fillRef>
+          <a:effectRef idx="0">
+            <a:schemeClr val="accent1"/>
+          </a:effectRef>
+          <a:fontRef idx="minor">
+            <a:schemeClr val="tx1"/>
+          </a:fontRef>
+        </p:style>
+      </p:cxnSp>
+      <p:sp>
+        <p:nvSpPr>
+          <p:cNvPr id="17" name="TextBox 16">
+            <a:extLst>
+              <a:ext uri="{FF2B5EF4-FFF2-40B4-BE49-F238E27FC236}">
+                <a16:creationId xmlns:a16="http://schemas.microsoft.com/office/drawing/2014/main" id="{8AC732FC-AA8C-4098-8FC9-CD4AC7FD1CD6}"/>
+              </a:ext>
+            </a:extLst>
+          </p:cNvPr>
+          <p:cNvSpPr txBox="1"/>
+          <p:nvPr/>
+        </p:nvSpPr>
+        <p:spPr>
+          <a:xfrm>
+            <a:off x="7303575" y="2014447"/>
+            <a:ext cx="3062762" cy="369332"/>
+          </a:xfrm>
+          <a:prstGeom prst="rect">
+            <a:avLst/>
+          </a:prstGeom>
+          <a:noFill/>
+        </p:spPr>
+        <p:txBody>
+          <a:bodyPr wrap="square" rtlCol="0">
+            <a:spAutoFit/>
+          </a:bodyPr>
+          <a:lstStyle/>
+          <a:p>
+            <a:r>
+              <a:rPr lang="en-US" dirty="0"/>
+              <a:t>Engineering </a:t>
+            </a:r>
+            <a:r>
+              <a:rPr lang="en-US" dirty="0" err="1"/>
+              <a:t>Manager;Fullstack</a:t>
+            </a:r>
+            <a:endParaRPr lang="en-US" dirty="0"/>
+          </a:p>
+        </p:txBody>
+      </p:sp>
+      <p:cxnSp>
+        <p:nvCxnSpPr>
+          <p:cNvPr id="19" name="Straight Connector 18">
+            <a:extLst>
+              <a:ext uri="{FF2B5EF4-FFF2-40B4-BE49-F238E27FC236}">
+                <a16:creationId xmlns:a16="http://schemas.microsoft.com/office/drawing/2014/main" id="{41049518-5D13-4E75-9D29-8EEF03A46DD4}"/>
+              </a:ext>
+            </a:extLst>
+          </p:cNvPr>
+          <p:cNvCxnSpPr>
+            <a:stCxn id="2" idx="6"/>
+          </p:cNvCxnSpPr>
+          <p:nvPr/>
+        </p:nvCxnSpPr>
+        <p:spPr>
+          <a:xfrm>
+            <a:off x="6498454" y="1118586"/>
+            <a:ext cx="5370991" cy="1261146"/>
+          </a:xfrm>
+          <a:prstGeom prst="line">
+            <a:avLst/>
+          </a:prstGeom>
+          <a:ln>
+            <a:solidFill>
+              <a:schemeClr val="tx1"/>
+            </a:solidFill>
+          </a:ln>
+        </p:spPr>
+        <p:style>
+          <a:lnRef idx="1">
+            <a:schemeClr val="accent1"/>
+          </a:lnRef>
+          <a:fillRef idx="0">
+            <a:schemeClr val="accent1"/>
+          </a:fillRef>
+          <a:effectRef idx="0">
+            <a:schemeClr val="accent1"/>
+          </a:effectRef>
+          <a:fontRef idx="minor">
+            <a:schemeClr val="tx1"/>
+          </a:fontRef>
+        </p:style>
+      </p:cxnSp>
+      <p:sp>
+        <p:nvSpPr>
+          <p:cNvPr id="20" name="TextBox 19">
+            <a:extLst>
+              <a:ext uri="{FF2B5EF4-FFF2-40B4-BE49-F238E27FC236}">
+                <a16:creationId xmlns:a16="http://schemas.microsoft.com/office/drawing/2014/main" id="{F4E22D25-1E8B-4B3B-94EE-4F7A9E4C6232}"/>
+              </a:ext>
+            </a:extLst>
+          </p:cNvPr>
+          <p:cNvSpPr txBox="1"/>
+          <p:nvPr/>
+        </p:nvSpPr>
+        <p:spPr>
+          <a:xfrm>
+            <a:off x="7332955" y="1149743"/>
+            <a:ext cx="4468467" cy="646331"/>
+          </a:xfrm>
+          <a:prstGeom prst="rect">
+            <a:avLst/>
+          </a:prstGeom>
+          <a:noFill/>
+        </p:spPr>
+        <p:txBody>
+          <a:bodyPr wrap="square" rtlCol="0">
+            <a:spAutoFit/>
+          </a:bodyPr>
+          <a:lstStyle/>
+          <a:p>
+            <a:r>
+              <a:rPr lang="en-US" dirty="0"/>
+              <a:t>Desktop or enterprise applications developer;</a:t>
+            </a:r>
+          </a:p>
+          <a:p>
+            <a:r>
+              <a:rPr lang="en-US" dirty="0"/>
+              <a:t>Back End</a:t>
+            </a:r>
+          </a:p>
+        </p:txBody>
+      </p:sp>
+    </p:spTree>
+    <p:extLst>
+      <p:ext uri="{BB962C8B-B14F-4D97-AF65-F5344CB8AC3E}">
+        <p14:creationId xmlns:p14="http://schemas.microsoft.com/office/powerpoint/2010/main" val="4228913185"/>
       </p:ext>
     </p:extLst>
   </p:cSld>

--- a/Presentations/For Me/Presentation.pptx
+++ b/Presentations/For Me/Presentation.pptx
@@ -287,7 +287,7 @@
           <a:p>
             <a:fld id="{FE400534-9B4E-43CC-9E90-F3FF0615A88D}" type="datetimeFigureOut">
               <a:rPr lang="en-US" smtClean="0"/>
-              <a:t>11/12/2018</a:t>
+              <a:t>11/13/2018</a:t>
             </a:fld>
             <a:endParaRPr lang="en-US"/>
           </a:p>
@@ -490,7 +490,7 @@
           <a:p>
             <a:fld id="{FE400534-9B4E-43CC-9E90-F3FF0615A88D}" type="datetimeFigureOut">
               <a:rPr lang="en-US" smtClean="0"/>
-              <a:t>11/12/2018</a:t>
+              <a:t>11/13/2018</a:t>
             </a:fld>
             <a:endParaRPr lang="en-US"/>
           </a:p>
@@ -698,7 +698,7 @@
           <a:p>
             <a:fld id="{FE400534-9B4E-43CC-9E90-F3FF0615A88D}" type="datetimeFigureOut">
               <a:rPr lang="en-US" smtClean="0"/>
-              <a:t>11/12/2018</a:t>
+              <a:t>11/13/2018</a:t>
             </a:fld>
             <a:endParaRPr lang="en-US"/>
           </a:p>
@@ -896,7 +896,7 @@
           <a:p>
             <a:fld id="{FE400534-9B4E-43CC-9E90-F3FF0615A88D}" type="datetimeFigureOut">
               <a:rPr lang="en-US" smtClean="0"/>
-              <a:t>11/12/2018</a:t>
+              <a:t>11/13/2018</a:t>
             </a:fld>
             <a:endParaRPr lang="en-US"/>
           </a:p>
@@ -1171,7 +1171,7 @@
           <a:p>
             <a:fld id="{FE400534-9B4E-43CC-9E90-F3FF0615A88D}" type="datetimeFigureOut">
               <a:rPr lang="en-US" smtClean="0"/>
-              <a:t>11/12/2018</a:t>
+              <a:t>11/13/2018</a:t>
             </a:fld>
             <a:endParaRPr lang="en-US"/>
           </a:p>
@@ -1441,7 +1441,7 @@
           <a:p>
             <a:fld id="{FE400534-9B4E-43CC-9E90-F3FF0615A88D}" type="datetimeFigureOut">
               <a:rPr lang="en-US" smtClean="0"/>
-              <a:t>11/12/2018</a:t>
+              <a:t>11/13/2018</a:t>
             </a:fld>
             <a:endParaRPr lang="en-US"/>
           </a:p>
@@ -1853,7 +1853,7 @@
           <a:p>
             <a:fld id="{FE400534-9B4E-43CC-9E90-F3FF0615A88D}" type="datetimeFigureOut">
               <a:rPr lang="en-US" smtClean="0"/>
-              <a:t>11/12/2018</a:t>
+              <a:t>11/13/2018</a:t>
             </a:fld>
             <a:endParaRPr lang="en-US"/>
           </a:p>
@@ -1994,7 +1994,7 @@
           <a:p>
             <a:fld id="{FE400534-9B4E-43CC-9E90-F3FF0615A88D}" type="datetimeFigureOut">
               <a:rPr lang="en-US" smtClean="0"/>
-              <a:t>11/12/2018</a:t>
+              <a:t>11/13/2018</a:t>
             </a:fld>
             <a:endParaRPr lang="en-US"/>
           </a:p>
@@ -2107,7 +2107,7 @@
           <a:p>
             <a:fld id="{FE400534-9B4E-43CC-9E90-F3FF0615A88D}" type="datetimeFigureOut">
               <a:rPr lang="en-US" smtClean="0"/>
-              <a:t>11/12/2018</a:t>
+              <a:t>11/13/2018</a:t>
             </a:fld>
             <a:endParaRPr lang="en-US"/>
           </a:p>
@@ -2418,7 +2418,7 @@
           <a:p>
             <a:fld id="{FE400534-9B4E-43CC-9E90-F3FF0615A88D}" type="datetimeFigureOut">
               <a:rPr lang="en-US" smtClean="0"/>
-              <a:t>11/12/2018</a:t>
+              <a:t>11/13/2018</a:t>
             </a:fld>
             <a:endParaRPr lang="en-US"/>
           </a:p>
@@ -2706,7 +2706,7 @@
           <a:p>
             <a:fld id="{FE400534-9B4E-43CC-9E90-F3FF0615A88D}" type="datetimeFigureOut">
               <a:rPr lang="en-US" smtClean="0"/>
-              <a:t>11/12/2018</a:t>
+              <a:t>11/13/2018</a:t>
             </a:fld>
             <a:endParaRPr lang="en-US"/>
           </a:p>
@@ -2947,7 +2947,7 @@
           <a:p>
             <a:fld id="{FE400534-9B4E-43CC-9E90-F3FF0615A88D}" type="datetimeFigureOut">
               <a:rPr lang="en-US" smtClean="0"/>
-              <a:t>11/12/2018</a:t>
+              <a:t>11/13/2018</a:t>
             </a:fld>
             <a:endParaRPr lang="en-US"/>
           </a:p>
@@ -5034,8 +5034,8 @@
         </p:nvSpPr>
         <p:spPr>
           <a:xfrm>
-            <a:off x="5091343" y="479394"/>
-            <a:ext cx="1407111" cy="1278384"/>
+            <a:off x="3755255" y="479394"/>
+            <a:ext cx="2743200" cy="1278384"/>
           </a:xfrm>
           <a:prstGeom prst="ellipse">
             <a:avLst/>
@@ -5076,35 +5076,38 @@
                   <a:sysClr val="windowText" lastClr="000000"/>
                 </a:solidFill>
               </a:rPr>
-              <a:t>DevType</a:t>
-            </a:r>
-            <a:endParaRPr lang="en-US" dirty="0">
-              <a:solidFill>
-                <a:sysClr val="windowText" lastClr="000000"/>
-              </a:solidFill>
-            </a:endParaRPr>
+              <a:t>DevType.Full</a:t>
+            </a:r>
+            <a:r>
+              <a:rPr lang="en-US" dirty="0">
+                <a:solidFill>
+                  <a:sysClr val="windowText" lastClr="000000"/>
+                </a:solidFill>
+              </a:rPr>
+              <a:t> Stack</a:t>
+            </a:r>
           </a:p>
         </p:txBody>
       </p:sp>
       <p:cxnSp>
         <p:nvCxnSpPr>
-          <p:cNvPr id="4" name="Straight Connector 3">
-            <a:extLst>
-              <a:ext uri="{FF2B5EF4-FFF2-40B4-BE49-F238E27FC236}">
-                <a16:creationId xmlns:a16="http://schemas.microsoft.com/office/drawing/2014/main" id="{D6D9F5A7-CAD4-40ED-A3B2-91554444572C}"/>
+          <p:cNvPr id="9" name="Straight Connector 8">
+            <a:extLst>
+              <a:ext uri="{FF2B5EF4-FFF2-40B4-BE49-F238E27FC236}">
+                <a16:creationId xmlns:a16="http://schemas.microsoft.com/office/drawing/2014/main" id="{10445D48-93CB-460B-8741-081726AF299F}"/>
               </a:ext>
             </a:extLst>
           </p:cNvPr>
           <p:cNvCxnSpPr>
             <a:cxnSpLocks/>
-            <a:stCxn id="2" idx="2"/>
+            <a:stCxn id="2" idx="3"/>
           </p:cNvCxnSpPr>
           <p:nvPr/>
         </p:nvCxnSpPr>
         <p:spPr>
           <a:xfrm flipH="1">
-            <a:off x="870012" y="1118586"/>
-            <a:ext cx="4221331" cy="1331651"/>
+            <a:off x="3177973" y="1570563"/>
+            <a:ext cx="979014" cy="809169"/>
           </a:xfrm>
           <a:prstGeom prst="line">
             <a:avLst/>
@@ -5132,10 +5135,10 @@
       </p:cxnSp>
       <p:sp>
         <p:nvSpPr>
-          <p:cNvPr id="7" name="TextBox 6">
-            <a:extLst>
-              <a:ext uri="{FF2B5EF4-FFF2-40B4-BE49-F238E27FC236}">
-                <a16:creationId xmlns:a16="http://schemas.microsoft.com/office/drawing/2014/main" id="{4EDD9F41-735E-4B6A-85C5-EAD14A26C044}"/>
+          <p:cNvPr id="10" name="TextBox 9">
+            <a:extLst>
+              <a:ext uri="{FF2B5EF4-FFF2-40B4-BE49-F238E27FC236}">
+                <a16:creationId xmlns:a16="http://schemas.microsoft.com/office/drawing/2014/main" id="{DD19835D-2F25-4B44-8E07-6AEDBE8CE2F6}"/>
               </a:ext>
             </a:extLst>
           </p:cNvPr>
@@ -5144,8 +5147,8 @@
         </p:nvSpPr>
         <p:spPr>
           <a:xfrm>
-            <a:off x="652508" y="1388446"/>
-            <a:ext cx="2758769" cy="369332"/>
+            <a:off x="3051581" y="1732642"/>
+            <a:ext cx="616070" cy="369332"/>
           </a:xfrm>
           <a:prstGeom prst="rect">
             <a:avLst/>
@@ -5159,34 +5162,31 @@
           <a:lstStyle/>
           <a:p>
             <a:r>
-              <a:rPr lang="en-US" dirty="0" err="1"/>
-              <a:t>FullStack;Back</a:t>
-            </a:r>
-            <a:r>
               <a:rPr lang="en-US" dirty="0"/>
-              <a:t> End; DevOps</a:t>
+              <a:t>Yes</a:t>
             </a:r>
           </a:p>
         </p:txBody>
       </p:sp>
       <p:cxnSp>
         <p:nvCxnSpPr>
-          <p:cNvPr id="9" name="Straight Connector 8">
-            <a:extLst>
-              <a:ext uri="{FF2B5EF4-FFF2-40B4-BE49-F238E27FC236}">
-                <a16:creationId xmlns:a16="http://schemas.microsoft.com/office/drawing/2014/main" id="{10445D48-93CB-460B-8741-081726AF299F}"/>
+          <p:cNvPr id="16" name="Straight Connector 15">
+            <a:extLst>
+              <a:ext uri="{FF2B5EF4-FFF2-40B4-BE49-F238E27FC236}">
+                <a16:creationId xmlns:a16="http://schemas.microsoft.com/office/drawing/2014/main" id="{9F00724D-B3D9-48B1-91E1-2E419A4BC31A}"/>
               </a:ext>
             </a:extLst>
           </p:cNvPr>
           <p:cNvCxnSpPr>
-            <a:stCxn id="2" idx="3"/>
+            <a:cxnSpLocks/>
+            <a:stCxn id="2" idx="5"/>
           </p:cNvCxnSpPr>
           <p:nvPr/>
         </p:nvCxnSpPr>
         <p:spPr>
-          <a:xfrm flipH="1">
-            <a:off x="4518734" y="1570563"/>
-            <a:ext cx="778676" cy="879674"/>
+          <a:xfrm>
+            <a:off x="6096723" y="1570563"/>
+            <a:ext cx="801227" cy="809169"/>
           </a:xfrm>
           <a:prstGeom prst="line">
             <a:avLst/>
@@ -5214,10 +5214,10 @@
       </p:cxnSp>
       <p:sp>
         <p:nvSpPr>
-          <p:cNvPr id="10" name="TextBox 9">
-            <a:extLst>
-              <a:ext uri="{FF2B5EF4-FFF2-40B4-BE49-F238E27FC236}">
-                <a16:creationId xmlns:a16="http://schemas.microsoft.com/office/drawing/2014/main" id="{DD19835D-2F25-4B44-8E07-6AEDBE8CE2F6}"/>
+          <p:cNvPr id="17" name="TextBox 16">
+            <a:extLst>
+              <a:ext uri="{FF2B5EF4-FFF2-40B4-BE49-F238E27FC236}">
+                <a16:creationId xmlns:a16="http://schemas.microsoft.com/office/drawing/2014/main" id="{8AC732FC-AA8C-4098-8FC9-CD4AC7FD1CD6}"/>
               </a:ext>
             </a:extLst>
           </p:cNvPr>
@@ -5226,8 +5226,8 @@
         </p:nvSpPr>
         <p:spPr>
           <a:xfrm>
-            <a:off x="1896499" y="2010400"/>
-            <a:ext cx="2842381" cy="369332"/>
+            <a:off x="6557408" y="1732642"/>
+            <a:ext cx="518329" cy="369332"/>
           </a:xfrm>
           <a:prstGeom prst="rect">
             <a:avLst/>
@@ -5241,261 +5241,8 @@
           <a:lstStyle/>
           <a:p>
             <a:r>
-              <a:rPr lang="en-US" dirty="0" err="1"/>
-              <a:t>FullStack;Database</a:t>
-            </a:r>
-            <a:r>
               <a:rPr lang="en-US" dirty="0"/>
-              <a:t> Manager</a:t>
-            </a:r>
-          </a:p>
-        </p:txBody>
-      </p:sp>
-      <p:cxnSp>
-        <p:nvCxnSpPr>
-          <p:cNvPr id="13" name="Straight Connector 12">
-            <a:extLst>
-              <a:ext uri="{FF2B5EF4-FFF2-40B4-BE49-F238E27FC236}">
-                <a16:creationId xmlns:a16="http://schemas.microsoft.com/office/drawing/2014/main" id="{628387F7-CEFD-4930-B853-A7B4433927D3}"/>
-              </a:ext>
-            </a:extLst>
-          </p:cNvPr>
-          <p:cNvCxnSpPr>
-            <a:stCxn id="2" idx="4"/>
-          </p:cNvCxnSpPr>
-          <p:nvPr/>
-        </p:nvCxnSpPr>
-        <p:spPr>
-          <a:xfrm flipH="1">
-            <a:off x="5794898" y="1757778"/>
-            <a:ext cx="1" cy="692459"/>
-          </a:xfrm>
-          <a:prstGeom prst="line">
-            <a:avLst/>
-          </a:prstGeom>
-          <a:ln>
-            <a:solidFill>
-              <a:schemeClr val="tx1"/>
-            </a:solidFill>
-          </a:ln>
-        </p:spPr>
-        <p:style>
-          <a:lnRef idx="1">
-            <a:schemeClr val="accent1"/>
-          </a:lnRef>
-          <a:fillRef idx="0">
-            <a:schemeClr val="accent1"/>
-          </a:fillRef>
-          <a:effectRef idx="0">
-            <a:schemeClr val="accent1"/>
-          </a:effectRef>
-          <a:fontRef idx="minor">
-            <a:schemeClr val="tx1"/>
-          </a:fontRef>
-        </p:style>
-      </p:cxnSp>
-      <p:sp>
-        <p:nvSpPr>
-          <p:cNvPr id="14" name="TextBox 13">
-            <a:extLst>
-              <a:ext uri="{FF2B5EF4-FFF2-40B4-BE49-F238E27FC236}">
-                <a16:creationId xmlns:a16="http://schemas.microsoft.com/office/drawing/2014/main" id="{8A2B6F10-7D0E-43E3-BBC9-26EC5E06AD72}"/>
-              </a:ext>
-            </a:extLst>
-          </p:cNvPr>
-          <p:cNvSpPr txBox="1"/>
-          <p:nvPr/>
-        </p:nvSpPr>
-        <p:spPr>
-          <a:xfrm>
-            <a:off x="4886587" y="1919341"/>
-            <a:ext cx="1919500" cy="369332"/>
-          </a:xfrm>
-          <a:prstGeom prst="rect">
-            <a:avLst/>
-          </a:prstGeom>
-          <a:noFill/>
-        </p:spPr>
-        <p:txBody>
-          <a:bodyPr wrap="square" rtlCol="0">
-            <a:spAutoFit/>
-          </a:bodyPr>
-          <a:lstStyle/>
-          <a:p>
-            <a:r>
-              <a:rPr lang="en-US" dirty="0" err="1"/>
-              <a:t>FullStack;Back</a:t>
-            </a:r>
-            <a:r>
-              <a:rPr lang="en-US" dirty="0"/>
-              <a:t> End</a:t>
-            </a:r>
-          </a:p>
-        </p:txBody>
-      </p:sp>
-      <p:cxnSp>
-        <p:nvCxnSpPr>
-          <p:cNvPr id="16" name="Straight Connector 15">
-            <a:extLst>
-              <a:ext uri="{FF2B5EF4-FFF2-40B4-BE49-F238E27FC236}">
-                <a16:creationId xmlns:a16="http://schemas.microsoft.com/office/drawing/2014/main" id="{9F00724D-B3D9-48B1-91E1-2E419A4BC31A}"/>
-              </a:ext>
-            </a:extLst>
-          </p:cNvPr>
-          <p:cNvCxnSpPr>
-            <a:stCxn id="2" idx="5"/>
-          </p:cNvCxnSpPr>
-          <p:nvPr/>
-        </p:nvCxnSpPr>
-        <p:spPr>
-          <a:xfrm>
-            <a:off x="6292387" y="1570563"/>
-            <a:ext cx="1040568" cy="809169"/>
-          </a:xfrm>
-          <a:prstGeom prst="line">
-            <a:avLst/>
-          </a:prstGeom>
-          <a:ln>
-            <a:solidFill>
-              <a:schemeClr val="tx1"/>
-            </a:solidFill>
-          </a:ln>
-        </p:spPr>
-        <p:style>
-          <a:lnRef idx="1">
-            <a:schemeClr val="accent1"/>
-          </a:lnRef>
-          <a:fillRef idx="0">
-            <a:schemeClr val="accent1"/>
-          </a:fillRef>
-          <a:effectRef idx="0">
-            <a:schemeClr val="accent1"/>
-          </a:effectRef>
-          <a:fontRef idx="minor">
-            <a:schemeClr val="tx1"/>
-          </a:fontRef>
-        </p:style>
-      </p:cxnSp>
-      <p:sp>
-        <p:nvSpPr>
-          <p:cNvPr id="17" name="TextBox 16">
-            <a:extLst>
-              <a:ext uri="{FF2B5EF4-FFF2-40B4-BE49-F238E27FC236}">
-                <a16:creationId xmlns:a16="http://schemas.microsoft.com/office/drawing/2014/main" id="{8AC732FC-AA8C-4098-8FC9-CD4AC7FD1CD6}"/>
-              </a:ext>
-            </a:extLst>
-          </p:cNvPr>
-          <p:cNvSpPr txBox="1"/>
-          <p:nvPr/>
-        </p:nvSpPr>
-        <p:spPr>
-          <a:xfrm>
-            <a:off x="7303575" y="2014447"/>
-            <a:ext cx="3062762" cy="369332"/>
-          </a:xfrm>
-          <a:prstGeom prst="rect">
-            <a:avLst/>
-          </a:prstGeom>
-          <a:noFill/>
-        </p:spPr>
-        <p:txBody>
-          <a:bodyPr wrap="square" rtlCol="0">
-            <a:spAutoFit/>
-          </a:bodyPr>
-          <a:lstStyle/>
-          <a:p>
-            <a:r>
-              <a:rPr lang="en-US" dirty="0"/>
-              <a:t>Engineering </a:t>
-            </a:r>
-            <a:r>
-              <a:rPr lang="en-US" dirty="0" err="1"/>
-              <a:t>Manager;Fullstack</a:t>
-            </a:r>
-            <a:endParaRPr lang="en-US" dirty="0"/>
-          </a:p>
-        </p:txBody>
-      </p:sp>
-      <p:cxnSp>
-        <p:nvCxnSpPr>
-          <p:cNvPr id="19" name="Straight Connector 18">
-            <a:extLst>
-              <a:ext uri="{FF2B5EF4-FFF2-40B4-BE49-F238E27FC236}">
-                <a16:creationId xmlns:a16="http://schemas.microsoft.com/office/drawing/2014/main" id="{41049518-5D13-4E75-9D29-8EEF03A46DD4}"/>
-              </a:ext>
-            </a:extLst>
-          </p:cNvPr>
-          <p:cNvCxnSpPr>
-            <a:stCxn id="2" idx="6"/>
-          </p:cNvCxnSpPr>
-          <p:nvPr/>
-        </p:nvCxnSpPr>
-        <p:spPr>
-          <a:xfrm>
-            <a:off x="6498454" y="1118586"/>
-            <a:ext cx="5370991" cy="1261146"/>
-          </a:xfrm>
-          <a:prstGeom prst="line">
-            <a:avLst/>
-          </a:prstGeom>
-          <a:ln>
-            <a:solidFill>
-              <a:schemeClr val="tx1"/>
-            </a:solidFill>
-          </a:ln>
-        </p:spPr>
-        <p:style>
-          <a:lnRef idx="1">
-            <a:schemeClr val="accent1"/>
-          </a:lnRef>
-          <a:fillRef idx="0">
-            <a:schemeClr val="accent1"/>
-          </a:fillRef>
-          <a:effectRef idx="0">
-            <a:schemeClr val="accent1"/>
-          </a:effectRef>
-          <a:fontRef idx="minor">
-            <a:schemeClr val="tx1"/>
-          </a:fontRef>
-        </p:style>
-      </p:cxnSp>
-      <p:sp>
-        <p:nvSpPr>
-          <p:cNvPr id="20" name="TextBox 19">
-            <a:extLst>
-              <a:ext uri="{FF2B5EF4-FFF2-40B4-BE49-F238E27FC236}">
-                <a16:creationId xmlns:a16="http://schemas.microsoft.com/office/drawing/2014/main" id="{F4E22D25-1E8B-4B3B-94EE-4F7A9E4C6232}"/>
-              </a:ext>
-            </a:extLst>
-          </p:cNvPr>
-          <p:cNvSpPr txBox="1"/>
-          <p:nvPr/>
-        </p:nvSpPr>
-        <p:spPr>
-          <a:xfrm>
-            <a:off x="7332955" y="1149743"/>
-            <a:ext cx="4468467" cy="646331"/>
-          </a:xfrm>
-          <a:prstGeom prst="rect">
-            <a:avLst/>
-          </a:prstGeom>
-          <a:noFill/>
-        </p:spPr>
-        <p:txBody>
-          <a:bodyPr wrap="square" rtlCol="0">
-            <a:spAutoFit/>
-          </a:bodyPr>
-          <a:lstStyle/>
-          <a:p>
-            <a:r>
-              <a:rPr lang="en-US" dirty="0"/>
-              <a:t>Desktop or enterprise applications developer;</a:t>
-            </a:r>
-          </a:p>
-          <a:p>
-            <a:r>
-              <a:rPr lang="en-US" dirty="0"/>
-              <a:t>Back End</a:t>
+              <a:t>No</a:t>
             </a:r>
           </a:p>
         </p:txBody>

--- a/Presentations/For Me/Presentation.pptx
+++ b/Presentations/For Me/Presentation.pptx
@@ -6,22 +6,21 @@
   </p:sldMasterIdLst>
   <p:sldIdLst>
     <p:sldId id="256" r:id="rId2"/>
-    <p:sldId id="257" r:id="rId3"/>
-    <p:sldId id="258" r:id="rId4"/>
-    <p:sldId id="259" r:id="rId5"/>
-    <p:sldId id="260" r:id="rId6"/>
-    <p:sldId id="261" r:id="rId7"/>
-    <p:sldId id="262" r:id="rId8"/>
-    <p:sldId id="263" r:id="rId9"/>
-    <p:sldId id="272" r:id="rId10"/>
-    <p:sldId id="273" r:id="rId11"/>
-    <p:sldId id="265" r:id="rId12"/>
-    <p:sldId id="266" r:id="rId13"/>
-    <p:sldId id="267" r:id="rId14"/>
-    <p:sldId id="268" r:id="rId15"/>
+    <p:sldId id="258" r:id="rId3"/>
+    <p:sldId id="260" r:id="rId4"/>
+    <p:sldId id="261" r:id="rId5"/>
+    <p:sldId id="262" r:id="rId6"/>
+    <p:sldId id="272" r:id="rId7"/>
+    <p:sldId id="265" r:id="rId8"/>
+    <p:sldId id="277" r:id="rId9"/>
+    <p:sldId id="279" r:id="rId10"/>
+    <p:sldId id="267" r:id="rId11"/>
+    <p:sldId id="274" r:id="rId12"/>
+    <p:sldId id="268" r:id="rId13"/>
+    <p:sldId id="275" r:id="rId14"/>
+    <p:sldId id="276" r:id="rId15"/>
     <p:sldId id="269" r:id="rId16"/>
-    <p:sldId id="274" r:id="rId17"/>
-    <p:sldId id="275" r:id="rId18"/>
+    <p:sldId id="273" r:id="rId17"/>
   </p:sldIdLst>
   <p:sldSz cx="12192000" cy="6858000"/>
   <p:notesSz cx="6858000" cy="9144000"/>
@@ -130,7 +129,7 @@
 
 <file path=ppt/commentAuthors.xml><?xml version="1.0" encoding="utf-8"?>
 <p:cmAuthorLst xmlns:a="http://schemas.openxmlformats.org/drawingml/2006/main" xmlns:r="http://schemas.openxmlformats.org/officeDocument/2006/relationships" xmlns:p="http://schemas.openxmlformats.org/presentationml/2006/main">
-  <p:cmAuthor id="1" name="William Pembleton" initials="WP" lastIdx="1" clrIdx="0">
+  <p:cmAuthor id="1" name="William Pembleton" initials="WP" lastIdx="3" clrIdx="0">
     <p:extLst>
       <p:ext uri="{19B8F6BF-5375-455C-9EA6-DF929625EA0E}">
         <p15:presenceInfo xmlns:p15="http://schemas.microsoft.com/office/powerpoint/2012/main" userId="aa56e9868da9a350" providerId="Windows Live"/>
@@ -138,6 +137,20 @@
     </p:extLst>
   </p:cmAuthor>
 </p:cmAuthorLst>
+</file>
+
+<file path=ppt/comments/comment1.xml><?xml version="1.0" encoding="utf-8"?>
+<p:cmLst xmlns:a="http://schemas.openxmlformats.org/drawingml/2006/main" xmlns:r="http://schemas.openxmlformats.org/officeDocument/2006/relationships" xmlns:p="http://schemas.openxmlformats.org/presentationml/2006/main">
+  <p:cm authorId="1" dt="2018-12-05T10:01:51.663" idx="3">
+    <p:pos x="3405" y="2669"/>
+    <p:text>Update this slide</p:text>
+    <p:extLst>
+      <p:ext uri="{C676402C-5697-4E1C-873F-D02D1690AC5C}">
+        <p15:threadingInfo xmlns:p15="http://schemas.microsoft.com/office/powerpoint/2012/main" timeZoneBias="300"/>
+      </p:ext>
+    </p:extLst>
+  </p:cm>
+</p:cmLst>
 </file>
 
 <file path=ppt/slideLayouts/slideLayout1.xml><?xml version="1.0" encoding="utf-8"?>
@@ -287,7 +300,7 @@
           <a:p>
             <a:fld id="{FE400534-9B4E-43CC-9E90-F3FF0615A88D}" type="datetimeFigureOut">
               <a:rPr lang="en-US" smtClean="0"/>
-              <a:t>11/13/2018</a:t>
+              <a:t>12/4/2018</a:t>
             </a:fld>
             <a:endParaRPr lang="en-US"/>
           </a:p>
@@ -490,7 +503,7 @@
           <a:p>
             <a:fld id="{FE400534-9B4E-43CC-9E90-F3FF0615A88D}" type="datetimeFigureOut">
               <a:rPr lang="en-US" smtClean="0"/>
-              <a:t>11/13/2018</a:t>
+              <a:t>12/4/2018</a:t>
             </a:fld>
             <a:endParaRPr lang="en-US"/>
           </a:p>
@@ -698,7 +711,7 @@
           <a:p>
             <a:fld id="{FE400534-9B4E-43CC-9E90-F3FF0615A88D}" type="datetimeFigureOut">
               <a:rPr lang="en-US" smtClean="0"/>
-              <a:t>11/13/2018</a:t>
+              <a:t>12/4/2018</a:t>
             </a:fld>
             <a:endParaRPr lang="en-US"/>
           </a:p>
@@ -896,7 +909,7 @@
           <a:p>
             <a:fld id="{FE400534-9B4E-43CC-9E90-F3FF0615A88D}" type="datetimeFigureOut">
               <a:rPr lang="en-US" smtClean="0"/>
-              <a:t>11/13/2018</a:t>
+              <a:t>12/4/2018</a:t>
             </a:fld>
             <a:endParaRPr lang="en-US"/>
           </a:p>
@@ -1171,7 +1184,7 @@
           <a:p>
             <a:fld id="{FE400534-9B4E-43CC-9E90-F3FF0615A88D}" type="datetimeFigureOut">
               <a:rPr lang="en-US" smtClean="0"/>
-              <a:t>11/13/2018</a:t>
+              <a:t>12/4/2018</a:t>
             </a:fld>
             <a:endParaRPr lang="en-US"/>
           </a:p>
@@ -1441,7 +1454,7 @@
           <a:p>
             <a:fld id="{FE400534-9B4E-43CC-9E90-F3FF0615A88D}" type="datetimeFigureOut">
               <a:rPr lang="en-US" smtClean="0"/>
-              <a:t>11/13/2018</a:t>
+              <a:t>12/4/2018</a:t>
             </a:fld>
             <a:endParaRPr lang="en-US"/>
           </a:p>
@@ -1853,7 +1866,7 @@
           <a:p>
             <a:fld id="{FE400534-9B4E-43CC-9E90-F3FF0615A88D}" type="datetimeFigureOut">
               <a:rPr lang="en-US" smtClean="0"/>
-              <a:t>11/13/2018</a:t>
+              <a:t>12/4/2018</a:t>
             </a:fld>
             <a:endParaRPr lang="en-US"/>
           </a:p>
@@ -1994,7 +2007,7 @@
           <a:p>
             <a:fld id="{FE400534-9B4E-43CC-9E90-F3FF0615A88D}" type="datetimeFigureOut">
               <a:rPr lang="en-US" smtClean="0"/>
-              <a:t>11/13/2018</a:t>
+              <a:t>12/4/2018</a:t>
             </a:fld>
             <a:endParaRPr lang="en-US"/>
           </a:p>
@@ -2107,7 +2120,7 @@
           <a:p>
             <a:fld id="{FE400534-9B4E-43CC-9E90-F3FF0615A88D}" type="datetimeFigureOut">
               <a:rPr lang="en-US" smtClean="0"/>
-              <a:t>11/13/2018</a:t>
+              <a:t>12/4/2018</a:t>
             </a:fld>
             <a:endParaRPr lang="en-US"/>
           </a:p>
@@ -2418,7 +2431,7 @@
           <a:p>
             <a:fld id="{FE400534-9B4E-43CC-9E90-F3FF0615A88D}" type="datetimeFigureOut">
               <a:rPr lang="en-US" smtClean="0"/>
-              <a:t>11/13/2018</a:t>
+              <a:t>12/4/2018</a:t>
             </a:fld>
             <a:endParaRPr lang="en-US"/>
           </a:p>
@@ -2706,7 +2719,7 @@
           <a:p>
             <a:fld id="{FE400534-9B4E-43CC-9E90-F3FF0615A88D}" type="datetimeFigureOut">
               <a:rPr lang="en-US" smtClean="0"/>
-              <a:t>11/13/2018</a:t>
+              <a:t>12/4/2018</a:t>
             </a:fld>
             <a:endParaRPr lang="en-US"/>
           </a:p>
@@ -2947,7 +2960,7 @@
           <a:p>
             <a:fld id="{FE400534-9B4E-43CC-9E90-F3FF0615A88D}" type="datetimeFigureOut">
               <a:rPr lang="en-US" smtClean="0"/>
-              <a:t>11/13/2018</a:t>
+              <a:t>12/4/2018</a:t>
             </a:fld>
             <a:endParaRPr lang="en-US"/>
           </a:p>
@@ -4224,13 +4237,13 @@
         </p:nvSpPr>
         <p:spPr>
           <a:xfrm>
-            <a:off x="6789743" y="2530063"/>
-            <a:ext cx="4996329" cy="1936752"/>
+            <a:off x="6832692" y="2101002"/>
+            <a:ext cx="4996329" cy="2835976"/>
           </a:xfrm>
         </p:spPr>
         <p:txBody>
           <a:bodyPr>
-            <a:normAutofit/>
+            <a:normAutofit fontScale="90000"/>
           </a:bodyPr>
           <a:lstStyle/>
           <a:p>
@@ -4240,7 +4253,7 @@
                   <a:srgbClr val="FFFFFF"/>
                 </a:solidFill>
               </a:rPr>
-              <a:t>What causes job satisfaction in Computer Science?</a:t>
+              <a:t>What causes Job/Career satisfaction in Computer Science and would you write unethical software?</a:t>
             </a:r>
           </a:p>
         </p:txBody>
@@ -4263,8 +4276,8 @@
         </p:nvSpPr>
         <p:spPr>
           <a:xfrm>
-            <a:off x="6789743" y="4632160"/>
-            <a:ext cx="4996328" cy="1068293"/>
+            <a:off x="6789743" y="5019275"/>
+            <a:ext cx="4996328" cy="589046"/>
           </a:xfrm>
         </p:spPr>
         <p:txBody>
@@ -4319,7 +4332,7 @@
           <p:cNvPr id="2" name="Title 1">
             <a:extLst>
               <a:ext uri="{FF2B5EF4-FFF2-40B4-BE49-F238E27FC236}">
-                <a16:creationId xmlns:a16="http://schemas.microsoft.com/office/drawing/2014/main" id="{3E158E42-18D7-42B7-932A-32D64EB270B5}"/>
+                <a16:creationId xmlns:a16="http://schemas.microsoft.com/office/drawing/2014/main" id="{1ADC43BF-2D4A-4708-934D-351511B012CB}"/>
               </a:ext>
             </a:extLst>
           </p:cNvPr>
@@ -4330,7 +4343,12 @@
             <p:ph type="title"/>
           </p:nvPr>
         </p:nvSpPr>
-        <p:spPr/>
+        <p:spPr>
+          <a:xfrm>
+            <a:off x="838199" y="212556"/>
+            <a:ext cx="10515600" cy="1325563"/>
+          </a:xfrm>
+        </p:spPr>
         <p:txBody>
           <a:bodyPr/>
           <a:lstStyle/>
@@ -4338,68 +4356,857 @@
             <a:pPr algn="ctr"/>
             <a:r>
               <a:rPr lang="en-US" dirty="0"/>
-              <a:t>Methodological (Preprocessing)</a:t>
-            </a:r>
-          </a:p>
-        </p:txBody>
-      </p:sp>
-      <p:sp>
-        <p:nvSpPr>
-          <p:cNvPr id="3" name="Content Placeholder 2">
-            <a:extLst>
-              <a:ext uri="{FF2B5EF4-FFF2-40B4-BE49-F238E27FC236}">
-                <a16:creationId xmlns:a16="http://schemas.microsoft.com/office/drawing/2014/main" id="{F43307FC-A106-440D-8EFF-59C2232B43E9}"/>
-              </a:ext>
-            </a:extLst>
-          </p:cNvPr>
-          <p:cNvSpPr>
-            <a:spLocks noGrp="1"/>
-          </p:cNvSpPr>
-          <p:nvPr>
-            <p:ph idx="1"/>
-          </p:nvPr>
-        </p:nvSpPr>
-        <p:spPr/>
-        <p:txBody>
-          <a:bodyPr/>
+              <a:t>Results (Job Satisfaction) Simplified</a:t>
+            </a:r>
+          </a:p>
+        </p:txBody>
+      </p:sp>
+      <p:pic>
+        <p:nvPicPr>
+          <p:cNvPr id="4" name="Picture 3">
+            <a:extLst>
+              <a:ext uri="{FF2B5EF4-FFF2-40B4-BE49-F238E27FC236}">
+                <a16:creationId xmlns:a16="http://schemas.microsoft.com/office/drawing/2014/main" id="{0F373A89-1E53-46FD-BCF0-3FA8F4CD4CD4}"/>
+              </a:ext>
+            </a:extLst>
+          </p:cNvPr>
+          <p:cNvPicPr/>
+          <p:nvPr/>
+        </p:nvPicPr>
+        <p:blipFill rotWithShape="1">
+          <a:blip r:embed="rId2"/>
+          <a:srcRect l="3590" t="44216" r="41795" b="30485"/>
+          <a:stretch/>
+        </p:blipFill>
+        <p:spPr bwMode="auto">
+          <a:xfrm>
+            <a:off x="753174" y="4468583"/>
+            <a:ext cx="7967249" cy="2076018"/>
+          </a:xfrm>
+          <a:prstGeom prst="rect">
+            <a:avLst/>
+          </a:prstGeom>
+          <a:ln>
+            <a:noFill/>
+          </a:ln>
+          <a:extLst>
+            <a:ext uri="{53640926-AAD7-44D8-BBD7-CCE9431645EC}">
+              <a14:shadowObscured xmlns:a14="http://schemas.microsoft.com/office/drawing/2010/main"/>
+            </a:ext>
+          </a:extLst>
+        </p:spPr>
+      </p:pic>
+      <p:sp>
+        <p:nvSpPr>
+          <p:cNvPr id="5" name="Oval 4">
+            <a:extLst>
+              <a:ext uri="{FF2B5EF4-FFF2-40B4-BE49-F238E27FC236}">
+                <a16:creationId xmlns:a16="http://schemas.microsoft.com/office/drawing/2014/main" id="{D11C82AA-BE02-42B8-8A6E-489568D8A9C0}"/>
+              </a:ext>
+            </a:extLst>
+          </p:cNvPr>
+          <p:cNvSpPr/>
+          <p:nvPr/>
+        </p:nvSpPr>
+        <p:spPr>
+          <a:xfrm>
+            <a:off x="4101484" y="1512286"/>
+            <a:ext cx="3462291" cy="763480"/>
+          </a:xfrm>
+          <a:prstGeom prst="ellipse">
+            <a:avLst/>
+          </a:prstGeom>
+          <a:solidFill>
+            <a:schemeClr val="bg1"/>
+          </a:solidFill>
+          <a:ln>
+            <a:solidFill>
+              <a:schemeClr val="tx1"/>
+            </a:solidFill>
+          </a:ln>
+        </p:spPr>
+        <p:style>
+          <a:lnRef idx="2">
+            <a:schemeClr val="accent1">
+              <a:shade val="50000"/>
+            </a:schemeClr>
+          </a:lnRef>
+          <a:fillRef idx="1">
+            <a:schemeClr val="accent1"/>
+          </a:fillRef>
+          <a:effectRef idx="0">
+            <a:schemeClr val="accent1"/>
+          </a:effectRef>
+          <a:fontRef idx="minor">
+            <a:schemeClr val="lt1"/>
+          </a:fontRef>
+        </p:style>
+        <p:txBody>
+          <a:bodyPr rtlCol="0" anchor="ctr"/>
+          <a:lstStyle/>
+          <a:p>
+            <a:pPr algn="ctr"/>
+            <a:r>
+              <a:rPr lang="en-US" dirty="0">
+                <a:solidFill>
+                  <a:sysClr val="windowText" lastClr="000000"/>
+                </a:solidFill>
+              </a:rPr>
+              <a:t>Communication Tool.NA</a:t>
+            </a:r>
+          </a:p>
+        </p:txBody>
+      </p:sp>
+      <p:cxnSp>
+        <p:nvCxnSpPr>
+          <p:cNvPr id="7" name="Straight Connector 6">
+            <a:extLst>
+              <a:ext uri="{FF2B5EF4-FFF2-40B4-BE49-F238E27FC236}">
+                <a16:creationId xmlns:a16="http://schemas.microsoft.com/office/drawing/2014/main" id="{7E2760C7-09E5-498A-B6B5-E85A5309326F}"/>
+              </a:ext>
+            </a:extLst>
+          </p:cNvPr>
+          <p:cNvCxnSpPr>
+            <a:cxnSpLocks/>
+            <a:stCxn id="5" idx="5"/>
+            <a:endCxn id="8" idx="1"/>
+          </p:cNvCxnSpPr>
+          <p:nvPr/>
+        </p:nvCxnSpPr>
+        <p:spPr>
+          <a:xfrm>
+            <a:off x="7056734" y="2163957"/>
+            <a:ext cx="1527795" cy="259884"/>
+          </a:xfrm>
+          <a:prstGeom prst="line">
+            <a:avLst/>
+          </a:prstGeom>
+          <a:ln>
+            <a:solidFill>
+              <a:schemeClr val="tx1"/>
+            </a:solidFill>
+          </a:ln>
+        </p:spPr>
+        <p:style>
+          <a:lnRef idx="1">
+            <a:schemeClr val="accent1"/>
+          </a:lnRef>
+          <a:fillRef idx="0">
+            <a:schemeClr val="accent1"/>
+          </a:fillRef>
+          <a:effectRef idx="0">
+            <a:schemeClr val="accent1"/>
+          </a:effectRef>
+          <a:fontRef idx="minor">
+            <a:schemeClr val="tx1"/>
+          </a:fontRef>
+        </p:style>
+      </p:cxnSp>
+      <p:sp>
+        <p:nvSpPr>
+          <p:cNvPr id="8" name="Oval 7">
+            <a:extLst>
+              <a:ext uri="{FF2B5EF4-FFF2-40B4-BE49-F238E27FC236}">
+                <a16:creationId xmlns:a16="http://schemas.microsoft.com/office/drawing/2014/main" id="{6BC3212C-D797-476D-9D67-0CB6D84049D7}"/>
+              </a:ext>
+            </a:extLst>
+          </p:cNvPr>
+          <p:cNvSpPr/>
+          <p:nvPr/>
+        </p:nvSpPr>
+        <p:spPr>
+          <a:xfrm>
+            <a:off x="8229600" y="2331534"/>
+            <a:ext cx="2423604" cy="630314"/>
+          </a:xfrm>
+          <a:prstGeom prst="ellipse">
+            <a:avLst/>
+          </a:prstGeom>
+          <a:solidFill>
+            <a:schemeClr val="bg1"/>
+          </a:solidFill>
+          <a:ln>
+            <a:solidFill>
+              <a:schemeClr val="tx1"/>
+            </a:solidFill>
+          </a:ln>
+        </p:spPr>
+        <p:style>
+          <a:lnRef idx="2">
+            <a:schemeClr val="accent1">
+              <a:shade val="50000"/>
+            </a:schemeClr>
+          </a:lnRef>
+          <a:fillRef idx="1">
+            <a:schemeClr val="accent1"/>
+          </a:fillRef>
+          <a:effectRef idx="0">
+            <a:schemeClr val="accent1"/>
+          </a:effectRef>
+          <a:fontRef idx="minor">
+            <a:schemeClr val="lt1"/>
+          </a:fontRef>
+        </p:style>
+        <p:txBody>
+          <a:bodyPr rtlCol="0" anchor="ctr"/>
+          <a:lstStyle/>
+          <a:p>
+            <a:pPr algn="ctr"/>
+            <a:r>
+              <a:rPr lang="en-US" dirty="0">
+                <a:solidFill>
+                  <a:sysClr val="windowText" lastClr="000000"/>
+                </a:solidFill>
+              </a:rPr>
+              <a:t>Career Satisfaction</a:t>
+            </a:r>
+          </a:p>
+        </p:txBody>
+      </p:sp>
+      <p:cxnSp>
+        <p:nvCxnSpPr>
+          <p:cNvPr id="10" name="Straight Connector 9">
+            <a:extLst>
+              <a:ext uri="{FF2B5EF4-FFF2-40B4-BE49-F238E27FC236}">
+                <a16:creationId xmlns:a16="http://schemas.microsoft.com/office/drawing/2014/main" id="{E5F95BEB-7931-465C-A4C4-3D3F9D8B3B64}"/>
+              </a:ext>
+            </a:extLst>
+          </p:cNvPr>
+          <p:cNvCxnSpPr>
+            <a:cxnSpLocks/>
+            <a:stCxn id="8" idx="3"/>
+            <a:endCxn id="12" idx="0"/>
+          </p:cNvCxnSpPr>
+          <p:nvPr/>
+        </p:nvCxnSpPr>
+        <p:spPr>
+          <a:xfrm flipH="1">
+            <a:off x="7567843" y="2869541"/>
+            <a:ext cx="1016686" cy="298794"/>
+          </a:xfrm>
+          <a:prstGeom prst="line">
+            <a:avLst/>
+          </a:prstGeom>
+          <a:ln>
+            <a:solidFill>
+              <a:schemeClr val="tx1"/>
+            </a:solidFill>
+          </a:ln>
+        </p:spPr>
+        <p:style>
+          <a:lnRef idx="1">
+            <a:schemeClr val="accent1"/>
+          </a:lnRef>
+          <a:fillRef idx="0">
+            <a:schemeClr val="accent1"/>
+          </a:fillRef>
+          <a:effectRef idx="0">
+            <a:schemeClr val="accent1"/>
+          </a:effectRef>
+          <a:fontRef idx="minor">
+            <a:schemeClr val="tx1"/>
+          </a:fontRef>
+        </p:style>
+      </p:cxnSp>
+      <p:sp>
+        <p:nvSpPr>
+          <p:cNvPr id="12" name="Oval 11">
+            <a:extLst>
+              <a:ext uri="{FF2B5EF4-FFF2-40B4-BE49-F238E27FC236}">
+                <a16:creationId xmlns:a16="http://schemas.microsoft.com/office/drawing/2014/main" id="{53996472-8083-4AD7-8AF0-07DC5206F91D}"/>
+              </a:ext>
+            </a:extLst>
+          </p:cNvPr>
+          <p:cNvSpPr/>
+          <p:nvPr/>
+        </p:nvSpPr>
+        <p:spPr>
+          <a:xfrm>
+            <a:off x="6542472" y="3168335"/>
+            <a:ext cx="2050742" cy="555754"/>
+          </a:xfrm>
+          <a:prstGeom prst="ellipse">
+            <a:avLst/>
+          </a:prstGeom>
+          <a:solidFill>
+            <a:schemeClr val="bg1"/>
+          </a:solidFill>
+          <a:ln>
+            <a:solidFill>
+              <a:schemeClr val="tx1"/>
+            </a:solidFill>
+          </a:ln>
+        </p:spPr>
+        <p:style>
+          <a:lnRef idx="2">
+            <a:schemeClr val="accent1">
+              <a:shade val="50000"/>
+            </a:schemeClr>
+          </a:lnRef>
+          <a:fillRef idx="1">
+            <a:schemeClr val="accent1"/>
+          </a:fillRef>
+          <a:effectRef idx="0">
+            <a:schemeClr val="accent1"/>
+          </a:effectRef>
+          <a:fontRef idx="minor">
+            <a:schemeClr val="lt1"/>
+          </a:fontRef>
+        </p:style>
+        <p:txBody>
+          <a:bodyPr rtlCol="0" anchor="ctr"/>
+          <a:lstStyle/>
+          <a:p>
+            <a:pPr algn="ctr"/>
+            <a:r>
+              <a:rPr lang="en-US" dirty="0">
+                <a:solidFill>
+                  <a:sysClr val="windowText" lastClr="000000"/>
+                </a:solidFill>
+              </a:rPr>
+              <a:t>Employment</a:t>
+            </a:r>
+          </a:p>
+        </p:txBody>
+      </p:sp>
+      <p:sp>
+        <p:nvSpPr>
+          <p:cNvPr id="15" name="TextBox 14">
+            <a:extLst>
+              <a:ext uri="{FF2B5EF4-FFF2-40B4-BE49-F238E27FC236}">
+                <a16:creationId xmlns:a16="http://schemas.microsoft.com/office/drawing/2014/main" id="{9DEEFB3B-DEFB-4FFF-9C9E-2A6B3575218C}"/>
+              </a:ext>
+            </a:extLst>
+          </p:cNvPr>
+          <p:cNvSpPr txBox="1"/>
+          <p:nvPr/>
+        </p:nvSpPr>
+        <p:spPr>
+          <a:xfrm>
+            <a:off x="9241654" y="3349699"/>
+            <a:ext cx="399495" cy="369332"/>
+          </a:xfrm>
+          <a:prstGeom prst="rect">
+            <a:avLst/>
+          </a:prstGeom>
+          <a:noFill/>
+        </p:spPr>
+        <p:txBody>
+          <a:bodyPr wrap="square" rtlCol="0">
+            <a:spAutoFit/>
+          </a:bodyPr>
           <a:lstStyle/>
           <a:p>
             <a:r>
               <a:rPr lang="en-US" dirty="0"/>
-              <a:t>There were a few questions on the survey that asked participants to rank (for instance what benefits are important to you in a job) on a scale from 1-10</a:t>
-            </a:r>
-          </a:p>
+              <a:t>…</a:t>
+            </a:r>
+          </a:p>
+        </p:txBody>
+      </p:sp>
+      <p:cxnSp>
+        <p:nvCxnSpPr>
+          <p:cNvPr id="17" name="Straight Connector 16">
+            <a:extLst>
+              <a:ext uri="{FF2B5EF4-FFF2-40B4-BE49-F238E27FC236}">
+                <a16:creationId xmlns:a16="http://schemas.microsoft.com/office/drawing/2014/main" id="{26548F80-CA89-4341-8ED6-953CDD2AB257}"/>
+              </a:ext>
+            </a:extLst>
+          </p:cNvPr>
+          <p:cNvCxnSpPr>
+            <a:cxnSpLocks/>
+            <a:stCxn id="8" idx="5"/>
+            <a:endCxn id="18" idx="0"/>
+          </p:cNvCxnSpPr>
+          <p:nvPr/>
+        </p:nvCxnSpPr>
+        <p:spPr>
+          <a:xfrm>
+            <a:off x="10298275" y="2869541"/>
+            <a:ext cx="650496" cy="307142"/>
+          </a:xfrm>
+          <a:prstGeom prst="line">
+            <a:avLst/>
+          </a:prstGeom>
+          <a:ln>
+            <a:solidFill>
+              <a:schemeClr val="tx1"/>
+            </a:solidFill>
+          </a:ln>
+        </p:spPr>
+        <p:style>
+          <a:lnRef idx="1">
+            <a:schemeClr val="accent1"/>
+          </a:lnRef>
+          <a:fillRef idx="0">
+            <a:schemeClr val="accent1"/>
+          </a:fillRef>
+          <a:effectRef idx="0">
+            <a:schemeClr val="accent1"/>
+          </a:effectRef>
+          <a:fontRef idx="minor">
+            <a:schemeClr val="tx1"/>
+          </a:fontRef>
+        </p:style>
+      </p:cxnSp>
+      <p:sp>
+        <p:nvSpPr>
+          <p:cNvPr id="18" name="Oval 17">
+            <a:extLst>
+              <a:ext uri="{FF2B5EF4-FFF2-40B4-BE49-F238E27FC236}">
+                <a16:creationId xmlns:a16="http://schemas.microsoft.com/office/drawing/2014/main" id="{4E230C5C-C8CF-4C79-B579-9E5D2AC591A7}"/>
+              </a:ext>
+            </a:extLst>
+          </p:cNvPr>
+          <p:cNvSpPr/>
+          <p:nvPr/>
+        </p:nvSpPr>
+        <p:spPr>
+          <a:xfrm>
+            <a:off x="9923400" y="3176683"/>
+            <a:ext cx="2050742" cy="555754"/>
+          </a:xfrm>
+          <a:prstGeom prst="ellipse">
+            <a:avLst/>
+          </a:prstGeom>
+          <a:solidFill>
+            <a:schemeClr val="bg1"/>
+          </a:solidFill>
+          <a:ln>
+            <a:solidFill>
+              <a:schemeClr val="tx1"/>
+            </a:solidFill>
+          </a:ln>
+        </p:spPr>
+        <p:style>
+          <a:lnRef idx="2">
+            <a:schemeClr val="accent1">
+              <a:shade val="50000"/>
+            </a:schemeClr>
+          </a:lnRef>
+          <a:fillRef idx="1">
+            <a:schemeClr val="accent1"/>
+          </a:fillRef>
+          <a:effectRef idx="0">
+            <a:schemeClr val="accent1"/>
+          </a:effectRef>
+          <a:fontRef idx="minor">
+            <a:schemeClr val="lt1"/>
+          </a:fontRef>
+        </p:style>
+        <p:txBody>
+          <a:bodyPr rtlCol="0" anchor="ctr"/>
+          <a:lstStyle/>
+          <a:p>
+            <a:pPr algn="ctr"/>
+            <a:r>
+              <a:rPr lang="en-US" dirty="0">
+                <a:solidFill>
+                  <a:sysClr val="windowText" lastClr="000000"/>
+                </a:solidFill>
+              </a:rPr>
+              <a:t>Employment</a:t>
+            </a:r>
+          </a:p>
+        </p:txBody>
+      </p:sp>
+      <p:cxnSp>
+        <p:nvCxnSpPr>
+          <p:cNvPr id="21" name="Straight Connector 20">
+            <a:extLst>
+              <a:ext uri="{FF2B5EF4-FFF2-40B4-BE49-F238E27FC236}">
+                <a16:creationId xmlns:a16="http://schemas.microsoft.com/office/drawing/2014/main" id="{E9749949-92E4-4173-AD5F-015745CB9459}"/>
+              </a:ext>
+            </a:extLst>
+          </p:cNvPr>
+          <p:cNvCxnSpPr>
+            <a:cxnSpLocks/>
+            <a:endCxn id="22" idx="0"/>
+          </p:cNvCxnSpPr>
+          <p:nvPr/>
+        </p:nvCxnSpPr>
+        <p:spPr>
+          <a:xfrm flipH="1">
+            <a:off x="3223564" y="2163957"/>
+            <a:ext cx="1284348" cy="180147"/>
+          </a:xfrm>
+          <a:prstGeom prst="line">
+            <a:avLst/>
+          </a:prstGeom>
+          <a:ln>
+            <a:solidFill>
+              <a:schemeClr val="tx1"/>
+            </a:solidFill>
+          </a:ln>
+        </p:spPr>
+        <p:style>
+          <a:lnRef idx="1">
+            <a:schemeClr val="accent1"/>
+          </a:lnRef>
+          <a:fillRef idx="0">
+            <a:schemeClr val="accent1"/>
+          </a:fillRef>
+          <a:effectRef idx="0">
+            <a:schemeClr val="accent1"/>
+          </a:effectRef>
+          <a:fontRef idx="minor">
+            <a:schemeClr val="tx1"/>
+          </a:fontRef>
+        </p:style>
+      </p:cxnSp>
+      <p:sp>
+        <p:nvSpPr>
+          <p:cNvPr id="22" name="Oval 21">
+            <a:extLst>
+              <a:ext uri="{FF2B5EF4-FFF2-40B4-BE49-F238E27FC236}">
+                <a16:creationId xmlns:a16="http://schemas.microsoft.com/office/drawing/2014/main" id="{C08584B1-03A6-411E-B28B-6EEE16D8144D}"/>
+              </a:ext>
+            </a:extLst>
+          </p:cNvPr>
+          <p:cNvSpPr/>
+          <p:nvPr/>
+        </p:nvSpPr>
+        <p:spPr>
+          <a:xfrm>
+            <a:off x="2011762" y="2344104"/>
+            <a:ext cx="2423604" cy="630314"/>
+          </a:xfrm>
+          <a:prstGeom prst="ellipse">
+            <a:avLst/>
+          </a:prstGeom>
+          <a:solidFill>
+            <a:schemeClr val="bg1"/>
+          </a:solidFill>
+          <a:ln>
+            <a:solidFill>
+              <a:schemeClr val="tx1"/>
+            </a:solidFill>
+          </a:ln>
+        </p:spPr>
+        <p:style>
+          <a:lnRef idx="2">
+            <a:schemeClr val="accent1">
+              <a:shade val="50000"/>
+            </a:schemeClr>
+          </a:lnRef>
+          <a:fillRef idx="1">
+            <a:schemeClr val="accent1"/>
+          </a:fillRef>
+          <a:effectRef idx="0">
+            <a:schemeClr val="accent1"/>
+          </a:effectRef>
+          <a:fontRef idx="minor">
+            <a:schemeClr val="lt1"/>
+          </a:fontRef>
+        </p:style>
+        <p:txBody>
+          <a:bodyPr rtlCol="0" anchor="ctr"/>
+          <a:lstStyle/>
+          <a:p>
+            <a:pPr algn="ctr"/>
+            <a:r>
+              <a:rPr lang="en-US" dirty="0">
+                <a:solidFill>
+                  <a:sysClr val="windowText" lastClr="000000"/>
+                </a:solidFill>
+              </a:rPr>
+              <a:t>Career Satisfaction</a:t>
+            </a:r>
+          </a:p>
+        </p:txBody>
+      </p:sp>
+      <p:cxnSp>
+        <p:nvCxnSpPr>
+          <p:cNvPr id="23" name="Straight Connector 22">
+            <a:extLst>
+              <a:ext uri="{FF2B5EF4-FFF2-40B4-BE49-F238E27FC236}">
+                <a16:creationId xmlns:a16="http://schemas.microsoft.com/office/drawing/2014/main" id="{703BA9AC-66DA-4D0E-B886-AB250712F365}"/>
+              </a:ext>
+            </a:extLst>
+          </p:cNvPr>
+          <p:cNvCxnSpPr>
+            <a:cxnSpLocks/>
+            <a:stCxn id="22" idx="3"/>
+            <a:endCxn id="24" idx="0"/>
+          </p:cNvCxnSpPr>
+          <p:nvPr/>
+        </p:nvCxnSpPr>
+        <p:spPr>
+          <a:xfrm flipH="1">
+            <a:off x="1396931" y="2882111"/>
+            <a:ext cx="969760" cy="286224"/>
+          </a:xfrm>
+          <a:prstGeom prst="line">
+            <a:avLst/>
+          </a:prstGeom>
+          <a:ln>
+            <a:solidFill>
+              <a:schemeClr val="tx1"/>
+            </a:solidFill>
+          </a:ln>
+        </p:spPr>
+        <p:style>
+          <a:lnRef idx="1">
+            <a:schemeClr val="accent1"/>
+          </a:lnRef>
+          <a:fillRef idx="0">
+            <a:schemeClr val="accent1"/>
+          </a:fillRef>
+          <a:effectRef idx="0">
+            <a:schemeClr val="accent1"/>
+          </a:effectRef>
+          <a:fontRef idx="minor">
+            <a:schemeClr val="tx1"/>
+          </a:fontRef>
+        </p:style>
+      </p:cxnSp>
+      <p:sp>
+        <p:nvSpPr>
+          <p:cNvPr id="24" name="Oval 23">
+            <a:extLst>
+              <a:ext uri="{FF2B5EF4-FFF2-40B4-BE49-F238E27FC236}">
+                <a16:creationId xmlns:a16="http://schemas.microsoft.com/office/drawing/2014/main" id="{EA13B05D-4A6D-46D2-9B2A-BC98D7B75649}"/>
+              </a:ext>
+            </a:extLst>
+          </p:cNvPr>
+          <p:cNvSpPr/>
+          <p:nvPr/>
+        </p:nvSpPr>
+        <p:spPr>
+          <a:xfrm>
+            <a:off x="371560" y="3168335"/>
+            <a:ext cx="2050742" cy="555754"/>
+          </a:xfrm>
+          <a:prstGeom prst="ellipse">
+            <a:avLst/>
+          </a:prstGeom>
+          <a:solidFill>
+            <a:schemeClr val="bg1"/>
+          </a:solidFill>
+          <a:ln>
+            <a:solidFill>
+              <a:schemeClr val="tx1"/>
+            </a:solidFill>
+          </a:ln>
+        </p:spPr>
+        <p:style>
+          <a:lnRef idx="2">
+            <a:schemeClr val="accent1">
+              <a:shade val="50000"/>
+            </a:schemeClr>
+          </a:lnRef>
+          <a:fillRef idx="1">
+            <a:schemeClr val="accent1"/>
+          </a:fillRef>
+          <a:effectRef idx="0">
+            <a:schemeClr val="accent1"/>
+          </a:effectRef>
+          <a:fontRef idx="minor">
+            <a:schemeClr val="lt1"/>
+          </a:fontRef>
+        </p:style>
+        <p:txBody>
+          <a:bodyPr rtlCol="0" anchor="ctr"/>
+          <a:lstStyle/>
+          <a:p>
+            <a:pPr algn="ctr"/>
+            <a:r>
+              <a:rPr lang="en-US" dirty="0">
+                <a:solidFill>
+                  <a:sysClr val="windowText" lastClr="000000"/>
+                </a:solidFill>
+              </a:rPr>
+              <a:t>Employment</a:t>
+            </a:r>
+          </a:p>
+        </p:txBody>
+      </p:sp>
+      <p:sp>
+        <p:nvSpPr>
+          <p:cNvPr id="25" name="TextBox 24">
+            <a:extLst>
+              <a:ext uri="{FF2B5EF4-FFF2-40B4-BE49-F238E27FC236}">
+                <a16:creationId xmlns:a16="http://schemas.microsoft.com/office/drawing/2014/main" id="{680E3CE3-307A-4FA8-8A12-0F15B10178A9}"/>
+              </a:ext>
+            </a:extLst>
+          </p:cNvPr>
+          <p:cNvSpPr txBox="1"/>
+          <p:nvPr/>
+        </p:nvSpPr>
+        <p:spPr>
+          <a:xfrm>
+            <a:off x="2934987" y="3326215"/>
+            <a:ext cx="399495" cy="369332"/>
+          </a:xfrm>
+          <a:prstGeom prst="rect">
+            <a:avLst/>
+          </a:prstGeom>
+          <a:noFill/>
+        </p:spPr>
+        <p:txBody>
+          <a:bodyPr wrap="square" rtlCol="0">
+            <a:spAutoFit/>
+          </a:bodyPr>
+          <a:lstStyle/>
           <a:p>
             <a:r>
               <a:rPr lang="en-US" dirty="0"/>
-              <a:t>I coded this similar to the last slide	</a:t>
-            </a:r>
-            <a:r>
-              <a:rPr lang="en-US" dirty="0" err="1"/>
-              <a:t>Benefits.Industry</a:t>
-            </a:r>
-            <a:endParaRPr lang="en-US" dirty="0"/>
-          </a:p>
-          <a:p>
-            <a:endParaRPr lang="en-US" dirty="0"/>
-          </a:p>
+              <a:t>…</a:t>
+            </a:r>
+          </a:p>
+        </p:txBody>
+      </p:sp>
+      <p:cxnSp>
+        <p:nvCxnSpPr>
+          <p:cNvPr id="26" name="Straight Connector 25">
+            <a:extLst>
+              <a:ext uri="{FF2B5EF4-FFF2-40B4-BE49-F238E27FC236}">
+                <a16:creationId xmlns:a16="http://schemas.microsoft.com/office/drawing/2014/main" id="{16A92F50-44D8-49C9-B280-8E76625BE847}"/>
+              </a:ext>
+            </a:extLst>
+          </p:cNvPr>
+          <p:cNvCxnSpPr>
+            <a:cxnSpLocks/>
+            <a:stCxn id="22" idx="5"/>
+            <a:endCxn id="27" idx="0"/>
+          </p:cNvCxnSpPr>
+          <p:nvPr/>
+        </p:nvCxnSpPr>
+        <p:spPr>
+          <a:xfrm>
+            <a:off x="4080437" y="2882111"/>
+            <a:ext cx="656362" cy="286224"/>
+          </a:xfrm>
+          <a:prstGeom prst="line">
+            <a:avLst/>
+          </a:prstGeom>
+          <a:ln>
+            <a:solidFill>
+              <a:schemeClr val="tx1"/>
+            </a:solidFill>
+          </a:ln>
+        </p:spPr>
+        <p:style>
+          <a:lnRef idx="1">
+            <a:schemeClr val="accent1"/>
+          </a:lnRef>
+          <a:fillRef idx="0">
+            <a:schemeClr val="accent1"/>
+          </a:fillRef>
+          <a:effectRef idx="0">
+            <a:schemeClr val="accent1"/>
+          </a:effectRef>
+          <a:fontRef idx="minor">
+            <a:schemeClr val="tx1"/>
+          </a:fontRef>
+        </p:style>
+      </p:cxnSp>
+      <p:sp>
+        <p:nvSpPr>
+          <p:cNvPr id="27" name="Oval 26">
+            <a:extLst>
+              <a:ext uri="{FF2B5EF4-FFF2-40B4-BE49-F238E27FC236}">
+                <a16:creationId xmlns:a16="http://schemas.microsoft.com/office/drawing/2014/main" id="{3CB0A6C1-4D15-4A50-9418-C8D6345F0D52}"/>
+              </a:ext>
+            </a:extLst>
+          </p:cNvPr>
+          <p:cNvSpPr/>
+          <p:nvPr/>
+        </p:nvSpPr>
+        <p:spPr>
+          <a:xfrm>
+            <a:off x="3711428" y="3168335"/>
+            <a:ext cx="2050742" cy="555754"/>
+          </a:xfrm>
+          <a:prstGeom prst="ellipse">
+            <a:avLst/>
+          </a:prstGeom>
+          <a:solidFill>
+            <a:schemeClr val="bg1"/>
+          </a:solidFill>
+          <a:ln>
+            <a:solidFill>
+              <a:schemeClr val="tx1"/>
+            </a:solidFill>
+          </a:ln>
+        </p:spPr>
+        <p:style>
+          <a:lnRef idx="2">
+            <a:schemeClr val="accent1">
+              <a:shade val="50000"/>
+            </a:schemeClr>
+          </a:lnRef>
+          <a:fillRef idx="1">
+            <a:schemeClr val="accent1"/>
+          </a:fillRef>
+          <a:effectRef idx="0">
+            <a:schemeClr val="accent1"/>
+          </a:effectRef>
+          <a:fontRef idx="minor">
+            <a:schemeClr val="lt1"/>
+          </a:fontRef>
+        </p:style>
+        <p:txBody>
+          <a:bodyPr rtlCol="0" anchor="ctr"/>
+          <a:lstStyle/>
+          <a:p>
+            <a:pPr algn="ctr"/>
+            <a:r>
+              <a:rPr lang="en-US" dirty="0">
+                <a:solidFill>
+                  <a:sysClr val="windowText" lastClr="000000"/>
+                </a:solidFill>
+              </a:rPr>
+              <a:t>Employment</a:t>
+            </a:r>
+          </a:p>
+        </p:txBody>
+      </p:sp>
+      <p:sp>
+        <p:nvSpPr>
+          <p:cNvPr id="40" name="TextBox 39">
+            <a:extLst>
+              <a:ext uri="{FF2B5EF4-FFF2-40B4-BE49-F238E27FC236}">
+                <a16:creationId xmlns:a16="http://schemas.microsoft.com/office/drawing/2014/main" id="{F3914031-75A2-4208-AEB8-B01E6FE793C8}"/>
+              </a:ext>
+            </a:extLst>
+          </p:cNvPr>
+          <p:cNvSpPr txBox="1"/>
+          <p:nvPr/>
+        </p:nvSpPr>
+        <p:spPr>
+          <a:xfrm>
+            <a:off x="8962107" y="5183426"/>
+            <a:ext cx="2672335" cy="646331"/>
+          </a:xfrm>
+          <a:prstGeom prst="rect">
+            <a:avLst/>
+          </a:prstGeom>
+          <a:noFill/>
+        </p:spPr>
+        <p:txBody>
+          <a:bodyPr wrap="none" rtlCol="0">
+            <a:spAutoFit/>
+          </a:bodyPr>
+          <a:lstStyle/>
           <a:p>
             <a:r>
               <a:rPr lang="en-US" dirty="0"/>
-              <a:t>Lots of people didn’t answer this question so I made their values </a:t>
-            </a:r>
-            <a:r>
-              <a:rPr lang="en-US" dirty="0" err="1"/>
-              <a:t>NaN</a:t>
-            </a:r>
-            <a:endParaRPr lang="en-US" dirty="0"/>
+              <a:t>Confidence Factor: 1/2^15</a:t>
+            </a:r>
+          </a:p>
+          <a:p>
+            <a:r>
+              <a:rPr lang="en-US" dirty="0"/>
+              <a:t>Accuracy: 62%</a:t>
+            </a:r>
           </a:p>
         </p:txBody>
       </p:sp>
     </p:spTree>
     <p:extLst>
       <p:ext uri="{BB962C8B-B14F-4D97-AF65-F5344CB8AC3E}">
-        <p14:creationId xmlns:p14="http://schemas.microsoft.com/office/powerpoint/2010/main" val="215546599"/>
+        <p14:creationId xmlns:p14="http://schemas.microsoft.com/office/powerpoint/2010/main" val="254068714"/>
       </p:ext>
     </p:extLst>
   </p:cSld>
@@ -4431,7 +5238,7 @@
           <p:cNvPr id="2" name="Title 1">
             <a:extLst>
               <a:ext uri="{FF2B5EF4-FFF2-40B4-BE49-F238E27FC236}">
-                <a16:creationId xmlns:a16="http://schemas.microsoft.com/office/drawing/2014/main" id="{49AE7DF9-C298-468C-87C2-9C4D4CEB63FC}"/>
+                <a16:creationId xmlns:a16="http://schemas.microsoft.com/office/drawing/2014/main" id="{84190EE6-4814-427C-AE3A-9E627B70C660}"/>
               </a:ext>
             </a:extLst>
           </p:cNvPr>
@@ -4442,7 +5249,12 @@
             <p:ph type="title"/>
           </p:nvPr>
         </p:nvSpPr>
-        <p:spPr/>
+        <p:spPr>
+          <a:xfrm>
+            <a:off x="838200" y="151765"/>
+            <a:ext cx="10515600" cy="1325563"/>
+          </a:xfrm>
+        </p:spPr>
         <p:txBody>
           <a:bodyPr/>
           <a:lstStyle/>
@@ -4450,7 +5262,7 @@
             <a:pPr algn="ctr"/>
             <a:r>
               <a:rPr lang="en-US" dirty="0"/>
-              <a:t>Methodological (Algorithm changes)</a:t>
+              <a:t>Job Satisfaction</a:t>
             </a:r>
           </a:p>
         </p:txBody>
@@ -4460,7 +5272,7 @@
           <p:cNvPr id="3" name="Content Placeholder 2">
             <a:extLst>
               <a:ext uri="{FF2B5EF4-FFF2-40B4-BE49-F238E27FC236}">
-                <a16:creationId xmlns:a16="http://schemas.microsoft.com/office/drawing/2014/main" id="{63D56331-CAFB-4040-841F-7B2B9E02AFC3}"/>
+                <a16:creationId xmlns:a16="http://schemas.microsoft.com/office/drawing/2014/main" id="{98BB226B-9B4B-496F-850A-DD589AFC4BBF}"/>
               </a:ext>
             </a:extLst>
           </p:cNvPr>
@@ -4471,65 +5283,74 @@
             <p:ph idx="1"/>
           </p:nvPr>
         </p:nvSpPr>
-        <p:spPr/>
-        <p:txBody>
-          <a:bodyPr/>
+        <p:spPr>
+          <a:xfrm>
+            <a:off x="838200" y="1602104"/>
+            <a:ext cx="10515600" cy="4829175"/>
+          </a:xfrm>
+        </p:spPr>
+        <p:txBody>
+          <a:bodyPr>
+            <a:normAutofit/>
+          </a:bodyPr>
           <a:lstStyle/>
           <a:p>
             <a:r>
               <a:rPr lang="en-US" dirty="0"/>
-              <a:t>Within the code I took in stuff like </a:t>
-            </a:r>
-            <a:r>
-              <a:rPr lang="en-US" dirty="0" err="1"/>
-              <a:t>DevType.FullStack</a:t>
-            </a:r>
+              <a:t>As mentioned in the abstract it’s the stuff that isn’t in the tree that’s interesting</a:t>
+            </a:r>
+          </a:p>
+          <a:p>
             <a:r>
               <a:rPr lang="en-US" dirty="0"/>
-              <a:t> and made it so that when the tree is asked to print itself it outputs something like the picture below  </a:t>
-            </a:r>
-          </a:p>
-        </p:txBody>
-      </p:sp>
-      <p:pic>
-        <p:nvPicPr>
-          <p:cNvPr id="5" name="Picture 4">
-            <a:extLst>
-              <a:ext uri="{FF2B5EF4-FFF2-40B4-BE49-F238E27FC236}">
-                <a16:creationId xmlns:a16="http://schemas.microsoft.com/office/drawing/2014/main" id="{2A37ABDF-C29E-4146-A7BC-D9DD6964F6E1}"/>
-              </a:ext>
-            </a:extLst>
-          </p:cNvPr>
-          <p:cNvPicPr>
-            <a:picLocks noChangeAspect="1"/>
-          </p:cNvPicPr>
-          <p:nvPr/>
-        </p:nvPicPr>
-        <p:blipFill rotWithShape="1">
-          <a:blip r:embed="rId2">
-            <a:extLst>
-              <a:ext uri="{28A0092B-C50C-407E-A947-70E740481C1C}">
-                <a14:useLocalDpi xmlns:a14="http://schemas.microsoft.com/office/drawing/2010/main" val="0"/>
-              </a:ext>
-            </a:extLst>
-          </a:blip>
-          <a:srcRect l="2970" t="10641" r="71327" b="51438"/>
-          <a:stretch/>
-        </p:blipFill>
-        <p:spPr>
-          <a:xfrm>
-            <a:off x="4009655" y="3198180"/>
-            <a:ext cx="4172690" cy="2676102"/>
-          </a:xfrm>
-          <a:prstGeom prst="rect">
-            <a:avLst/>
-          </a:prstGeom>
-        </p:spPr>
-      </p:pic>
+              <a:t>Age</a:t>
+            </a:r>
+          </a:p>
+          <a:p>
+            <a:r>
+              <a:rPr lang="en-US" dirty="0"/>
+              <a:t>Open source</a:t>
+            </a:r>
+          </a:p>
+          <a:p>
+            <a:r>
+              <a:rPr lang="en-US" dirty="0"/>
+              <a:t>How long coding (professionally/non-professionally)</a:t>
+            </a:r>
+          </a:p>
+          <a:p>
+            <a:r>
+              <a:rPr lang="en-US" dirty="0"/>
+              <a:t>What time you wake up</a:t>
+            </a:r>
+          </a:p>
+          <a:p>
+            <a:r>
+              <a:rPr lang="en-US" dirty="0"/>
+              <a:t>Hours spent on the computer in a day</a:t>
+            </a:r>
+          </a:p>
+          <a:p>
+            <a:r>
+              <a:rPr lang="en-US" dirty="0"/>
+              <a:t>Exercise</a:t>
+            </a:r>
+          </a:p>
+          <a:p>
+            <a:r>
+              <a:rPr lang="en-US" dirty="0"/>
+              <a:t>How many meals do you skip in a week</a:t>
+            </a:r>
+          </a:p>
+          <a:p>
+            <a:endParaRPr lang="en-US" dirty="0"/>
+          </a:p>
+        </p:txBody>
+      </p:sp>
     </p:spTree>
     <p:extLst>
       <p:ext uri="{BB962C8B-B14F-4D97-AF65-F5344CB8AC3E}">
-        <p14:creationId xmlns:p14="http://schemas.microsoft.com/office/powerpoint/2010/main" val="3653661526"/>
+        <p14:creationId xmlns:p14="http://schemas.microsoft.com/office/powerpoint/2010/main" val="2340184826"/>
       </p:ext>
     </p:extLst>
   </p:cSld>
@@ -4561,7 +5382,7 @@
           <p:cNvPr id="2" name="Title 1">
             <a:extLst>
               <a:ext uri="{FF2B5EF4-FFF2-40B4-BE49-F238E27FC236}">
-                <a16:creationId xmlns:a16="http://schemas.microsoft.com/office/drawing/2014/main" id="{B962F04F-A4FB-4E8D-8A8B-B44696FB95F9}"/>
+                <a16:creationId xmlns:a16="http://schemas.microsoft.com/office/drawing/2014/main" id="{996C2DD9-7166-4B0E-A588-65FCB5F08246}"/>
               </a:ext>
             </a:extLst>
           </p:cNvPr>
@@ -4572,7 +5393,12 @@
             <p:ph type="title"/>
           </p:nvPr>
         </p:nvSpPr>
-        <p:spPr/>
+        <p:spPr>
+          <a:xfrm>
+            <a:off x="838200" y="43611"/>
+            <a:ext cx="10515600" cy="1325563"/>
+          </a:xfrm>
+        </p:spPr>
         <p:txBody>
           <a:bodyPr/>
           <a:lstStyle/>
@@ -4580,61 +5406,673 @@
             <a:pPr algn="ctr"/>
             <a:r>
               <a:rPr lang="en-US" dirty="0"/>
-              <a:t>Methodological (Algorithm changes)</a:t>
-            </a:r>
-          </a:p>
-        </p:txBody>
-      </p:sp>
-      <p:sp>
-        <p:nvSpPr>
-          <p:cNvPr id="3" name="Content Placeholder 2">
-            <a:extLst>
-              <a:ext uri="{FF2B5EF4-FFF2-40B4-BE49-F238E27FC236}">
-                <a16:creationId xmlns:a16="http://schemas.microsoft.com/office/drawing/2014/main" id="{99625757-8B4B-47AB-8ADB-D5AEC9E25D97}"/>
-              </a:ext>
-            </a:extLst>
-          </p:cNvPr>
-          <p:cNvSpPr>
-            <a:spLocks noGrp="1"/>
-          </p:cNvSpPr>
-          <p:nvPr>
-            <p:ph idx="1"/>
-          </p:nvPr>
-        </p:nvSpPr>
-        <p:spPr/>
-        <p:txBody>
-          <a:bodyPr/>
+              <a:t>Results (Career satisfaction) Simplified</a:t>
+            </a:r>
+          </a:p>
+        </p:txBody>
+      </p:sp>
+      <p:sp>
+        <p:nvSpPr>
+          <p:cNvPr id="4" name="Oval 3">
+            <a:extLst>
+              <a:ext uri="{FF2B5EF4-FFF2-40B4-BE49-F238E27FC236}">
+                <a16:creationId xmlns:a16="http://schemas.microsoft.com/office/drawing/2014/main" id="{4230A829-40CA-4FC6-8515-6D3133AB2967}"/>
+              </a:ext>
+            </a:extLst>
+          </p:cNvPr>
+          <p:cNvSpPr/>
+          <p:nvPr/>
+        </p:nvSpPr>
+        <p:spPr>
+          <a:xfrm>
+            <a:off x="4101484" y="1512286"/>
+            <a:ext cx="3462291" cy="763480"/>
+          </a:xfrm>
+          <a:prstGeom prst="ellipse">
+            <a:avLst/>
+          </a:prstGeom>
+          <a:solidFill>
+            <a:schemeClr val="bg1"/>
+          </a:solidFill>
+          <a:ln>
+            <a:solidFill>
+              <a:schemeClr val="tx1"/>
+            </a:solidFill>
+          </a:ln>
+        </p:spPr>
+        <p:style>
+          <a:lnRef idx="2">
+            <a:schemeClr val="accent1">
+              <a:shade val="50000"/>
+            </a:schemeClr>
+          </a:lnRef>
+          <a:fillRef idx="1">
+            <a:schemeClr val="accent1"/>
+          </a:fillRef>
+          <a:effectRef idx="0">
+            <a:schemeClr val="accent1"/>
+          </a:effectRef>
+          <a:fontRef idx="minor">
+            <a:schemeClr val="lt1"/>
+          </a:fontRef>
+        </p:style>
+        <p:txBody>
+          <a:bodyPr rtlCol="0" anchor="ctr"/>
+          <a:lstStyle/>
+          <a:p>
+            <a:pPr algn="ctr"/>
+            <a:r>
+              <a:rPr lang="en-US" dirty="0">
+                <a:solidFill>
+                  <a:sysClr val="windowText" lastClr="000000"/>
+                </a:solidFill>
+              </a:rPr>
+              <a:t>Communication Tool.NA</a:t>
+            </a:r>
+          </a:p>
+        </p:txBody>
+      </p:sp>
+      <p:cxnSp>
+        <p:nvCxnSpPr>
+          <p:cNvPr id="5" name="Straight Connector 4">
+            <a:extLst>
+              <a:ext uri="{FF2B5EF4-FFF2-40B4-BE49-F238E27FC236}">
+                <a16:creationId xmlns:a16="http://schemas.microsoft.com/office/drawing/2014/main" id="{DA5E1A75-82B8-41F6-8CDA-F871DE31DE19}"/>
+              </a:ext>
+            </a:extLst>
+          </p:cNvPr>
+          <p:cNvCxnSpPr>
+            <a:cxnSpLocks/>
+            <a:stCxn id="4" idx="5"/>
+            <a:endCxn id="6" idx="1"/>
+          </p:cNvCxnSpPr>
+          <p:nvPr/>
+        </p:nvCxnSpPr>
+        <p:spPr>
+          <a:xfrm>
+            <a:off x="7056734" y="2163957"/>
+            <a:ext cx="1527795" cy="259884"/>
+          </a:xfrm>
+          <a:prstGeom prst="line">
+            <a:avLst/>
+          </a:prstGeom>
+          <a:ln>
+            <a:solidFill>
+              <a:schemeClr val="tx1"/>
+            </a:solidFill>
+          </a:ln>
+        </p:spPr>
+        <p:style>
+          <a:lnRef idx="1">
+            <a:schemeClr val="accent1"/>
+          </a:lnRef>
+          <a:fillRef idx="0">
+            <a:schemeClr val="accent1"/>
+          </a:fillRef>
+          <a:effectRef idx="0">
+            <a:schemeClr val="accent1"/>
+          </a:effectRef>
+          <a:fontRef idx="minor">
+            <a:schemeClr val="tx1"/>
+          </a:fontRef>
+        </p:style>
+      </p:cxnSp>
+      <p:sp>
+        <p:nvSpPr>
+          <p:cNvPr id="6" name="Oval 5">
+            <a:extLst>
+              <a:ext uri="{FF2B5EF4-FFF2-40B4-BE49-F238E27FC236}">
+                <a16:creationId xmlns:a16="http://schemas.microsoft.com/office/drawing/2014/main" id="{7B9F6FBE-FA37-4665-A6D2-EBDD8E9526E5}"/>
+              </a:ext>
+            </a:extLst>
+          </p:cNvPr>
+          <p:cNvSpPr/>
+          <p:nvPr/>
+        </p:nvSpPr>
+        <p:spPr>
+          <a:xfrm>
+            <a:off x="8229600" y="2331534"/>
+            <a:ext cx="2423604" cy="630314"/>
+          </a:xfrm>
+          <a:prstGeom prst="ellipse">
+            <a:avLst/>
+          </a:prstGeom>
+          <a:solidFill>
+            <a:schemeClr val="bg1"/>
+          </a:solidFill>
+          <a:ln>
+            <a:solidFill>
+              <a:schemeClr val="tx1"/>
+            </a:solidFill>
+          </a:ln>
+        </p:spPr>
+        <p:style>
+          <a:lnRef idx="2">
+            <a:schemeClr val="accent1">
+              <a:shade val="50000"/>
+            </a:schemeClr>
+          </a:lnRef>
+          <a:fillRef idx="1">
+            <a:schemeClr val="accent1"/>
+          </a:fillRef>
+          <a:effectRef idx="0">
+            <a:schemeClr val="accent1"/>
+          </a:effectRef>
+          <a:fontRef idx="minor">
+            <a:schemeClr val="lt1"/>
+          </a:fontRef>
+        </p:style>
+        <p:txBody>
+          <a:bodyPr rtlCol="0" anchor="ctr"/>
+          <a:lstStyle/>
+          <a:p>
+            <a:pPr algn="ctr"/>
+            <a:r>
+              <a:rPr lang="en-US" dirty="0">
+                <a:solidFill>
+                  <a:sysClr val="windowText" lastClr="000000"/>
+                </a:solidFill>
+              </a:rPr>
+              <a:t>Hope 5 Years</a:t>
+            </a:r>
+          </a:p>
+        </p:txBody>
+      </p:sp>
+      <p:cxnSp>
+        <p:nvCxnSpPr>
+          <p:cNvPr id="7" name="Straight Connector 6">
+            <a:extLst>
+              <a:ext uri="{FF2B5EF4-FFF2-40B4-BE49-F238E27FC236}">
+                <a16:creationId xmlns:a16="http://schemas.microsoft.com/office/drawing/2014/main" id="{2E73F60E-DC20-4605-A633-6246782B83DD}"/>
+              </a:ext>
+            </a:extLst>
+          </p:cNvPr>
+          <p:cNvCxnSpPr>
+            <a:cxnSpLocks/>
+            <a:stCxn id="6" idx="3"/>
+            <a:endCxn id="8" idx="0"/>
+          </p:cNvCxnSpPr>
+          <p:nvPr/>
+        </p:nvCxnSpPr>
+        <p:spPr>
+          <a:xfrm flipH="1">
+            <a:off x="7579305" y="2869541"/>
+            <a:ext cx="1005224" cy="298794"/>
+          </a:xfrm>
+          <a:prstGeom prst="line">
+            <a:avLst/>
+          </a:prstGeom>
+          <a:ln>
+            <a:solidFill>
+              <a:schemeClr val="tx1"/>
+            </a:solidFill>
+          </a:ln>
+        </p:spPr>
+        <p:style>
+          <a:lnRef idx="1">
+            <a:schemeClr val="accent1"/>
+          </a:lnRef>
+          <a:fillRef idx="0">
+            <a:schemeClr val="accent1"/>
+          </a:fillRef>
+          <a:effectRef idx="0">
+            <a:schemeClr val="accent1"/>
+          </a:effectRef>
+          <a:fontRef idx="minor">
+            <a:schemeClr val="tx1"/>
+          </a:fontRef>
+        </p:style>
+      </p:cxnSp>
+      <p:sp>
+        <p:nvSpPr>
+          <p:cNvPr id="8" name="Oval 7">
+            <a:extLst>
+              <a:ext uri="{FF2B5EF4-FFF2-40B4-BE49-F238E27FC236}">
+                <a16:creationId xmlns:a16="http://schemas.microsoft.com/office/drawing/2014/main" id="{1D35E710-AE54-4058-B77F-F9C8052840E6}"/>
+              </a:ext>
+            </a:extLst>
+          </p:cNvPr>
+          <p:cNvSpPr/>
+          <p:nvPr/>
+        </p:nvSpPr>
+        <p:spPr>
+          <a:xfrm>
+            <a:off x="6429832" y="3168335"/>
+            <a:ext cx="2298946" cy="555754"/>
+          </a:xfrm>
+          <a:prstGeom prst="ellipse">
+            <a:avLst/>
+          </a:prstGeom>
+          <a:solidFill>
+            <a:schemeClr val="bg1"/>
+          </a:solidFill>
+          <a:ln>
+            <a:solidFill>
+              <a:schemeClr val="tx1"/>
+            </a:solidFill>
+          </a:ln>
+        </p:spPr>
+        <p:style>
+          <a:lnRef idx="2">
+            <a:schemeClr val="accent1">
+              <a:shade val="50000"/>
+            </a:schemeClr>
+          </a:lnRef>
+          <a:fillRef idx="1">
+            <a:schemeClr val="accent1"/>
+          </a:fillRef>
+          <a:effectRef idx="0">
+            <a:schemeClr val="accent1"/>
+          </a:effectRef>
+          <a:fontRef idx="minor">
+            <a:schemeClr val="lt1"/>
+          </a:fontRef>
+        </p:style>
+        <p:txBody>
+          <a:bodyPr rtlCol="0" anchor="ctr"/>
+          <a:lstStyle/>
+          <a:p>
+            <a:pPr algn="ctr"/>
+            <a:r>
+              <a:rPr lang="en-US" dirty="0">
+                <a:solidFill>
+                  <a:sysClr val="windowText" lastClr="000000"/>
+                </a:solidFill>
+              </a:rPr>
+              <a:t>Job Satisfaction</a:t>
+            </a:r>
+          </a:p>
+        </p:txBody>
+      </p:sp>
+      <p:sp>
+        <p:nvSpPr>
+          <p:cNvPr id="9" name="TextBox 8">
+            <a:extLst>
+              <a:ext uri="{FF2B5EF4-FFF2-40B4-BE49-F238E27FC236}">
+                <a16:creationId xmlns:a16="http://schemas.microsoft.com/office/drawing/2014/main" id="{4A809355-11AD-4D45-8E18-D1FC2206A481}"/>
+              </a:ext>
+            </a:extLst>
+          </p:cNvPr>
+          <p:cNvSpPr txBox="1"/>
+          <p:nvPr/>
+        </p:nvSpPr>
+        <p:spPr>
+          <a:xfrm>
+            <a:off x="9125312" y="3354757"/>
+            <a:ext cx="399495" cy="369332"/>
+          </a:xfrm>
+          <a:prstGeom prst="rect">
+            <a:avLst/>
+          </a:prstGeom>
+          <a:noFill/>
+        </p:spPr>
+        <p:txBody>
+          <a:bodyPr wrap="square" rtlCol="0">
+            <a:spAutoFit/>
+          </a:bodyPr>
           <a:lstStyle/>
           <a:p>
             <a:r>
               <a:rPr lang="en-US" dirty="0"/>
-              <a:t>I added support for the Likert scale when a class is chosen that has a Likert scale for its values</a:t>
-            </a:r>
-          </a:p>
-          <a:p>
-            <a:endParaRPr lang="en-US" dirty="0"/>
-          </a:p>
+              <a:t>…</a:t>
+            </a:r>
+          </a:p>
+        </p:txBody>
+      </p:sp>
+      <p:cxnSp>
+        <p:nvCxnSpPr>
+          <p:cNvPr id="10" name="Straight Connector 9">
+            <a:extLst>
+              <a:ext uri="{FF2B5EF4-FFF2-40B4-BE49-F238E27FC236}">
+                <a16:creationId xmlns:a16="http://schemas.microsoft.com/office/drawing/2014/main" id="{78AA82BB-29C1-464B-B013-A961493463CB}"/>
+              </a:ext>
+            </a:extLst>
+          </p:cNvPr>
+          <p:cNvCxnSpPr>
+            <a:cxnSpLocks/>
+            <a:stCxn id="6" idx="5"/>
+            <a:endCxn id="11" idx="0"/>
+          </p:cNvCxnSpPr>
+          <p:nvPr/>
+        </p:nvCxnSpPr>
+        <p:spPr>
+          <a:xfrm>
+            <a:off x="10298275" y="2869541"/>
+            <a:ext cx="496794" cy="298794"/>
+          </a:xfrm>
+          <a:prstGeom prst="line">
+            <a:avLst/>
+          </a:prstGeom>
+          <a:ln>
+            <a:solidFill>
+              <a:schemeClr val="tx1"/>
+            </a:solidFill>
+          </a:ln>
+        </p:spPr>
+        <p:style>
+          <a:lnRef idx="1">
+            <a:schemeClr val="accent1"/>
+          </a:lnRef>
+          <a:fillRef idx="0">
+            <a:schemeClr val="accent1"/>
+          </a:fillRef>
+          <a:effectRef idx="0">
+            <a:schemeClr val="accent1"/>
+          </a:effectRef>
+          <a:fontRef idx="minor">
+            <a:schemeClr val="tx1"/>
+          </a:fontRef>
+        </p:style>
+      </p:cxnSp>
+      <p:sp>
+        <p:nvSpPr>
+          <p:cNvPr id="11" name="Oval 10">
+            <a:extLst>
+              <a:ext uri="{FF2B5EF4-FFF2-40B4-BE49-F238E27FC236}">
+                <a16:creationId xmlns:a16="http://schemas.microsoft.com/office/drawing/2014/main" id="{FED6CE54-8A71-46DB-9E6C-D7790763DAA7}"/>
+              </a:ext>
+            </a:extLst>
+          </p:cNvPr>
+          <p:cNvSpPr/>
+          <p:nvPr/>
+        </p:nvSpPr>
+        <p:spPr>
+          <a:xfrm>
+            <a:off x="9645596" y="3168335"/>
+            <a:ext cx="2298946" cy="555754"/>
+          </a:xfrm>
+          <a:prstGeom prst="ellipse">
+            <a:avLst/>
+          </a:prstGeom>
+          <a:solidFill>
+            <a:schemeClr val="bg1"/>
+          </a:solidFill>
+          <a:ln>
+            <a:solidFill>
+              <a:schemeClr val="tx1"/>
+            </a:solidFill>
+          </a:ln>
+        </p:spPr>
+        <p:style>
+          <a:lnRef idx="2">
+            <a:schemeClr val="accent1">
+              <a:shade val="50000"/>
+            </a:schemeClr>
+          </a:lnRef>
+          <a:fillRef idx="1">
+            <a:schemeClr val="accent1"/>
+          </a:fillRef>
+          <a:effectRef idx="0">
+            <a:schemeClr val="accent1"/>
+          </a:effectRef>
+          <a:fontRef idx="minor">
+            <a:schemeClr val="lt1"/>
+          </a:fontRef>
+        </p:style>
+        <p:txBody>
+          <a:bodyPr rtlCol="0" anchor="ctr"/>
+          <a:lstStyle/>
+          <a:p>
+            <a:pPr algn="ctr"/>
+            <a:r>
+              <a:rPr lang="en-US" dirty="0">
+                <a:solidFill>
+                  <a:sysClr val="windowText" lastClr="000000"/>
+                </a:solidFill>
+              </a:rPr>
+              <a:t>Job Satisfaction</a:t>
+            </a:r>
+          </a:p>
+        </p:txBody>
+      </p:sp>
+      <p:cxnSp>
+        <p:nvCxnSpPr>
+          <p:cNvPr id="12" name="Straight Connector 11">
+            <a:extLst>
+              <a:ext uri="{FF2B5EF4-FFF2-40B4-BE49-F238E27FC236}">
+                <a16:creationId xmlns:a16="http://schemas.microsoft.com/office/drawing/2014/main" id="{E410C7F3-4536-4A1F-AD32-CE779E09D363}"/>
+              </a:ext>
+            </a:extLst>
+          </p:cNvPr>
+          <p:cNvCxnSpPr>
+            <a:cxnSpLocks/>
+            <a:stCxn id="4" idx="3"/>
+            <a:endCxn id="13" idx="0"/>
+          </p:cNvCxnSpPr>
+          <p:nvPr/>
+        </p:nvCxnSpPr>
+        <p:spPr>
+          <a:xfrm flipH="1">
+            <a:off x="3223564" y="2163957"/>
+            <a:ext cx="1384961" cy="180147"/>
+          </a:xfrm>
+          <a:prstGeom prst="line">
+            <a:avLst/>
+          </a:prstGeom>
+          <a:ln>
+            <a:solidFill>
+              <a:schemeClr val="tx1"/>
+            </a:solidFill>
+          </a:ln>
+        </p:spPr>
+        <p:style>
+          <a:lnRef idx="1">
+            <a:schemeClr val="accent1"/>
+          </a:lnRef>
+          <a:fillRef idx="0">
+            <a:schemeClr val="accent1"/>
+          </a:fillRef>
+          <a:effectRef idx="0">
+            <a:schemeClr val="accent1"/>
+          </a:effectRef>
+          <a:fontRef idx="minor">
+            <a:schemeClr val="tx1"/>
+          </a:fontRef>
+        </p:style>
+      </p:cxnSp>
+      <p:sp>
+        <p:nvSpPr>
+          <p:cNvPr id="13" name="Oval 12">
+            <a:extLst>
+              <a:ext uri="{FF2B5EF4-FFF2-40B4-BE49-F238E27FC236}">
+                <a16:creationId xmlns:a16="http://schemas.microsoft.com/office/drawing/2014/main" id="{F5C4F86C-3E11-4587-958A-3787631D1C11}"/>
+              </a:ext>
+            </a:extLst>
+          </p:cNvPr>
+          <p:cNvSpPr/>
+          <p:nvPr/>
+        </p:nvSpPr>
+        <p:spPr>
+          <a:xfrm>
+            <a:off x="2011762" y="2344104"/>
+            <a:ext cx="2423604" cy="630314"/>
+          </a:xfrm>
+          <a:prstGeom prst="ellipse">
+            <a:avLst/>
+          </a:prstGeom>
+          <a:solidFill>
+            <a:schemeClr val="bg1"/>
+          </a:solidFill>
+          <a:ln>
+            <a:solidFill>
+              <a:schemeClr val="tx1"/>
+            </a:solidFill>
+          </a:ln>
+        </p:spPr>
+        <p:style>
+          <a:lnRef idx="2">
+            <a:schemeClr val="accent1">
+              <a:shade val="50000"/>
+            </a:schemeClr>
+          </a:lnRef>
+          <a:fillRef idx="1">
+            <a:schemeClr val="accent1"/>
+          </a:fillRef>
+          <a:effectRef idx="0">
+            <a:schemeClr val="accent1"/>
+          </a:effectRef>
+          <a:fontRef idx="minor">
+            <a:schemeClr val="lt1"/>
+          </a:fontRef>
+        </p:style>
+        <p:txBody>
+          <a:bodyPr rtlCol="0" anchor="ctr"/>
+          <a:lstStyle/>
+          <a:p>
+            <a:pPr algn="ctr"/>
+            <a:r>
+              <a:rPr lang="en-US" dirty="0">
+                <a:solidFill>
+                  <a:sysClr val="windowText" lastClr="000000"/>
+                </a:solidFill>
+              </a:rPr>
+              <a:t>Job Satisfaction</a:t>
+            </a:r>
+          </a:p>
+        </p:txBody>
+      </p:sp>
+      <p:pic>
+        <p:nvPicPr>
+          <p:cNvPr id="19" name="Picture 18">
+            <a:extLst>
+              <a:ext uri="{FF2B5EF4-FFF2-40B4-BE49-F238E27FC236}">
+                <a16:creationId xmlns:a16="http://schemas.microsoft.com/office/drawing/2014/main" id="{866377DF-1906-4522-8156-B5E49ADAADA9}"/>
+              </a:ext>
+            </a:extLst>
+          </p:cNvPr>
+          <p:cNvPicPr/>
+          <p:nvPr/>
+        </p:nvPicPr>
+        <p:blipFill rotWithShape="1">
+          <a:blip r:embed="rId2"/>
+          <a:srcRect l="3618" t="37506" r="41282" b="36410"/>
+          <a:stretch/>
+        </p:blipFill>
+        <p:spPr bwMode="auto">
+          <a:xfrm>
+            <a:off x="764354" y="4513897"/>
+            <a:ext cx="7964424" cy="2075688"/>
+          </a:xfrm>
+          <a:prstGeom prst="rect">
+            <a:avLst/>
+          </a:prstGeom>
+          <a:ln>
+            <a:noFill/>
+          </a:ln>
+          <a:extLst>
+            <a:ext uri="{53640926-AAD7-44D8-BBD7-CCE9431645EC}">
+              <a14:shadowObscured xmlns:a14="http://schemas.microsoft.com/office/drawing/2010/main"/>
+            </a:ext>
+          </a:extLst>
+        </p:spPr>
+      </p:pic>
+      <p:sp>
+        <p:nvSpPr>
+          <p:cNvPr id="21" name="TextBox 20">
+            <a:extLst>
+              <a:ext uri="{FF2B5EF4-FFF2-40B4-BE49-F238E27FC236}">
+                <a16:creationId xmlns:a16="http://schemas.microsoft.com/office/drawing/2014/main" id="{A5D6DFB0-D6DF-4DDB-88D4-416374846B6A}"/>
+              </a:ext>
+            </a:extLst>
+          </p:cNvPr>
+          <p:cNvSpPr txBox="1"/>
+          <p:nvPr/>
+        </p:nvSpPr>
+        <p:spPr>
+          <a:xfrm>
+            <a:off x="3483641" y="1884698"/>
+            <a:ext cx="455574" cy="369332"/>
+          </a:xfrm>
+          <a:prstGeom prst="rect">
+            <a:avLst/>
+          </a:prstGeom>
+          <a:noFill/>
+        </p:spPr>
+        <p:txBody>
+          <a:bodyPr wrap="none" rtlCol="0">
+            <a:spAutoFit/>
+          </a:bodyPr>
+          <a:lstStyle/>
           <a:p>
             <a:r>
               <a:rPr lang="en-US" dirty="0"/>
-              <a:t>Meaning that when you get to a leaf node it will tell you what it thinks your job satisfaction will be from 1-5</a:t>
-            </a:r>
-          </a:p>
-          <a:p>
-            <a:endParaRPr lang="en-US" dirty="0"/>
-          </a:p>
+              <a:t>No</a:t>
+            </a:r>
+          </a:p>
+        </p:txBody>
+      </p:sp>
+      <p:sp>
+        <p:nvSpPr>
+          <p:cNvPr id="23" name="TextBox 22">
+            <a:extLst>
+              <a:ext uri="{FF2B5EF4-FFF2-40B4-BE49-F238E27FC236}">
+                <a16:creationId xmlns:a16="http://schemas.microsoft.com/office/drawing/2014/main" id="{2D8E4BEA-846C-41EF-B5EE-AC84B6B1E20E}"/>
+              </a:ext>
+            </a:extLst>
+          </p:cNvPr>
+          <p:cNvSpPr txBox="1"/>
+          <p:nvPr/>
+        </p:nvSpPr>
+        <p:spPr>
+          <a:xfrm>
+            <a:off x="7831393" y="1906434"/>
+            <a:ext cx="485518" cy="369332"/>
+          </a:xfrm>
+          <a:prstGeom prst="rect">
+            <a:avLst/>
+          </a:prstGeom>
+          <a:noFill/>
+        </p:spPr>
+        <p:txBody>
+          <a:bodyPr wrap="none" rtlCol="0">
+            <a:spAutoFit/>
+          </a:bodyPr>
+          <a:lstStyle/>
           <a:p>
             <a:r>
               <a:rPr lang="en-US" dirty="0"/>
-              <a:t>Another small change I made to the algorithm is allowing it to handle values of </a:t>
-            </a:r>
-            <a:r>
-              <a:rPr lang="en-US" dirty="0" err="1"/>
-              <a:t>NaN</a:t>
-            </a:r>
+              <a:t>Yes</a:t>
+            </a:r>
+          </a:p>
+        </p:txBody>
+      </p:sp>
+      <p:sp>
+        <p:nvSpPr>
+          <p:cNvPr id="32" name="TextBox 31">
+            <a:extLst>
+              <a:ext uri="{FF2B5EF4-FFF2-40B4-BE49-F238E27FC236}">
+                <a16:creationId xmlns:a16="http://schemas.microsoft.com/office/drawing/2014/main" id="{DDD8E0C3-1B67-4311-904A-8DBDEF85580A}"/>
+              </a:ext>
+            </a:extLst>
+          </p:cNvPr>
+          <p:cNvSpPr txBox="1"/>
+          <p:nvPr/>
+        </p:nvSpPr>
+        <p:spPr>
+          <a:xfrm>
+            <a:off x="9125312" y="5200084"/>
+            <a:ext cx="2419060" cy="646331"/>
+          </a:xfrm>
+          <a:prstGeom prst="rect">
+            <a:avLst/>
+          </a:prstGeom>
+          <a:noFill/>
+        </p:spPr>
+        <p:txBody>
+          <a:bodyPr wrap="none" rtlCol="0">
+            <a:spAutoFit/>
+          </a:bodyPr>
+          <a:lstStyle/>
+          <a:p>
             <a:r>
               <a:rPr lang="en-US" dirty="0"/>
-              <a:t> (So I don’t have to throw away these rows)</a:t>
+              <a:t>Confidence Factor: 1^-7</a:t>
+            </a:r>
+          </a:p>
+          <a:p>
+            <a:r>
+              <a:rPr lang="en-US" dirty="0"/>
+              <a:t>Accuracy: 55%</a:t>
             </a:r>
           </a:p>
         </p:txBody>
@@ -4642,7 +6080,7 @@
     </p:spTree>
     <p:extLst>
       <p:ext uri="{BB962C8B-B14F-4D97-AF65-F5344CB8AC3E}">
-        <p14:creationId xmlns:p14="http://schemas.microsoft.com/office/powerpoint/2010/main" val="3167705142"/>
+        <p14:creationId xmlns:p14="http://schemas.microsoft.com/office/powerpoint/2010/main" val="2818132905"/>
       </p:ext>
     </p:extLst>
   </p:cSld>
@@ -4674,7 +6112,7 @@
           <p:cNvPr id="2" name="Title 1">
             <a:extLst>
               <a:ext uri="{FF2B5EF4-FFF2-40B4-BE49-F238E27FC236}">
-                <a16:creationId xmlns:a16="http://schemas.microsoft.com/office/drawing/2014/main" id="{1ADC43BF-2D4A-4708-934D-351511B012CB}"/>
+                <a16:creationId xmlns:a16="http://schemas.microsoft.com/office/drawing/2014/main" id="{08B65194-AC08-4A0A-9847-ED269DB640C7}"/>
               </a:ext>
             </a:extLst>
           </p:cNvPr>
@@ -4693,7 +6131,7 @@
             <a:pPr algn="ctr"/>
             <a:r>
               <a:rPr lang="en-US" dirty="0"/>
-              <a:t>Results (Job Satisfaction)</a:t>
+              <a:t>Career Satisfaction</a:t>
             </a:r>
           </a:p>
         </p:txBody>
@@ -4703,7 +6141,7 @@
           <p:cNvPr id="3" name="Content Placeholder 2">
             <a:extLst>
               <a:ext uri="{FF2B5EF4-FFF2-40B4-BE49-F238E27FC236}">
-                <a16:creationId xmlns:a16="http://schemas.microsoft.com/office/drawing/2014/main" id="{CACCC6B8-2B23-4798-A7B3-85A940F04ADB}"/>
+                <a16:creationId xmlns:a16="http://schemas.microsoft.com/office/drawing/2014/main" id="{F4D58E88-1A93-46C3-8BF7-BDDD8E6E9D71}"/>
               </a:ext>
             </a:extLst>
           </p:cNvPr>
@@ -4714,14 +6152,78 @@
             <p:ph idx="1"/>
           </p:nvPr>
         </p:nvSpPr>
-        <p:spPr/>
-        <p:txBody>
-          <a:bodyPr/>
-          <a:lstStyle/>
-          <a:p>
+        <p:spPr>
+          <a:xfrm>
+            <a:off x="838200" y="1825625"/>
+            <a:ext cx="10515600" cy="4351338"/>
+          </a:xfrm>
+        </p:spPr>
+        <p:txBody>
+          <a:bodyPr>
+            <a:normAutofit fontScale="92500" lnSpcReduction="10000"/>
+          </a:bodyPr>
+          <a:lstStyle/>
+          <a:p>
+            <a:pPr marL="0" lvl="0" indent="0">
+              <a:buNone/>
+            </a:pPr>
             <a:r>
               <a:rPr lang="en-US" dirty="0"/>
-              <a:t>Imagine a very pretty tree</a:t>
+              <a:t>Once again, it’s the stuff that didn’t show up that’s the most interesting</a:t>
+            </a:r>
+          </a:p>
+          <a:p>
+            <a:pPr lvl="0"/>
+            <a:r>
+              <a:rPr lang="en-US" dirty="0"/>
+              <a:t>Age </a:t>
+            </a:r>
+          </a:p>
+          <a:p>
+            <a:pPr lvl="0"/>
+            <a:r>
+              <a:rPr lang="en-US" dirty="0"/>
+              <a:t>Language shows up this time but only in circumstances where the number of examples is small (usually &lt; 300).</a:t>
+            </a:r>
+          </a:p>
+          <a:p>
+            <a:pPr lvl="0"/>
+            <a:r>
+              <a:rPr lang="en-US" dirty="0"/>
+              <a:t>Open source </a:t>
+            </a:r>
+          </a:p>
+          <a:p>
+            <a:r>
+              <a:rPr lang="en-US" dirty="0"/>
+              <a:t>How long coding (professionally/non-professionally)</a:t>
+            </a:r>
+          </a:p>
+          <a:p>
+            <a:pPr lvl="0"/>
+            <a:r>
+              <a:rPr lang="en-US" dirty="0"/>
+              <a:t>Wake time</a:t>
+            </a:r>
+          </a:p>
+          <a:p>
+            <a:pPr lvl="0"/>
+            <a:r>
+              <a:rPr lang="en-US" dirty="0"/>
+              <a:t>Hours on the computer</a:t>
+            </a:r>
+          </a:p>
+          <a:p>
+            <a:pPr lvl="0"/>
+            <a:r>
+              <a:rPr lang="en-US" dirty="0"/>
+              <a:t>Exercise</a:t>
+            </a:r>
+          </a:p>
+          <a:p>
+            <a:r>
+              <a:rPr lang="en-US" dirty="0"/>
+              <a:t>How many meals do you skip in a week</a:t>
             </a:r>
           </a:p>
         </p:txBody>
@@ -4729,7 +6231,7 @@
     </p:spTree>
     <p:extLst>
       <p:ext uri="{BB962C8B-B14F-4D97-AF65-F5344CB8AC3E}">
-        <p14:creationId xmlns:p14="http://schemas.microsoft.com/office/powerpoint/2010/main" val="254068714"/>
+        <p14:creationId xmlns:p14="http://schemas.microsoft.com/office/powerpoint/2010/main" val="3255650346"/>
       </p:ext>
     </p:extLst>
   </p:cSld>
@@ -4761,7 +6263,7 @@
           <p:cNvPr id="2" name="Title 1">
             <a:extLst>
               <a:ext uri="{FF2B5EF4-FFF2-40B4-BE49-F238E27FC236}">
-                <a16:creationId xmlns:a16="http://schemas.microsoft.com/office/drawing/2014/main" id="{996C2DD9-7166-4B0E-A588-65FCB5F08246}"/>
+                <a16:creationId xmlns:a16="http://schemas.microsoft.com/office/drawing/2014/main" id="{9CEBED0A-8FC3-44AE-8F8D-881C8F6FC1BC}"/>
               </a:ext>
             </a:extLst>
           </p:cNvPr>
@@ -4780,7 +6282,7 @@
             <a:pPr algn="ctr"/>
             <a:r>
               <a:rPr lang="en-US" dirty="0"/>
-              <a:t>Results (Language)</a:t>
+              <a:t>Ethics Choice variables</a:t>
             </a:r>
           </a:p>
         </p:txBody>
@@ -4790,7 +6292,7 @@
           <p:cNvPr id="3" name="Content Placeholder 2">
             <a:extLst>
               <a:ext uri="{FF2B5EF4-FFF2-40B4-BE49-F238E27FC236}">
-                <a16:creationId xmlns:a16="http://schemas.microsoft.com/office/drawing/2014/main" id="{18EF6471-8C64-4891-81F5-6F6DD5D470B7}"/>
+                <a16:creationId xmlns:a16="http://schemas.microsoft.com/office/drawing/2014/main" id="{24928C03-C86D-47D0-A756-AEB5294AA63D}"/>
               </a:ext>
             </a:extLst>
           </p:cNvPr>
@@ -4807,16 +6309,46 @@
           <a:lstStyle/>
           <a:p>
             <a:r>
+              <a:rPr lang="en-US" dirty="0" err="1"/>
+              <a:t>EthicsChoice</a:t>
+            </a:r>
+            <a:r>
               <a:rPr lang="en-US" dirty="0"/>
-              <a:t>Pretty tree #2</a:t>
-            </a:r>
+              <a:t>: Imagine that you were asked to write code for a purpose or product that you consider extremely unethical. Do you write the code anyway?</a:t>
+            </a:r>
+          </a:p>
+          <a:p>
+            <a:r>
+              <a:rPr lang="en-US" dirty="0" err="1"/>
+              <a:t>EthicsReport</a:t>
+            </a:r>
+            <a:r>
+              <a:rPr lang="en-US" dirty="0"/>
+              <a:t>: Do you report or otherwise call out the unethical code in question?</a:t>
+            </a:r>
+          </a:p>
+          <a:p>
+            <a:r>
+              <a:rPr lang="en-US" dirty="0" err="1"/>
+              <a:t>EthicalImplications</a:t>
+            </a:r>
+            <a:r>
+              <a:rPr lang="en-US" dirty="0"/>
+              <a:t>: Do you believe that you have an obligation to consider the ethical implications of the code that you write?</a:t>
+            </a:r>
+          </a:p>
+          <a:p>
+            <a:pPr marL="0" indent="0">
+              <a:buNone/>
+            </a:pPr>
+            <a:endParaRPr lang="en-US" dirty="0"/>
           </a:p>
         </p:txBody>
       </p:sp>
     </p:spTree>
     <p:extLst>
       <p:ext uri="{BB962C8B-B14F-4D97-AF65-F5344CB8AC3E}">
-        <p14:creationId xmlns:p14="http://schemas.microsoft.com/office/powerpoint/2010/main" val="2818132905"/>
+        <p14:creationId xmlns:p14="http://schemas.microsoft.com/office/powerpoint/2010/main" val="91528319"/>
       </p:ext>
     </p:extLst>
   </p:cSld>
@@ -4859,43 +6391,1175 @@
             <p:ph type="title"/>
           </p:nvPr>
         </p:nvSpPr>
-        <p:spPr/>
+        <p:spPr>
+          <a:xfrm>
+            <a:off x="838200" y="51407"/>
+            <a:ext cx="10515600" cy="1325563"/>
+          </a:xfrm>
+        </p:spPr>
         <p:txBody>
           <a:bodyPr/>
           <a:lstStyle/>
           <a:p>
             <a:pPr algn="ctr"/>
             <a:r>
+              <a:rPr lang="en-US" dirty="0">
+                <a:solidFill>
+                  <a:sysClr val="windowText" lastClr="000000"/>
+                </a:solidFill>
+              </a:rPr>
+              <a:t>Results (Ethics choice) Simplified</a:t>
+            </a:r>
+          </a:p>
+        </p:txBody>
+      </p:sp>
+      <p:sp>
+        <p:nvSpPr>
+          <p:cNvPr id="12" name="Oval 11">
+            <a:extLst>
+              <a:ext uri="{FF2B5EF4-FFF2-40B4-BE49-F238E27FC236}">
+                <a16:creationId xmlns:a16="http://schemas.microsoft.com/office/drawing/2014/main" id="{0A9282DF-D583-4573-8A93-F3D18BAFEB24}"/>
+              </a:ext>
+            </a:extLst>
+          </p:cNvPr>
+          <p:cNvSpPr/>
+          <p:nvPr/>
+        </p:nvSpPr>
+        <p:spPr>
+          <a:xfrm>
+            <a:off x="3524287" y="1376970"/>
+            <a:ext cx="2876365" cy="914400"/>
+          </a:xfrm>
+          <a:prstGeom prst="ellipse">
+            <a:avLst/>
+          </a:prstGeom>
+          <a:solidFill>
+            <a:schemeClr val="bg1"/>
+          </a:solidFill>
+          <a:ln>
+            <a:solidFill>
+              <a:schemeClr val="tx1"/>
+            </a:solidFill>
+          </a:ln>
+        </p:spPr>
+        <p:style>
+          <a:lnRef idx="2">
+            <a:schemeClr val="accent1">
+              <a:shade val="50000"/>
+            </a:schemeClr>
+          </a:lnRef>
+          <a:fillRef idx="1">
+            <a:schemeClr val="accent1"/>
+          </a:fillRef>
+          <a:effectRef idx="0">
+            <a:schemeClr val="accent1"/>
+          </a:effectRef>
+          <a:fontRef idx="minor">
+            <a:schemeClr val="lt1"/>
+          </a:fontRef>
+        </p:style>
+        <p:txBody>
+          <a:bodyPr rtlCol="0" anchor="ctr"/>
+          <a:lstStyle/>
+          <a:p>
+            <a:pPr algn="ctr"/>
+            <a:r>
+              <a:rPr lang="en-US" dirty="0" err="1">
+                <a:solidFill>
+                  <a:sysClr val="windowText" lastClr="000000"/>
+                </a:solidFill>
+              </a:rPr>
+              <a:t>EthicalImplications</a:t>
+            </a:r>
+            <a:endParaRPr lang="en-US" dirty="0">
+              <a:solidFill>
+                <a:sysClr val="windowText" lastClr="000000"/>
+              </a:solidFill>
+            </a:endParaRPr>
+          </a:p>
+        </p:txBody>
+      </p:sp>
+      <p:cxnSp>
+        <p:nvCxnSpPr>
+          <p:cNvPr id="14" name="Straight Connector 13">
+            <a:extLst>
+              <a:ext uri="{FF2B5EF4-FFF2-40B4-BE49-F238E27FC236}">
+                <a16:creationId xmlns:a16="http://schemas.microsoft.com/office/drawing/2014/main" id="{A79B9BE7-420C-4559-9835-7773EFEC1AE6}"/>
+              </a:ext>
+            </a:extLst>
+          </p:cNvPr>
+          <p:cNvCxnSpPr>
+            <a:cxnSpLocks/>
+            <a:stCxn id="12" idx="3"/>
+            <a:endCxn id="16" idx="0"/>
+          </p:cNvCxnSpPr>
+          <p:nvPr/>
+        </p:nvCxnSpPr>
+        <p:spPr>
+          <a:xfrm flipH="1">
+            <a:off x="1498260" y="2157459"/>
+            <a:ext cx="2447261" cy="257825"/>
+          </a:xfrm>
+          <a:prstGeom prst="line">
+            <a:avLst/>
+          </a:prstGeom>
+          <a:ln>
+            <a:solidFill>
+              <a:schemeClr val="tx1"/>
+            </a:solidFill>
+          </a:ln>
+        </p:spPr>
+        <p:style>
+          <a:lnRef idx="1">
+            <a:schemeClr val="accent1"/>
+          </a:lnRef>
+          <a:fillRef idx="0">
+            <a:schemeClr val="accent1"/>
+          </a:fillRef>
+          <a:effectRef idx="0">
+            <a:schemeClr val="accent1"/>
+          </a:effectRef>
+          <a:fontRef idx="minor">
+            <a:schemeClr val="tx1"/>
+          </a:fontRef>
+        </p:style>
+      </p:cxnSp>
+      <p:sp>
+        <p:nvSpPr>
+          <p:cNvPr id="16" name="Rectangle 15">
+            <a:extLst>
+              <a:ext uri="{FF2B5EF4-FFF2-40B4-BE49-F238E27FC236}">
+                <a16:creationId xmlns:a16="http://schemas.microsoft.com/office/drawing/2014/main" id="{6F6CC554-F573-45F2-A362-002776A4030F}"/>
+              </a:ext>
+            </a:extLst>
+          </p:cNvPr>
+          <p:cNvSpPr/>
+          <p:nvPr/>
+        </p:nvSpPr>
+        <p:spPr>
+          <a:xfrm>
+            <a:off x="795368" y="2415284"/>
+            <a:ext cx="1405783" cy="532660"/>
+          </a:xfrm>
+          <a:prstGeom prst="rect">
+            <a:avLst/>
+          </a:prstGeom>
+          <a:solidFill>
+            <a:schemeClr val="bg1"/>
+          </a:solidFill>
+          <a:ln>
+            <a:solidFill>
+              <a:schemeClr val="tx1"/>
+            </a:solidFill>
+          </a:ln>
+        </p:spPr>
+        <p:style>
+          <a:lnRef idx="2">
+            <a:schemeClr val="accent1">
+              <a:shade val="50000"/>
+            </a:schemeClr>
+          </a:lnRef>
+          <a:fillRef idx="1">
+            <a:schemeClr val="accent1"/>
+          </a:fillRef>
+          <a:effectRef idx="0">
+            <a:schemeClr val="accent1"/>
+          </a:effectRef>
+          <a:fontRef idx="minor">
+            <a:schemeClr val="lt1"/>
+          </a:fontRef>
+        </p:style>
+        <p:txBody>
+          <a:bodyPr rtlCol="0" anchor="ctr"/>
+          <a:lstStyle/>
+          <a:p>
+            <a:pPr algn="ctr"/>
+            <a:r>
+              <a:rPr lang="en-US" dirty="0">
+                <a:solidFill>
+                  <a:sysClr val="windowText" lastClr="000000"/>
+                </a:solidFill>
+              </a:rPr>
+              <a:t>No</a:t>
+            </a:r>
+          </a:p>
+        </p:txBody>
+      </p:sp>
+      <p:cxnSp>
+        <p:nvCxnSpPr>
+          <p:cNvPr id="19" name="Straight Connector 18">
+            <a:extLst>
+              <a:ext uri="{FF2B5EF4-FFF2-40B4-BE49-F238E27FC236}">
+                <a16:creationId xmlns:a16="http://schemas.microsoft.com/office/drawing/2014/main" id="{5714F533-6521-4997-AAAA-176AB267DD97}"/>
+              </a:ext>
+            </a:extLst>
+          </p:cNvPr>
+          <p:cNvCxnSpPr>
+            <a:cxnSpLocks/>
+            <a:stCxn id="12" idx="4"/>
+            <a:endCxn id="29" idx="0"/>
+          </p:cNvCxnSpPr>
+          <p:nvPr/>
+        </p:nvCxnSpPr>
+        <p:spPr>
+          <a:xfrm flipH="1">
+            <a:off x="3764647" y="2291370"/>
+            <a:ext cx="1197823" cy="780489"/>
+          </a:xfrm>
+          <a:prstGeom prst="line">
+            <a:avLst/>
+          </a:prstGeom>
+          <a:ln>
+            <a:solidFill>
+              <a:schemeClr val="tx1"/>
+            </a:solidFill>
+          </a:ln>
+        </p:spPr>
+        <p:style>
+          <a:lnRef idx="1">
+            <a:schemeClr val="accent1"/>
+          </a:lnRef>
+          <a:fillRef idx="0">
+            <a:schemeClr val="accent1"/>
+          </a:fillRef>
+          <a:effectRef idx="0">
+            <a:schemeClr val="accent1"/>
+          </a:effectRef>
+          <a:fontRef idx="minor">
+            <a:schemeClr val="tx1"/>
+          </a:fontRef>
+        </p:style>
+      </p:cxnSp>
+      <p:sp>
+        <p:nvSpPr>
+          <p:cNvPr id="22" name="TextBox 21">
+            <a:extLst>
+              <a:ext uri="{FF2B5EF4-FFF2-40B4-BE49-F238E27FC236}">
+                <a16:creationId xmlns:a16="http://schemas.microsoft.com/office/drawing/2014/main" id="{76047DA0-E57E-4251-ABB8-1F64929A6C42}"/>
+              </a:ext>
+            </a:extLst>
+          </p:cNvPr>
+          <p:cNvSpPr txBox="1"/>
+          <p:nvPr/>
+        </p:nvSpPr>
+        <p:spPr>
+          <a:xfrm>
+            <a:off x="2803051" y="1879954"/>
+            <a:ext cx="485518" cy="369332"/>
+          </a:xfrm>
+          <a:prstGeom prst="rect">
+            <a:avLst/>
+          </a:prstGeom>
+          <a:noFill/>
+        </p:spPr>
+        <p:txBody>
+          <a:bodyPr wrap="none" rtlCol="0">
+            <a:spAutoFit/>
+          </a:bodyPr>
+          <a:lstStyle/>
+          <a:p>
+            <a:r>
+              <a:rPr lang="en-US" dirty="0">
+                <a:solidFill>
+                  <a:sysClr val="windowText" lastClr="000000"/>
+                </a:solidFill>
+              </a:rPr>
+              <a:t>Yes</a:t>
+            </a:r>
+          </a:p>
+        </p:txBody>
+      </p:sp>
+      <p:sp>
+        <p:nvSpPr>
+          <p:cNvPr id="28" name="TextBox 27">
+            <a:extLst>
+              <a:ext uri="{FF2B5EF4-FFF2-40B4-BE49-F238E27FC236}">
+                <a16:creationId xmlns:a16="http://schemas.microsoft.com/office/drawing/2014/main" id="{55EF7F42-44ED-413E-B8A8-77A32CC12855}"/>
+              </a:ext>
+            </a:extLst>
+          </p:cNvPr>
+          <p:cNvSpPr txBox="1"/>
+          <p:nvPr/>
+        </p:nvSpPr>
+        <p:spPr>
+          <a:xfrm>
+            <a:off x="2839654" y="2505139"/>
+            <a:ext cx="1268489" cy="369332"/>
+          </a:xfrm>
+          <a:prstGeom prst="rect">
+            <a:avLst/>
+          </a:prstGeom>
+          <a:noFill/>
+        </p:spPr>
+        <p:txBody>
+          <a:bodyPr wrap="none" rtlCol="0">
+            <a:spAutoFit/>
+          </a:bodyPr>
+          <a:lstStyle/>
+          <a:p>
+            <a:r>
+              <a:rPr lang="en-US" dirty="0">
+                <a:solidFill>
+                  <a:sysClr val="windowText" lastClr="000000"/>
+                </a:solidFill>
+              </a:rPr>
+              <a:t>Unsure/IDK</a:t>
+            </a:r>
+          </a:p>
+        </p:txBody>
+      </p:sp>
+      <p:sp>
+        <p:nvSpPr>
+          <p:cNvPr id="29" name="Rectangle 28">
+            <a:extLst>
+              <a:ext uri="{FF2B5EF4-FFF2-40B4-BE49-F238E27FC236}">
+                <a16:creationId xmlns:a16="http://schemas.microsoft.com/office/drawing/2014/main" id="{DA74BF35-9ECE-413E-8A4A-5E7C22B90CC1}"/>
+              </a:ext>
+            </a:extLst>
+          </p:cNvPr>
+          <p:cNvSpPr/>
+          <p:nvPr/>
+        </p:nvSpPr>
+        <p:spPr>
+          <a:xfrm>
+            <a:off x="2518781" y="3071859"/>
+            <a:ext cx="2491732" cy="463619"/>
+          </a:xfrm>
+          <a:prstGeom prst="rect">
+            <a:avLst/>
+          </a:prstGeom>
+          <a:solidFill>
+            <a:schemeClr val="bg1"/>
+          </a:solidFill>
+          <a:ln>
+            <a:solidFill>
+              <a:schemeClr val="tx1"/>
+            </a:solidFill>
+          </a:ln>
+        </p:spPr>
+        <p:style>
+          <a:lnRef idx="2">
+            <a:schemeClr val="accent1">
+              <a:shade val="50000"/>
+            </a:schemeClr>
+          </a:lnRef>
+          <a:fillRef idx="1">
+            <a:schemeClr val="accent1"/>
+          </a:fillRef>
+          <a:effectRef idx="0">
+            <a:schemeClr val="accent1"/>
+          </a:effectRef>
+          <a:fontRef idx="minor">
+            <a:schemeClr val="lt1"/>
+          </a:fontRef>
+        </p:style>
+        <p:txBody>
+          <a:bodyPr rtlCol="0" anchor="ctr"/>
+          <a:lstStyle/>
+          <a:p>
+            <a:pPr algn="ctr"/>
+            <a:r>
+              <a:rPr lang="en-US" dirty="0">
+                <a:solidFill>
+                  <a:sysClr val="windowText" lastClr="000000"/>
+                </a:solidFill>
+              </a:rPr>
+              <a:t>Depends on what it is</a:t>
+            </a:r>
+          </a:p>
+        </p:txBody>
+      </p:sp>
+      <p:cxnSp>
+        <p:nvCxnSpPr>
+          <p:cNvPr id="32" name="Straight Connector 31">
+            <a:extLst>
+              <a:ext uri="{FF2B5EF4-FFF2-40B4-BE49-F238E27FC236}">
+                <a16:creationId xmlns:a16="http://schemas.microsoft.com/office/drawing/2014/main" id="{4F7117D0-4CD9-4A4B-BF58-C920146C27C4}"/>
+              </a:ext>
+            </a:extLst>
+          </p:cNvPr>
+          <p:cNvCxnSpPr>
+            <a:cxnSpLocks/>
+            <a:stCxn id="12" idx="5"/>
+            <a:endCxn id="37" idx="0"/>
+          </p:cNvCxnSpPr>
+          <p:nvPr/>
+        </p:nvCxnSpPr>
+        <p:spPr>
+          <a:xfrm>
+            <a:off x="5979418" y="2157459"/>
+            <a:ext cx="3335061" cy="260702"/>
+          </a:xfrm>
+          <a:prstGeom prst="line">
+            <a:avLst/>
+          </a:prstGeom>
+          <a:ln>
+            <a:solidFill>
+              <a:schemeClr val="tx1"/>
+            </a:solidFill>
+          </a:ln>
+        </p:spPr>
+        <p:style>
+          <a:lnRef idx="1">
+            <a:schemeClr val="accent1"/>
+          </a:lnRef>
+          <a:fillRef idx="0">
+            <a:schemeClr val="accent1"/>
+          </a:fillRef>
+          <a:effectRef idx="0">
+            <a:schemeClr val="accent1"/>
+          </a:effectRef>
+          <a:fontRef idx="minor">
+            <a:schemeClr val="tx1"/>
+          </a:fontRef>
+        </p:style>
+      </p:cxnSp>
+      <p:sp>
+        <p:nvSpPr>
+          <p:cNvPr id="33" name="TextBox 32">
+            <a:extLst>
+              <a:ext uri="{FF2B5EF4-FFF2-40B4-BE49-F238E27FC236}">
+                <a16:creationId xmlns:a16="http://schemas.microsoft.com/office/drawing/2014/main" id="{E041A400-9717-4E9E-9075-A2CDDD8F9490}"/>
+              </a:ext>
+            </a:extLst>
+          </p:cNvPr>
+          <p:cNvSpPr txBox="1"/>
+          <p:nvPr/>
+        </p:nvSpPr>
+        <p:spPr>
+          <a:xfrm>
+            <a:off x="6586928" y="2249286"/>
+            <a:ext cx="455574" cy="369332"/>
+          </a:xfrm>
+          <a:prstGeom prst="rect">
+            <a:avLst/>
+          </a:prstGeom>
+          <a:noFill/>
+        </p:spPr>
+        <p:txBody>
+          <a:bodyPr wrap="none" rtlCol="0">
+            <a:spAutoFit/>
+          </a:bodyPr>
+          <a:lstStyle/>
+          <a:p>
+            <a:r>
+              <a:rPr lang="en-US" dirty="0">
+                <a:solidFill>
+                  <a:sysClr val="windowText" lastClr="000000"/>
+                </a:solidFill>
+              </a:rPr>
+              <a:t>No</a:t>
+            </a:r>
+          </a:p>
+        </p:txBody>
+      </p:sp>
+      <p:sp>
+        <p:nvSpPr>
+          <p:cNvPr id="37" name="Oval 36">
+            <a:extLst>
+              <a:ext uri="{FF2B5EF4-FFF2-40B4-BE49-F238E27FC236}">
+                <a16:creationId xmlns:a16="http://schemas.microsoft.com/office/drawing/2014/main" id="{60A908E8-CEDE-491F-BECF-3899EFCC5A06}"/>
+              </a:ext>
+            </a:extLst>
+          </p:cNvPr>
+          <p:cNvSpPr/>
+          <p:nvPr/>
+        </p:nvSpPr>
+        <p:spPr>
+          <a:xfrm>
+            <a:off x="8115300" y="2418161"/>
+            <a:ext cx="2398358" cy="537004"/>
+          </a:xfrm>
+          <a:prstGeom prst="ellipse">
+            <a:avLst/>
+          </a:prstGeom>
+          <a:solidFill>
+            <a:schemeClr val="bg1"/>
+          </a:solidFill>
+          <a:ln>
+            <a:solidFill>
+              <a:schemeClr val="tx1"/>
+            </a:solidFill>
+          </a:ln>
+        </p:spPr>
+        <p:style>
+          <a:lnRef idx="2">
+            <a:schemeClr val="accent1">
+              <a:shade val="50000"/>
+            </a:schemeClr>
+          </a:lnRef>
+          <a:fillRef idx="1">
+            <a:schemeClr val="accent1"/>
+          </a:fillRef>
+          <a:effectRef idx="0">
+            <a:schemeClr val="accent1"/>
+          </a:effectRef>
+          <a:fontRef idx="minor">
+            <a:schemeClr val="lt1"/>
+          </a:fontRef>
+        </p:style>
+        <p:txBody>
+          <a:bodyPr rtlCol="0" anchor="ctr"/>
+          <a:lstStyle/>
+          <a:p>
+            <a:pPr algn="ctr"/>
+            <a:r>
+              <a:rPr lang="en-US" dirty="0" err="1">
+                <a:solidFill>
+                  <a:sysClr val="windowText" lastClr="000000"/>
+                </a:solidFill>
+              </a:rPr>
+              <a:t>EthicsReport</a:t>
+            </a:r>
+            <a:endParaRPr lang="en-US" dirty="0">
+              <a:solidFill>
+                <a:sysClr val="windowText" lastClr="000000"/>
+              </a:solidFill>
+            </a:endParaRPr>
+          </a:p>
+        </p:txBody>
+      </p:sp>
+      <p:sp>
+        <p:nvSpPr>
+          <p:cNvPr id="41" name="Rectangle 40">
+            <a:extLst>
+              <a:ext uri="{FF2B5EF4-FFF2-40B4-BE49-F238E27FC236}">
+                <a16:creationId xmlns:a16="http://schemas.microsoft.com/office/drawing/2014/main" id="{524C1D79-9200-4B49-B4A1-BA5B8999CA24}"/>
+              </a:ext>
+            </a:extLst>
+          </p:cNvPr>
+          <p:cNvSpPr/>
+          <p:nvPr/>
+        </p:nvSpPr>
+        <p:spPr>
+          <a:xfrm>
+            <a:off x="4157954" y="3842131"/>
+            <a:ext cx="980620" cy="473836"/>
+          </a:xfrm>
+          <a:prstGeom prst="rect">
+            <a:avLst/>
+          </a:prstGeom>
+          <a:solidFill>
+            <a:schemeClr val="bg1"/>
+          </a:solidFill>
+          <a:ln>
+            <a:solidFill>
+              <a:schemeClr val="tx1"/>
+            </a:solidFill>
+          </a:ln>
+        </p:spPr>
+        <p:style>
+          <a:lnRef idx="2">
+            <a:schemeClr val="accent1">
+              <a:shade val="50000"/>
+            </a:schemeClr>
+          </a:lnRef>
+          <a:fillRef idx="1">
+            <a:schemeClr val="accent1"/>
+          </a:fillRef>
+          <a:effectRef idx="0">
+            <a:schemeClr val="accent1"/>
+          </a:effectRef>
+          <a:fontRef idx="minor">
+            <a:schemeClr val="lt1"/>
+          </a:fontRef>
+        </p:style>
+        <p:txBody>
+          <a:bodyPr rtlCol="0" anchor="ctr"/>
+          <a:lstStyle/>
+          <a:p>
+            <a:pPr algn="ctr"/>
+            <a:r>
+              <a:rPr lang="en-US" dirty="0">
+                <a:solidFill>
+                  <a:sysClr val="windowText" lastClr="000000"/>
+                </a:solidFill>
+              </a:rPr>
+              <a:t>No</a:t>
+            </a:r>
+          </a:p>
+        </p:txBody>
+      </p:sp>
+      <p:cxnSp>
+        <p:nvCxnSpPr>
+          <p:cNvPr id="43" name="Straight Connector 42">
+            <a:extLst>
+              <a:ext uri="{FF2B5EF4-FFF2-40B4-BE49-F238E27FC236}">
+                <a16:creationId xmlns:a16="http://schemas.microsoft.com/office/drawing/2014/main" id="{2146ABBA-D9E4-4AEC-9F79-9554F9BDE82F}"/>
+              </a:ext>
+            </a:extLst>
+          </p:cNvPr>
+          <p:cNvCxnSpPr>
+            <a:cxnSpLocks/>
+            <a:stCxn id="37" idx="3"/>
+            <a:endCxn id="41" idx="0"/>
+          </p:cNvCxnSpPr>
+          <p:nvPr/>
+        </p:nvCxnSpPr>
+        <p:spPr>
+          <a:xfrm flipH="1">
+            <a:off x="4648264" y="2876523"/>
+            <a:ext cx="3818267" cy="965608"/>
+          </a:xfrm>
+          <a:prstGeom prst="line">
+            <a:avLst/>
+          </a:prstGeom>
+          <a:ln>
+            <a:solidFill>
+              <a:schemeClr val="tx1"/>
+            </a:solidFill>
+          </a:ln>
+        </p:spPr>
+        <p:style>
+          <a:lnRef idx="1">
+            <a:schemeClr val="accent1"/>
+          </a:lnRef>
+          <a:fillRef idx="0">
+            <a:schemeClr val="accent1"/>
+          </a:fillRef>
+          <a:effectRef idx="0">
+            <a:schemeClr val="accent1"/>
+          </a:effectRef>
+          <a:fontRef idx="minor">
+            <a:schemeClr val="tx1"/>
+          </a:fontRef>
+        </p:style>
+      </p:cxnSp>
+      <p:sp>
+        <p:nvSpPr>
+          <p:cNvPr id="50" name="Rectangle 49">
+            <a:extLst>
+              <a:ext uri="{FF2B5EF4-FFF2-40B4-BE49-F238E27FC236}">
+                <a16:creationId xmlns:a16="http://schemas.microsoft.com/office/drawing/2014/main" id="{F50E8EEE-E795-40F9-9977-C79D9B48CA01}"/>
+              </a:ext>
+            </a:extLst>
+          </p:cNvPr>
+          <p:cNvSpPr/>
+          <p:nvPr/>
+        </p:nvSpPr>
+        <p:spPr>
+          <a:xfrm>
+            <a:off x="5775413" y="4514376"/>
+            <a:ext cx="1912620" cy="473836"/>
+          </a:xfrm>
+          <a:prstGeom prst="rect">
+            <a:avLst/>
+          </a:prstGeom>
+          <a:solidFill>
+            <a:schemeClr val="bg1"/>
+          </a:solidFill>
+          <a:ln>
+            <a:solidFill>
+              <a:schemeClr val="tx1"/>
+            </a:solidFill>
+          </a:ln>
+        </p:spPr>
+        <p:style>
+          <a:lnRef idx="2">
+            <a:schemeClr val="accent1">
+              <a:shade val="50000"/>
+            </a:schemeClr>
+          </a:lnRef>
+          <a:fillRef idx="1">
+            <a:schemeClr val="accent1"/>
+          </a:fillRef>
+          <a:effectRef idx="0">
+            <a:schemeClr val="accent1"/>
+          </a:effectRef>
+          <a:fontRef idx="minor">
+            <a:schemeClr val="lt1"/>
+          </a:fontRef>
+        </p:style>
+        <p:txBody>
+          <a:bodyPr rtlCol="0" anchor="ctr"/>
+          <a:lstStyle/>
+          <a:p>
+            <a:pPr algn="ctr"/>
+            <a:r>
+              <a:rPr lang="en-US" dirty="0">
+                <a:solidFill>
+                  <a:sysClr val="windowText" lastClr="000000"/>
+                </a:solidFill>
+              </a:rPr>
+              <a:t>Depends on what it is</a:t>
+            </a:r>
+          </a:p>
+        </p:txBody>
+      </p:sp>
+      <p:cxnSp>
+        <p:nvCxnSpPr>
+          <p:cNvPr id="52" name="Straight Connector 51">
+            <a:extLst>
+              <a:ext uri="{FF2B5EF4-FFF2-40B4-BE49-F238E27FC236}">
+                <a16:creationId xmlns:a16="http://schemas.microsoft.com/office/drawing/2014/main" id="{07FFA6AC-ECD5-414B-8F17-31565592FAFE}"/>
+              </a:ext>
+            </a:extLst>
+          </p:cNvPr>
+          <p:cNvCxnSpPr>
+            <a:cxnSpLocks/>
+            <a:endCxn id="50" idx="0"/>
+          </p:cNvCxnSpPr>
+          <p:nvPr/>
+        </p:nvCxnSpPr>
+        <p:spPr>
+          <a:xfrm flipH="1">
+            <a:off x="6731723" y="2909192"/>
+            <a:ext cx="1878841" cy="1605184"/>
+          </a:xfrm>
+          <a:prstGeom prst="line">
+            <a:avLst/>
+          </a:prstGeom>
+          <a:ln>
+            <a:solidFill>
+              <a:schemeClr val="tx1"/>
+            </a:solidFill>
+          </a:ln>
+        </p:spPr>
+        <p:style>
+          <a:lnRef idx="1">
+            <a:schemeClr val="accent1"/>
+          </a:lnRef>
+          <a:fillRef idx="0">
+            <a:schemeClr val="accent1"/>
+          </a:fillRef>
+          <a:effectRef idx="0">
+            <a:schemeClr val="accent1"/>
+          </a:effectRef>
+          <a:fontRef idx="minor">
+            <a:schemeClr val="tx1"/>
+          </a:fontRef>
+        </p:style>
+      </p:cxnSp>
+      <p:sp>
+        <p:nvSpPr>
+          <p:cNvPr id="55" name="TextBox 54">
+            <a:extLst>
+              <a:ext uri="{FF2B5EF4-FFF2-40B4-BE49-F238E27FC236}">
+                <a16:creationId xmlns:a16="http://schemas.microsoft.com/office/drawing/2014/main" id="{FA24D926-1991-4F3B-98D4-FCB60A4A27F1}"/>
+              </a:ext>
+            </a:extLst>
+          </p:cNvPr>
+          <p:cNvSpPr txBox="1"/>
+          <p:nvPr/>
+        </p:nvSpPr>
+        <p:spPr>
+          <a:xfrm>
+            <a:off x="5188739" y="3001434"/>
+            <a:ext cx="1671740" cy="369332"/>
+          </a:xfrm>
+          <a:prstGeom prst="rect">
+            <a:avLst/>
+          </a:prstGeom>
+          <a:noFill/>
+        </p:spPr>
+        <p:txBody>
+          <a:bodyPr wrap="none" rtlCol="0">
+            <a:spAutoFit/>
+          </a:bodyPr>
+          <a:lstStyle/>
+          <a:p>
+            <a:r>
+              <a:rPr lang="en-US" dirty="0">
+                <a:solidFill>
+                  <a:sysClr val="windowText" lastClr="000000"/>
+                </a:solidFill>
+              </a:rPr>
+              <a:t>Yes and publicly</a:t>
+            </a:r>
+          </a:p>
+        </p:txBody>
+      </p:sp>
+      <p:sp>
+        <p:nvSpPr>
+          <p:cNvPr id="56" name="TextBox 55">
+            <a:extLst>
+              <a:ext uri="{FF2B5EF4-FFF2-40B4-BE49-F238E27FC236}">
+                <a16:creationId xmlns:a16="http://schemas.microsoft.com/office/drawing/2014/main" id="{3CFEFC28-34FB-4D23-BDF6-49A16455039B}"/>
+              </a:ext>
+            </a:extLst>
+          </p:cNvPr>
+          <p:cNvSpPr txBox="1"/>
+          <p:nvPr/>
+        </p:nvSpPr>
+        <p:spPr>
+          <a:xfrm>
+            <a:off x="5394225" y="3571515"/>
+            <a:ext cx="2213555" cy="369332"/>
+          </a:xfrm>
+          <a:prstGeom prst="rect">
+            <a:avLst/>
+          </a:prstGeom>
+          <a:noFill/>
+        </p:spPr>
+        <p:txBody>
+          <a:bodyPr wrap="none" rtlCol="0">
+            <a:spAutoFit/>
+          </a:bodyPr>
+          <a:lstStyle/>
+          <a:p>
+            <a:r>
+              <a:rPr lang="en-US" dirty="0">
+                <a:solidFill>
+                  <a:sysClr val="windowText" lastClr="000000"/>
+                </a:solidFill>
+              </a:rPr>
+              <a:t>Depends on what it is</a:t>
+            </a:r>
+          </a:p>
+        </p:txBody>
+      </p:sp>
+      <p:sp>
+        <p:nvSpPr>
+          <p:cNvPr id="58" name="Rectangle 57">
+            <a:extLst>
+              <a:ext uri="{FF2B5EF4-FFF2-40B4-BE49-F238E27FC236}">
+                <a16:creationId xmlns:a16="http://schemas.microsoft.com/office/drawing/2014/main" id="{63585EFB-E472-42C6-B8D2-EE6F4B772D6A}"/>
+              </a:ext>
+            </a:extLst>
+          </p:cNvPr>
+          <p:cNvSpPr/>
+          <p:nvPr/>
+        </p:nvSpPr>
+        <p:spPr>
+          <a:xfrm>
+            <a:off x="8325634" y="4514376"/>
+            <a:ext cx="1911096" cy="502920"/>
+          </a:xfrm>
+          <a:prstGeom prst="rect">
+            <a:avLst/>
+          </a:prstGeom>
+          <a:solidFill>
+            <a:schemeClr val="bg1"/>
+          </a:solidFill>
+          <a:ln>
+            <a:solidFill>
+              <a:schemeClr val="tx1"/>
+            </a:solidFill>
+          </a:ln>
+        </p:spPr>
+        <p:style>
+          <a:lnRef idx="2">
+            <a:schemeClr val="accent1">
+              <a:shade val="50000"/>
+            </a:schemeClr>
+          </a:lnRef>
+          <a:fillRef idx="1">
+            <a:schemeClr val="accent1"/>
+          </a:fillRef>
+          <a:effectRef idx="0">
+            <a:schemeClr val="accent1"/>
+          </a:effectRef>
+          <a:fontRef idx="minor">
+            <a:schemeClr val="lt1"/>
+          </a:fontRef>
+        </p:style>
+        <p:txBody>
+          <a:bodyPr rtlCol="0" anchor="ctr"/>
+          <a:lstStyle/>
+          <a:p>
+            <a:pPr algn="ctr"/>
+            <a:r>
+              <a:rPr lang="en-US" dirty="0">
+                <a:solidFill>
+                  <a:sysClr val="windowText" lastClr="000000"/>
+                </a:solidFill>
+              </a:rPr>
+              <a:t>Depends on what it is</a:t>
+            </a:r>
+          </a:p>
+        </p:txBody>
+      </p:sp>
+      <p:cxnSp>
+        <p:nvCxnSpPr>
+          <p:cNvPr id="60" name="Straight Connector 59">
+            <a:extLst>
+              <a:ext uri="{FF2B5EF4-FFF2-40B4-BE49-F238E27FC236}">
+                <a16:creationId xmlns:a16="http://schemas.microsoft.com/office/drawing/2014/main" id="{BE51E6BC-767B-44F2-9613-56879A8184C5}"/>
+              </a:ext>
+            </a:extLst>
+          </p:cNvPr>
+          <p:cNvCxnSpPr>
+            <a:stCxn id="37" idx="4"/>
+            <a:endCxn id="58" idx="0"/>
+          </p:cNvCxnSpPr>
+          <p:nvPr/>
+        </p:nvCxnSpPr>
+        <p:spPr>
+          <a:xfrm flipH="1">
+            <a:off x="9281182" y="2955165"/>
+            <a:ext cx="33297" cy="1559211"/>
+          </a:xfrm>
+          <a:prstGeom prst="line">
+            <a:avLst/>
+          </a:prstGeom>
+          <a:ln>
+            <a:solidFill>
+              <a:schemeClr val="tx1"/>
+            </a:solidFill>
+          </a:ln>
+        </p:spPr>
+        <p:style>
+          <a:lnRef idx="1">
+            <a:schemeClr val="accent1"/>
+          </a:lnRef>
+          <a:fillRef idx="0">
+            <a:schemeClr val="accent1"/>
+          </a:fillRef>
+          <a:effectRef idx="0">
+            <a:schemeClr val="accent1"/>
+          </a:effectRef>
+          <a:fontRef idx="minor">
+            <a:schemeClr val="tx1"/>
+          </a:fontRef>
+        </p:style>
+      </p:cxnSp>
+      <p:sp>
+        <p:nvSpPr>
+          <p:cNvPr id="61" name="TextBox 60">
+            <a:extLst>
+              <a:ext uri="{FF2B5EF4-FFF2-40B4-BE49-F238E27FC236}">
+                <a16:creationId xmlns:a16="http://schemas.microsoft.com/office/drawing/2014/main" id="{1E9445BF-0717-4A4B-BC1C-6A4BA2A118D4}"/>
+              </a:ext>
+            </a:extLst>
+          </p:cNvPr>
+          <p:cNvSpPr txBox="1"/>
+          <p:nvPr/>
+        </p:nvSpPr>
+        <p:spPr>
+          <a:xfrm>
+            <a:off x="7806212" y="3802143"/>
+            <a:ext cx="3233257" cy="369332"/>
+          </a:xfrm>
+          <a:prstGeom prst="rect">
+            <a:avLst/>
+          </a:prstGeom>
+          <a:noFill/>
+        </p:spPr>
+        <p:txBody>
+          <a:bodyPr wrap="none" rtlCol="0">
+            <a:spAutoFit/>
+          </a:bodyPr>
+          <a:lstStyle/>
+          <a:p>
+            <a:r>
               <a:rPr lang="en-US" dirty="0"/>
-              <a:t>Results (Open Source)</a:t>
-            </a:r>
-          </a:p>
-        </p:txBody>
-      </p:sp>
-      <p:sp>
-        <p:nvSpPr>
-          <p:cNvPr id="3" name="Content Placeholder 2">
-            <a:extLst>
-              <a:ext uri="{FF2B5EF4-FFF2-40B4-BE49-F238E27FC236}">
-                <a16:creationId xmlns:a16="http://schemas.microsoft.com/office/drawing/2014/main" id="{BDC34629-50A7-49A2-A0E6-D169C33F9EB1}"/>
-              </a:ext>
-            </a:extLst>
-          </p:cNvPr>
-          <p:cNvSpPr>
-            <a:spLocks noGrp="1"/>
-          </p:cNvSpPr>
-          <p:nvPr>
-            <p:ph idx="1"/>
-          </p:nvPr>
-        </p:nvSpPr>
-        <p:spPr/>
-        <p:txBody>
-          <a:bodyPr/>
+              <a:t>Yes but only within the company</a:t>
+            </a:r>
+          </a:p>
+        </p:txBody>
+      </p:sp>
+      <p:sp>
+        <p:nvSpPr>
+          <p:cNvPr id="63" name="Rectangle 62">
+            <a:extLst>
+              <a:ext uri="{FF2B5EF4-FFF2-40B4-BE49-F238E27FC236}">
+                <a16:creationId xmlns:a16="http://schemas.microsoft.com/office/drawing/2014/main" id="{69A2A16C-0479-46A5-9D6C-B9B042FB612A}"/>
+              </a:ext>
+            </a:extLst>
+          </p:cNvPr>
+          <p:cNvSpPr/>
+          <p:nvPr/>
+        </p:nvSpPr>
+        <p:spPr>
+          <a:xfrm>
+            <a:off x="10342729" y="3388690"/>
+            <a:ext cx="1264920" cy="459426"/>
+          </a:xfrm>
+          <a:prstGeom prst="rect">
+            <a:avLst/>
+          </a:prstGeom>
+          <a:solidFill>
+            <a:schemeClr val="bg1"/>
+          </a:solidFill>
+          <a:ln>
+            <a:solidFill>
+              <a:schemeClr val="tx1"/>
+            </a:solidFill>
+          </a:ln>
+        </p:spPr>
+        <p:style>
+          <a:lnRef idx="2">
+            <a:schemeClr val="accent1">
+              <a:shade val="50000"/>
+            </a:schemeClr>
+          </a:lnRef>
+          <a:fillRef idx="1">
+            <a:schemeClr val="accent1"/>
+          </a:fillRef>
+          <a:effectRef idx="0">
+            <a:schemeClr val="accent1"/>
+          </a:effectRef>
+          <a:fontRef idx="minor">
+            <a:schemeClr val="lt1"/>
+          </a:fontRef>
+        </p:style>
+        <p:txBody>
+          <a:bodyPr rtlCol="0" anchor="ctr"/>
+          <a:lstStyle/>
+          <a:p>
+            <a:pPr algn="ctr"/>
+            <a:r>
+              <a:rPr lang="en-US" dirty="0">
+                <a:solidFill>
+                  <a:sysClr val="windowText" lastClr="000000"/>
+                </a:solidFill>
+              </a:rPr>
+              <a:t>Yes</a:t>
+            </a:r>
+          </a:p>
+        </p:txBody>
+      </p:sp>
+      <p:cxnSp>
+        <p:nvCxnSpPr>
+          <p:cNvPr id="65" name="Straight Connector 64">
+            <a:extLst>
+              <a:ext uri="{FF2B5EF4-FFF2-40B4-BE49-F238E27FC236}">
+                <a16:creationId xmlns:a16="http://schemas.microsoft.com/office/drawing/2014/main" id="{ADCC61D7-BD41-4C9E-84ED-B87C44736FA1}"/>
+              </a:ext>
+            </a:extLst>
+          </p:cNvPr>
+          <p:cNvCxnSpPr>
+            <a:stCxn id="37" idx="5"/>
+            <a:endCxn id="63" idx="0"/>
+          </p:cNvCxnSpPr>
+          <p:nvPr/>
+        </p:nvCxnSpPr>
+        <p:spPr>
+          <a:xfrm>
+            <a:off x="10162427" y="2876523"/>
+            <a:ext cx="812762" cy="512167"/>
+          </a:xfrm>
+          <a:prstGeom prst="line">
+            <a:avLst/>
+          </a:prstGeom>
+          <a:ln>
+            <a:solidFill>
+              <a:schemeClr val="tx1"/>
+            </a:solidFill>
+          </a:ln>
+        </p:spPr>
+        <p:style>
+          <a:lnRef idx="1">
+            <a:schemeClr val="accent1"/>
+          </a:lnRef>
+          <a:fillRef idx="0">
+            <a:schemeClr val="accent1"/>
+          </a:fillRef>
+          <a:effectRef idx="0">
+            <a:schemeClr val="accent1"/>
+          </a:effectRef>
+          <a:fontRef idx="minor">
+            <a:schemeClr val="tx1"/>
+          </a:fontRef>
+        </p:style>
+      </p:cxnSp>
+      <p:sp>
+        <p:nvSpPr>
+          <p:cNvPr id="66" name="TextBox 65">
+            <a:extLst>
+              <a:ext uri="{FF2B5EF4-FFF2-40B4-BE49-F238E27FC236}">
+                <a16:creationId xmlns:a16="http://schemas.microsoft.com/office/drawing/2014/main" id="{DB3E7A15-B878-47E8-81F2-6DB066F2637A}"/>
+              </a:ext>
+            </a:extLst>
+          </p:cNvPr>
+          <p:cNvSpPr txBox="1"/>
+          <p:nvPr/>
+        </p:nvSpPr>
+        <p:spPr>
+          <a:xfrm>
+            <a:off x="10617620" y="2816768"/>
+            <a:ext cx="455574" cy="369332"/>
+          </a:xfrm>
+          <a:prstGeom prst="rect">
+            <a:avLst/>
+          </a:prstGeom>
+          <a:noFill/>
+        </p:spPr>
+        <p:txBody>
+          <a:bodyPr wrap="none" rtlCol="0">
+            <a:spAutoFit/>
+          </a:bodyPr>
           <a:lstStyle/>
           <a:p>
             <a:r>
               <a:rPr lang="en-US" dirty="0"/>
-              <a:t>Pretty tree #3</a:t>
+              <a:t>No</a:t>
+            </a:r>
+          </a:p>
+        </p:txBody>
+      </p:sp>
+      <p:pic>
+        <p:nvPicPr>
+          <p:cNvPr id="76" name="Picture 75">
+            <a:extLst>
+              <a:ext uri="{FF2B5EF4-FFF2-40B4-BE49-F238E27FC236}">
+                <a16:creationId xmlns:a16="http://schemas.microsoft.com/office/drawing/2014/main" id="{652E9927-7952-4A10-A463-C7396C69B8A6}"/>
+              </a:ext>
+            </a:extLst>
+          </p:cNvPr>
+          <p:cNvPicPr/>
+          <p:nvPr/>
+        </p:nvPicPr>
+        <p:blipFill rotWithShape="1">
+          <a:blip r:embed="rId2"/>
+          <a:srcRect l="3098" t="32859" r="63046" b="48908"/>
+          <a:stretch/>
+        </p:blipFill>
+        <p:spPr bwMode="auto">
+          <a:xfrm>
+            <a:off x="454647" y="4734847"/>
+            <a:ext cx="4939578" cy="1495554"/>
+          </a:xfrm>
+          <a:prstGeom prst="rect">
+            <a:avLst/>
+          </a:prstGeom>
+          <a:ln>
+            <a:noFill/>
+          </a:ln>
+          <a:extLst>
+            <a:ext uri="{53640926-AAD7-44D8-BBD7-CCE9431645EC}">
+              <a14:shadowObscured xmlns:a14="http://schemas.microsoft.com/office/drawing/2010/main"/>
+            </a:ext>
+          </a:extLst>
+        </p:spPr>
+      </p:pic>
+      <p:sp>
+        <p:nvSpPr>
+          <p:cNvPr id="77" name="TextBox 76">
+            <a:extLst>
+              <a:ext uri="{FF2B5EF4-FFF2-40B4-BE49-F238E27FC236}">
+                <a16:creationId xmlns:a16="http://schemas.microsoft.com/office/drawing/2014/main" id="{C67AF371-0793-4638-A979-E71BC7A3B8F0}"/>
+              </a:ext>
+            </a:extLst>
+          </p:cNvPr>
+          <p:cNvSpPr txBox="1"/>
+          <p:nvPr/>
+        </p:nvSpPr>
+        <p:spPr>
+          <a:xfrm>
+            <a:off x="8168527" y="5407327"/>
+            <a:ext cx="2672335" cy="646331"/>
+          </a:xfrm>
+          <a:prstGeom prst="rect">
+            <a:avLst/>
+          </a:prstGeom>
+          <a:noFill/>
+        </p:spPr>
+        <p:txBody>
+          <a:bodyPr wrap="none" rtlCol="0">
+            <a:spAutoFit/>
+          </a:bodyPr>
+          <a:lstStyle/>
+          <a:p>
+            <a:r>
+              <a:rPr lang="en-US" dirty="0"/>
+              <a:t>Confidence Factor: 1/2^14</a:t>
+            </a:r>
+          </a:p>
+          <a:p>
+            <a:r>
+              <a:rPr lang="en-US" dirty="0"/>
+              <a:t>Accuracy: 74%</a:t>
             </a:r>
           </a:p>
         </p:txBody>
@@ -4935,7 +7599,7 @@
           <p:cNvPr id="2" name="Title 1">
             <a:extLst>
               <a:ext uri="{FF2B5EF4-FFF2-40B4-BE49-F238E27FC236}">
-                <a16:creationId xmlns:a16="http://schemas.microsoft.com/office/drawing/2014/main" id="{F108E78F-0453-4941-ADE2-C28F73557BDC}"/>
+                <a16:creationId xmlns:a16="http://schemas.microsoft.com/office/drawing/2014/main" id="{54F59FFB-0FFF-4A1A-8089-4B242BC0B4FB}"/>
               </a:ext>
             </a:extLst>
           </p:cNvPr>
@@ -4954,7 +7618,7 @@
             <a:pPr algn="ctr"/>
             <a:r>
               <a:rPr lang="en-US" dirty="0"/>
-              <a:t>Results (Student)</a:t>
+              <a:t>Future Research	</a:t>
             </a:r>
           </a:p>
         </p:txBody>
@@ -4964,7 +7628,7 @@
           <p:cNvPr id="3" name="Content Placeholder 2">
             <a:extLst>
               <a:ext uri="{FF2B5EF4-FFF2-40B4-BE49-F238E27FC236}">
-                <a16:creationId xmlns:a16="http://schemas.microsoft.com/office/drawing/2014/main" id="{715D635C-2DEE-4F43-A702-2CE776813E30}"/>
+                <a16:creationId xmlns:a16="http://schemas.microsoft.com/office/drawing/2014/main" id="{06A60AFC-9217-4A50-B69D-76CB39692319}"/>
               </a:ext>
             </a:extLst>
           </p:cNvPr>
@@ -4977,12 +7641,29 @@
         </p:nvSpPr>
         <p:spPr/>
         <p:txBody>
-          <a:bodyPr/>
-          <a:lstStyle/>
-          <a:p>
+          <a:bodyPr>
+            <a:normAutofit/>
+          </a:bodyPr>
+          <a:lstStyle/>
+          <a:p>
+            <a:pPr lvl="0"/>
             <a:r>
               <a:rPr lang="en-US" dirty="0"/>
-              <a:t>I think get the idea</a:t>
+              <a:t>Look at the times where people are satisfied with their career and not satisfied with their job and vice versa and see if there is something that causes a person to be happy with their career but not their job.</a:t>
+            </a:r>
+          </a:p>
+          <a:p>
+            <a:pPr lvl="0"/>
+            <a:r>
+              <a:rPr lang="en-US" dirty="0"/>
+              <a:t>Build a tree without career satisfaction for the job satisfaction tree and seeing how much accuracy changes. Likewise, do so for the career satisfaction tree. </a:t>
+            </a:r>
+          </a:p>
+          <a:p>
+            <a:pPr lvl="0"/>
+            <a:r>
+              <a:rPr lang="en-US" dirty="0"/>
+              <a:t>Do a full study and ask participants what they think causes their job/career satisfaction.</a:t>
             </a:r>
           </a:p>
           <a:p>
@@ -4993,264 +7674,7 @@
     </p:spTree>
     <p:extLst>
       <p:ext uri="{BB962C8B-B14F-4D97-AF65-F5344CB8AC3E}">
-        <p14:creationId xmlns:p14="http://schemas.microsoft.com/office/powerpoint/2010/main" val="1031475963"/>
-      </p:ext>
-    </p:extLst>
-  </p:cSld>
-  <p:clrMapOvr>
-    <a:masterClrMapping/>
-  </p:clrMapOvr>
-</p:sld>
-</file>
-
-<file path=ppt/slides/slide17.xml><?xml version="1.0" encoding="utf-8"?>
-<p:sld xmlns:a="http://schemas.openxmlformats.org/drawingml/2006/main" xmlns:r="http://schemas.openxmlformats.org/officeDocument/2006/relationships" xmlns:p="http://schemas.openxmlformats.org/presentationml/2006/main">
-  <p:cSld>
-    <p:spTree>
-      <p:nvGrpSpPr>
-        <p:cNvPr id="1" name=""/>
-        <p:cNvGrpSpPr/>
-        <p:nvPr/>
-      </p:nvGrpSpPr>
-      <p:grpSpPr>
-        <a:xfrm>
-          <a:off x="0" y="0"/>
-          <a:ext cx="0" cy="0"/>
-          <a:chOff x="0" y="0"/>
-          <a:chExt cx="0" cy="0"/>
-        </a:xfrm>
-      </p:grpSpPr>
-      <p:sp>
-        <p:nvSpPr>
-          <p:cNvPr id="2" name="Oval 1">
-            <a:extLst>
-              <a:ext uri="{FF2B5EF4-FFF2-40B4-BE49-F238E27FC236}">
-                <a16:creationId xmlns:a16="http://schemas.microsoft.com/office/drawing/2014/main" id="{935D0A8C-BAF1-4F40-BEFB-CF285A0529E1}"/>
-              </a:ext>
-            </a:extLst>
-          </p:cNvPr>
-          <p:cNvSpPr/>
-          <p:nvPr/>
-        </p:nvSpPr>
-        <p:spPr>
-          <a:xfrm>
-            <a:off x="3755255" y="479394"/>
-            <a:ext cx="2743200" cy="1278384"/>
-          </a:xfrm>
-          <a:prstGeom prst="ellipse">
-            <a:avLst/>
-          </a:prstGeom>
-          <a:solidFill>
-            <a:schemeClr val="bg1"/>
-          </a:solidFill>
-          <a:ln>
-            <a:solidFill>
-              <a:schemeClr val="tx1"/>
-            </a:solidFill>
-          </a:ln>
-        </p:spPr>
-        <p:style>
-          <a:lnRef idx="2">
-            <a:schemeClr val="accent1">
-              <a:shade val="50000"/>
-            </a:schemeClr>
-          </a:lnRef>
-          <a:fillRef idx="1">
-            <a:schemeClr val="accent1"/>
-          </a:fillRef>
-          <a:effectRef idx="0">
-            <a:schemeClr val="accent1"/>
-          </a:effectRef>
-          <a:fontRef idx="minor">
-            <a:schemeClr val="lt1"/>
-          </a:fontRef>
-        </p:style>
-        <p:txBody>
-          <a:bodyPr rtlCol="0" anchor="ctr"/>
-          <a:lstStyle/>
-          <a:p>
-            <a:pPr algn="ctr"/>
-            <a:r>
-              <a:rPr lang="en-US" dirty="0" err="1">
-                <a:solidFill>
-                  <a:sysClr val="windowText" lastClr="000000"/>
-                </a:solidFill>
-              </a:rPr>
-              <a:t>DevType.Full</a:t>
-            </a:r>
-            <a:r>
-              <a:rPr lang="en-US" dirty="0">
-                <a:solidFill>
-                  <a:sysClr val="windowText" lastClr="000000"/>
-                </a:solidFill>
-              </a:rPr>
-              <a:t> Stack</a:t>
-            </a:r>
-          </a:p>
-        </p:txBody>
-      </p:sp>
-      <p:cxnSp>
-        <p:nvCxnSpPr>
-          <p:cNvPr id="9" name="Straight Connector 8">
-            <a:extLst>
-              <a:ext uri="{FF2B5EF4-FFF2-40B4-BE49-F238E27FC236}">
-                <a16:creationId xmlns:a16="http://schemas.microsoft.com/office/drawing/2014/main" id="{10445D48-93CB-460B-8741-081726AF299F}"/>
-              </a:ext>
-            </a:extLst>
-          </p:cNvPr>
-          <p:cNvCxnSpPr>
-            <a:cxnSpLocks/>
-            <a:stCxn id="2" idx="3"/>
-          </p:cNvCxnSpPr>
-          <p:nvPr/>
-        </p:nvCxnSpPr>
-        <p:spPr>
-          <a:xfrm flipH="1">
-            <a:off x="3177973" y="1570563"/>
-            <a:ext cx="979014" cy="809169"/>
-          </a:xfrm>
-          <a:prstGeom prst="line">
-            <a:avLst/>
-          </a:prstGeom>
-          <a:ln>
-            <a:solidFill>
-              <a:schemeClr val="tx1"/>
-            </a:solidFill>
-          </a:ln>
-        </p:spPr>
-        <p:style>
-          <a:lnRef idx="1">
-            <a:schemeClr val="accent1"/>
-          </a:lnRef>
-          <a:fillRef idx="0">
-            <a:schemeClr val="accent1"/>
-          </a:fillRef>
-          <a:effectRef idx="0">
-            <a:schemeClr val="accent1"/>
-          </a:effectRef>
-          <a:fontRef idx="minor">
-            <a:schemeClr val="tx1"/>
-          </a:fontRef>
-        </p:style>
-      </p:cxnSp>
-      <p:sp>
-        <p:nvSpPr>
-          <p:cNvPr id="10" name="TextBox 9">
-            <a:extLst>
-              <a:ext uri="{FF2B5EF4-FFF2-40B4-BE49-F238E27FC236}">
-                <a16:creationId xmlns:a16="http://schemas.microsoft.com/office/drawing/2014/main" id="{DD19835D-2F25-4B44-8E07-6AEDBE8CE2F6}"/>
-              </a:ext>
-            </a:extLst>
-          </p:cNvPr>
-          <p:cNvSpPr txBox="1"/>
-          <p:nvPr/>
-        </p:nvSpPr>
-        <p:spPr>
-          <a:xfrm>
-            <a:off x="3051581" y="1732642"/>
-            <a:ext cx="616070" cy="369332"/>
-          </a:xfrm>
-          <a:prstGeom prst="rect">
-            <a:avLst/>
-          </a:prstGeom>
-          <a:noFill/>
-        </p:spPr>
-        <p:txBody>
-          <a:bodyPr wrap="square" rtlCol="0">
-            <a:spAutoFit/>
-          </a:bodyPr>
-          <a:lstStyle/>
-          <a:p>
-            <a:r>
-              <a:rPr lang="en-US" dirty="0"/>
-              <a:t>Yes</a:t>
-            </a:r>
-          </a:p>
-        </p:txBody>
-      </p:sp>
-      <p:cxnSp>
-        <p:nvCxnSpPr>
-          <p:cNvPr id="16" name="Straight Connector 15">
-            <a:extLst>
-              <a:ext uri="{FF2B5EF4-FFF2-40B4-BE49-F238E27FC236}">
-                <a16:creationId xmlns:a16="http://schemas.microsoft.com/office/drawing/2014/main" id="{9F00724D-B3D9-48B1-91E1-2E419A4BC31A}"/>
-              </a:ext>
-            </a:extLst>
-          </p:cNvPr>
-          <p:cNvCxnSpPr>
-            <a:cxnSpLocks/>
-            <a:stCxn id="2" idx="5"/>
-          </p:cNvCxnSpPr>
-          <p:nvPr/>
-        </p:nvCxnSpPr>
-        <p:spPr>
-          <a:xfrm>
-            <a:off x="6096723" y="1570563"/>
-            <a:ext cx="801227" cy="809169"/>
-          </a:xfrm>
-          <a:prstGeom prst="line">
-            <a:avLst/>
-          </a:prstGeom>
-          <a:ln>
-            <a:solidFill>
-              <a:schemeClr val="tx1"/>
-            </a:solidFill>
-          </a:ln>
-        </p:spPr>
-        <p:style>
-          <a:lnRef idx="1">
-            <a:schemeClr val="accent1"/>
-          </a:lnRef>
-          <a:fillRef idx="0">
-            <a:schemeClr val="accent1"/>
-          </a:fillRef>
-          <a:effectRef idx="0">
-            <a:schemeClr val="accent1"/>
-          </a:effectRef>
-          <a:fontRef idx="minor">
-            <a:schemeClr val="tx1"/>
-          </a:fontRef>
-        </p:style>
-      </p:cxnSp>
-      <p:sp>
-        <p:nvSpPr>
-          <p:cNvPr id="17" name="TextBox 16">
-            <a:extLst>
-              <a:ext uri="{FF2B5EF4-FFF2-40B4-BE49-F238E27FC236}">
-                <a16:creationId xmlns:a16="http://schemas.microsoft.com/office/drawing/2014/main" id="{8AC732FC-AA8C-4098-8FC9-CD4AC7FD1CD6}"/>
-              </a:ext>
-            </a:extLst>
-          </p:cNvPr>
-          <p:cNvSpPr txBox="1"/>
-          <p:nvPr/>
-        </p:nvSpPr>
-        <p:spPr>
-          <a:xfrm>
-            <a:off x="6557408" y="1732642"/>
-            <a:ext cx="518329" cy="369332"/>
-          </a:xfrm>
-          <a:prstGeom prst="rect">
-            <a:avLst/>
-          </a:prstGeom>
-          <a:noFill/>
-        </p:spPr>
-        <p:txBody>
-          <a:bodyPr wrap="square" rtlCol="0">
-            <a:spAutoFit/>
-          </a:bodyPr>
-          <a:lstStyle/>
-          <a:p>
-            <a:r>
-              <a:rPr lang="en-US" dirty="0"/>
-              <a:t>No</a:t>
-            </a:r>
-          </a:p>
-        </p:txBody>
-      </p:sp>
-    </p:spTree>
-    <p:extLst>
-      <p:ext uri="{BB962C8B-B14F-4D97-AF65-F5344CB8AC3E}">
-        <p14:creationId xmlns:p14="http://schemas.microsoft.com/office/powerpoint/2010/main" val="4228913185"/>
+        <p14:creationId xmlns:p14="http://schemas.microsoft.com/office/powerpoint/2010/main" val="340244800"/>
       </p:ext>
     </p:extLst>
   </p:cSld>
@@ -5282,7 +7706,7 @@
           <p:cNvPr id="2" name="Title 1">
             <a:extLst>
               <a:ext uri="{FF2B5EF4-FFF2-40B4-BE49-F238E27FC236}">
-                <a16:creationId xmlns:a16="http://schemas.microsoft.com/office/drawing/2014/main" id="{4274D306-5538-400A-9B37-04AEA4288968}"/>
+                <a16:creationId xmlns:a16="http://schemas.microsoft.com/office/drawing/2014/main" id="{44F6914D-71F6-49A9-AD2D-F0FD4A7D62A4}"/>
               </a:ext>
             </a:extLst>
           </p:cNvPr>
@@ -5293,12 +7717,7 @@
             <p:ph type="title"/>
           </p:nvPr>
         </p:nvSpPr>
-        <p:spPr>
-          <a:xfrm>
-            <a:off x="838200" y="365125"/>
-            <a:ext cx="10515600" cy="1325563"/>
-          </a:xfrm>
-        </p:spPr>
+        <p:spPr/>
         <p:txBody>
           <a:bodyPr/>
           <a:lstStyle/>
@@ -5316,7 +7735,7 @@
           <p:cNvPr id="3" name="Content Placeholder 2">
             <a:extLst>
               <a:ext uri="{FF2B5EF4-FFF2-40B4-BE49-F238E27FC236}">
-                <a16:creationId xmlns:a16="http://schemas.microsoft.com/office/drawing/2014/main" id="{8B55CC2F-62F0-451A-AB73-7DE3A0045FB0}"/>
+                <a16:creationId xmlns:a16="http://schemas.microsoft.com/office/drawing/2014/main" id="{4A2A7E9D-C13D-45FF-9FC3-311FF1AA67C0}"/>
               </a:ext>
             </a:extLst>
           </p:cNvPr>
@@ -5337,9 +7756,54 @@
           <a:bodyPr/>
           <a:lstStyle/>
           <a:p>
+            <a:pPr marL="0" indent="0">
+              <a:buNone/>
+            </a:pPr>
             <a:r>
               <a:rPr lang="en-US" dirty="0"/>
-              <a:t>To be written at the end of the project</a:t>
+              <a:t>What's the most interesting is what didn’t show up in the trees</a:t>
+            </a:r>
+          </a:p>
+          <a:p>
+            <a:r>
+              <a:rPr lang="en-US" dirty="0"/>
+              <a:t>Age</a:t>
+            </a:r>
+          </a:p>
+          <a:p>
+            <a:r>
+              <a:rPr lang="en-US" dirty="0"/>
+              <a:t>Open source</a:t>
+            </a:r>
+          </a:p>
+          <a:p>
+            <a:r>
+              <a:rPr lang="en-US" dirty="0"/>
+              <a:t>How long coding (professionally/non-professionally)</a:t>
+            </a:r>
+          </a:p>
+          <a:p>
+            <a:r>
+              <a:rPr lang="en-US" dirty="0"/>
+              <a:t>What time you wake up</a:t>
+            </a:r>
+          </a:p>
+          <a:p>
+            <a:r>
+              <a:rPr lang="en-US" dirty="0"/>
+              <a:t>Hours spent on the computer in a day</a:t>
+            </a:r>
+          </a:p>
+          <a:p>
+            <a:r>
+              <a:rPr lang="en-US" dirty="0"/>
+              <a:t>Exercise</a:t>
+            </a:r>
+          </a:p>
+          <a:p>
+            <a:r>
+              <a:rPr lang="en-US" dirty="0"/>
+              <a:t>How many meals do you skip in a week</a:t>
             </a:r>
           </a:p>
         </p:txBody>
@@ -5347,7 +7811,7 @@
     </p:spTree>
     <p:extLst>
       <p:ext uri="{BB962C8B-B14F-4D97-AF65-F5344CB8AC3E}">
-        <p14:creationId xmlns:p14="http://schemas.microsoft.com/office/powerpoint/2010/main" val="4262485873"/>
+        <p14:creationId xmlns:p14="http://schemas.microsoft.com/office/powerpoint/2010/main" val="1752927775"/>
       </p:ext>
     </p:extLst>
   </p:cSld>
@@ -5360,6 +7824,14 @@
 <file path=ppt/slides/slide3.xml><?xml version="1.0" encoding="utf-8"?>
 <p:sld xmlns:a="http://schemas.openxmlformats.org/drawingml/2006/main" xmlns:r="http://schemas.openxmlformats.org/officeDocument/2006/relationships" xmlns:p="http://schemas.openxmlformats.org/presentationml/2006/main">
   <p:cSld>
+    <p:bg>
+      <p:bgPr>
+        <a:solidFill>
+          <a:schemeClr val="bg1"/>
+        </a:solidFill>
+        <a:effectLst/>
+      </p:bgPr>
+    </p:bg>
     <p:spTree>
       <p:nvGrpSpPr>
         <p:cNvPr id="1" name=""/>
@@ -5379,7 +7851,7 @@
           <p:cNvPr id="2" name="Title 1">
             <a:extLst>
               <a:ext uri="{FF2B5EF4-FFF2-40B4-BE49-F238E27FC236}">
-                <a16:creationId xmlns:a16="http://schemas.microsoft.com/office/drawing/2014/main" id="{44F6914D-71F6-49A9-AD2D-F0FD4A7D62A4}"/>
+                <a16:creationId xmlns:a16="http://schemas.microsoft.com/office/drawing/2014/main" id="{06D95AE3-AB2A-4BF2-94EF-429DBC34F8C8}"/>
               </a:ext>
             </a:extLst>
           </p:cNvPr>
@@ -5390,15 +7862,21 @@
             <p:ph type="title"/>
           </p:nvPr>
         </p:nvSpPr>
-        <p:spPr/>
-        <p:txBody>
-          <a:bodyPr/>
-          <a:lstStyle/>
-          <a:p>
-            <a:pPr algn="ctr"/>
+        <p:spPr>
+          <a:xfrm>
+            <a:off x="648929" y="629266"/>
+            <a:ext cx="3651467" cy="1676603"/>
+          </a:xfrm>
+        </p:spPr>
+        <p:txBody>
+          <a:bodyPr>
+            <a:normAutofit/>
+          </a:bodyPr>
+          <a:lstStyle/>
+          <a:p>
             <a:r>
               <a:rPr lang="en-US" dirty="0"/>
-              <a:t>Abstract (cont.)</a:t>
+              <a:t>What’s J48?</a:t>
             </a:r>
           </a:p>
         </p:txBody>
@@ -5408,7 +7886,7 @@
           <p:cNvPr id="3" name="Content Placeholder 2">
             <a:extLst>
               <a:ext uri="{FF2B5EF4-FFF2-40B4-BE49-F238E27FC236}">
-                <a16:creationId xmlns:a16="http://schemas.microsoft.com/office/drawing/2014/main" id="{4A2A7E9D-C13D-45FF-9FC3-311FF1AA67C0}"/>
+                <a16:creationId xmlns:a16="http://schemas.microsoft.com/office/drawing/2014/main" id="{B57FAF87-FA98-4AE0-B657-3D716B638336}"/>
               </a:ext>
             </a:extLst>
           </p:cNvPr>
@@ -5419,22 +7897,68 @@
             <p:ph idx="1"/>
           </p:nvPr>
         </p:nvSpPr>
-        <p:spPr/>
-        <p:txBody>
-          <a:bodyPr/>
-          <a:lstStyle/>
-          <a:p>
+        <p:spPr>
+          <a:xfrm>
+            <a:off x="648931" y="2438400"/>
+            <a:ext cx="3651466" cy="3785419"/>
+          </a:xfrm>
+        </p:spPr>
+        <p:txBody>
+          <a:bodyPr>
+            <a:normAutofit/>
+          </a:bodyPr>
+          <a:lstStyle/>
+          <a:p>
+            <a:pPr marL="0" indent="0">
+              <a:buNone/>
+            </a:pPr>
             <a:r>
               <a:rPr lang="en-US" dirty="0"/>
-              <a:t>To be written at the end of the project</a:t>
-            </a:r>
-          </a:p>
-        </p:txBody>
-      </p:sp>
+              <a:t>J48 is a decision tree learning algorithm. It can take in a dataset and produce trees </a:t>
+            </a:r>
+          </a:p>
+        </p:txBody>
+      </p:sp>
+      <p:pic>
+        <p:nvPicPr>
+          <p:cNvPr id="5" name="Picture 4" descr="A close up of a person&#10;&#10;Description generated with high confidence">
+            <a:extLst>
+              <a:ext uri="{FF2B5EF4-FFF2-40B4-BE49-F238E27FC236}">
+                <a16:creationId xmlns:a16="http://schemas.microsoft.com/office/drawing/2014/main" id="{385C23C5-2FDA-448E-A42D-44934E6F1A0E}"/>
+              </a:ext>
+            </a:extLst>
+          </p:cNvPr>
+          <p:cNvPicPr>
+            <a:picLocks noChangeAspect="1"/>
+          </p:cNvPicPr>
+          <p:nvPr/>
+        </p:nvPicPr>
+        <p:blipFill rotWithShape="1">
+          <a:blip r:embed="rId2">
+            <a:extLst>
+              <a:ext uri="{28A0092B-C50C-407E-A947-70E740481C1C}">
+                <a14:useLocalDpi xmlns:a14="http://schemas.microsoft.com/office/drawing/2010/main" val="0"/>
+              </a:ext>
+            </a:extLst>
+          </a:blip>
+          <a:srcRect r="-2" b="2627"/>
+          <a:stretch/>
+        </p:blipFill>
+        <p:spPr>
+          <a:xfrm>
+            <a:off x="4639056" y="10"/>
+            <a:ext cx="7552944" cy="6857990"/>
+          </a:xfrm>
+          <a:prstGeom prst="rect">
+            <a:avLst/>
+          </a:prstGeom>
+          <a:effectLst/>
+        </p:spPr>
+      </p:pic>
     </p:spTree>
     <p:extLst>
       <p:ext uri="{BB962C8B-B14F-4D97-AF65-F5344CB8AC3E}">
-        <p14:creationId xmlns:p14="http://schemas.microsoft.com/office/powerpoint/2010/main" val="1752927775"/>
+        <p14:creationId xmlns:p14="http://schemas.microsoft.com/office/powerpoint/2010/main" val="3744827574"/>
       </p:ext>
     </p:extLst>
   </p:cSld>
@@ -5466,7 +7990,7 @@
           <p:cNvPr id="2" name="Title 1">
             <a:extLst>
               <a:ext uri="{FF2B5EF4-FFF2-40B4-BE49-F238E27FC236}">
-                <a16:creationId xmlns:a16="http://schemas.microsoft.com/office/drawing/2014/main" id="{227009B5-ED0F-4885-8849-81D848224557}"/>
+                <a16:creationId xmlns:a16="http://schemas.microsoft.com/office/drawing/2014/main" id="{D453138C-A636-4754-A39E-02A599AE3149}"/>
               </a:ext>
             </a:extLst>
           </p:cNvPr>
@@ -5485,64 +8009,93 @@
             <a:pPr algn="ctr"/>
             <a:r>
               <a:rPr lang="en-US" dirty="0"/>
-              <a:t>Background</a:t>
-            </a:r>
-          </a:p>
-        </p:txBody>
-      </p:sp>
-      <p:sp>
-        <p:nvSpPr>
-          <p:cNvPr id="3" name="Content Placeholder 2">
-            <a:extLst>
-              <a:ext uri="{FF2B5EF4-FFF2-40B4-BE49-F238E27FC236}">
-                <a16:creationId xmlns:a16="http://schemas.microsoft.com/office/drawing/2014/main" id="{6DA65C48-6BCA-4DAB-83CD-069596F0E86D}"/>
-              </a:ext>
-            </a:extLst>
-          </p:cNvPr>
-          <p:cNvSpPr>
-            <a:spLocks noGrp="1"/>
-          </p:cNvSpPr>
+              <a:t>Where’d I get my data from?</a:t>
+            </a:r>
+          </a:p>
+        </p:txBody>
+      </p:sp>
+      <p:pic>
+        <p:nvPicPr>
+          <p:cNvPr id="7" name="Content Placeholder 6" descr="A group of people sitting at a table&#10;&#10;Description generated with very high confidence">
+            <a:extLst>
+              <a:ext uri="{FF2B5EF4-FFF2-40B4-BE49-F238E27FC236}">
+                <a16:creationId xmlns:a16="http://schemas.microsoft.com/office/drawing/2014/main" id="{AFCB8C62-B12F-40E1-A7F7-E9615842ED3E}"/>
+              </a:ext>
+            </a:extLst>
+          </p:cNvPr>
+          <p:cNvPicPr>
+            <a:picLocks noGrp="1" noChangeAspect="1"/>
+          </p:cNvPicPr>
           <p:nvPr>
             <p:ph idx="1"/>
           </p:nvPr>
-        </p:nvSpPr>
-        <p:spPr/>
-        <p:txBody>
-          <a:bodyPr/>
-          <a:lstStyle/>
-          <a:p>
-            <a:r>
-              <a:rPr lang="en-US" dirty="0"/>
-              <a:t>This question is a supervised learning problem, meaning that I can use an algorithm like ID3. </a:t>
-            </a:r>
-          </a:p>
-          <a:p>
-            <a:endParaRPr lang="en-US" dirty="0"/>
-          </a:p>
-          <a:p>
-            <a:r>
-              <a:rPr lang="en-US" dirty="0"/>
-              <a:t>Supervised learning solves problems that answer the question of why is my data like this</a:t>
-            </a:r>
-          </a:p>
-          <a:p>
-            <a:pPr marL="0" indent="0">
-              <a:buNone/>
-            </a:pPr>
-            <a:endParaRPr lang="en-US" dirty="0"/>
-          </a:p>
-          <a:p>
-            <a:pPr marL="0" indent="0">
-              <a:buNone/>
-            </a:pPr>
-            <a:endParaRPr lang="en-US" dirty="0"/>
+        </p:nvPicPr>
+        <p:blipFill rotWithShape="1">
+          <a:blip r:embed="rId2">
+            <a:extLst>
+              <a:ext uri="{28A0092B-C50C-407E-A947-70E740481C1C}">
+                <a14:useLocalDpi xmlns:a14="http://schemas.microsoft.com/office/drawing/2010/main" val="0"/>
+              </a:ext>
+            </a:extLst>
+          </a:blip>
+          <a:srcRect t="12199" b="12490"/>
+          <a:stretch/>
+        </p:blipFill>
+        <p:spPr>
+          <a:xfrm>
+            <a:off x="6530170" y="2431267"/>
+            <a:ext cx="4504590" cy="3392484"/>
+          </a:xfrm>
+        </p:spPr>
+      </p:pic>
+      <p:sp>
+        <p:nvSpPr>
+          <p:cNvPr id="8" name="TextBox 7">
+            <a:extLst>
+              <a:ext uri="{FF2B5EF4-FFF2-40B4-BE49-F238E27FC236}">
+                <a16:creationId xmlns:a16="http://schemas.microsoft.com/office/drawing/2014/main" id="{6FD066FB-C82B-48FF-82E4-D87DEC6ADEF5}"/>
+              </a:ext>
+            </a:extLst>
+          </p:cNvPr>
+          <p:cNvSpPr txBox="1"/>
+          <p:nvPr/>
+        </p:nvSpPr>
+        <p:spPr>
+          <a:xfrm>
+            <a:off x="838200" y="2006353"/>
+            <a:ext cx="5257800" cy="3108543"/>
+          </a:xfrm>
+          <a:prstGeom prst="rect">
+            <a:avLst/>
+          </a:prstGeom>
+          <a:noFill/>
+        </p:spPr>
+        <p:txBody>
+          <a:bodyPr wrap="square" rtlCol="0">
+            <a:spAutoFit/>
+          </a:bodyPr>
+          <a:lstStyle/>
+          <a:p>
+            <a:r>
+              <a:rPr lang="en-US" sz="2800" dirty="0"/>
+              <a:t>Stack Overflow is a Q&amp;A website where developers can learn from each other</a:t>
+            </a:r>
+          </a:p>
+          <a:p>
+            <a:endParaRPr lang="en-US" sz="2800" dirty="0"/>
+          </a:p>
+          <a:p>
+            <a:r>
+              <a:rPr lang="en-US" sz="2800" dirty="0"/>
+              <a:t>Every year they release a survey that asks developers question about their job</a:t>
+            </a:r>
           </a:p>
         </p:txBody>
       </p:sp>
     </p:spTree>
     <p:extLst>
       <p:ext uri="{BB962C8B-B14F-4D97-AF65-F5344CB8AC3E}">
-        <p14:creationId xmlns:p14="http://schemas.microsoft.com/office/powerpoint/2010/main" val="963038261"/>
+        <p14:creationId xmlns:p14="http://schemas.microsoft.com/office/powerpoint/2010/main" val="3416284938"/>
       </p:ext>
     </p:extLst>
   </p:cSld>
@@ -5555,14 +8108,6 @@
 <file path=ppt/slides/slide5.xml><?xml version="1.0" encoding="utf-8"?>
 <p:sld xmlns:a="http://schemas.openxmlformats.org/drawingml/2006/main" xmlns:r="http://schemas.openxmlformats.org/officeDocument/2006/relationships" xmlns:p="http://schemas.openxmlformats.org/presentationml/2006/main">
   <p:cSld>
-    <p:bg>
-      <p:bgPr>
-        <a:solidFill>
-          <a:schemeClr val="bg1"/>
-        </a:solidFill>
-        <a:effectLst/>
-      </p:bgPr>
-    </p:bg>
     <p:spTree>
       <p:nvGrpSpPr>
         <p:cNvPr id="1" name=""/>
@@ -5582,7 +8127,7 @@
           <p:cNvPr id="2" name="Title 1">
             <a:extLst>
               <a:ext uri="{FF2B5EF4-FFF2-40B4-BE49-F238E27FC236}">
-                <a16:creationId xmlns:a16="http://schemas.microsoft.com/office/drawing/2014/main" id="{06D95AE3-AB2A-4BF2-94EF-429DBC34F8C8}"/>
+                <a16:creationId xmlns:a16="http://schemas.microsoft.com/office/drawing/2014/main" id="{3571731D-BB9B-41AE-927A-0E779E564F1F}"/>
               </a:ext>
             </a:extLst>
           </p:cNvPr>
@@ -5593,21 +8138,15 @@
             <p:ph type="title"/>
           </p:nvPr>
         </p:nvSpPr>
-        <p:spPr>
-          <a:xfrm>
-            <a:off x="648929" y="629266"/>
-            <a:ext cx="3651467" cy="1676603"/>
-          </a:xfrm>
-        </p:spPr>
-        <p:txBody>
-          <a:bodyPr>
-            <a:normAutofit/>
-          </a:bodyPr>
-          <a:lstStyle/>
-          <a:p>
+        <p:spPr/>
+        <p:txBody>
+          <a:bodyPr/>
+          <a:lstStyle/>
+          <a:p>
+            <a:pPr algn="ctr"/>
             <a:r>
               <a:rPr lang="en-US" dirty="0"/>
-              <a:t>What’s ID3?</a:t>
+              <a:t>What do they ask about?</a:t>
             </a:r>
           </a:p>
         </p:txBody>
@@ -5617,7 +8156,7 @@
           <p:cNvPr id="3" name="Content Placeholder 2">
             <a:extLst>
               <a:ext uri="{FF2B5EF4-FFF2-40B4-BE49-F238E27FC236}">
-                <a16:creationId xmlns:a16="http://schemas.microsoft.com/office/drawing/2014/main" id="{B57FAF87-FA98-4AE0-B657-3D716B638336}"/>
+                <a16:creationId xmlns:a16="http://schemas.microsoft.com/office/drawing/2014/main" id="{82DEE25E-4D0E-4384-A5F4-DCD5B9F60C42}"/>
               </a:ext>
             </a:extLst>
           </p:cNvPr>
@@ -5628,68 +8167,40 @@
             <p:ph idx="1"/>
           </p:nvPr>
         </p:nvSpPr>
-        <p:spPr>
-          <a:xfrm>
-            <a:off x="648931" y="2438400"/>
-            <a:ext cx="3651466" cy="3785419"/>
-          </a:xfrm>
-        </p:spPr>
-        <p:txBody>
-          <a:bodyPr>
-            <a:normAutofit/>
-          </a:bodyPr>
-          <a:lstStyle/>
-          <a:p>
-            <a:pPr marL="0" indent="0">
-              <a:buNone/>
-            </a:pPr>
+        <p:spPr/>
+        <p:txBody>
+          <a:bodyPr/>
+          <a:lstStyle/>
+          <a:p>
             <a:r>
               <a:rPr lang="en-US" dirty="0"/>
-              <a:t>ID3 is a decision tree learning algorithm. It can take in a dataset and produce trees </a:t>
-            </a:r>
-          </a:p>
-        </p:txBody>
-      </p:sp>
-      <p:pic>
-        <p:nvPicPr>
-          <p:cNvPr id="5" name="Picture 4" descr="A close up of a person&#10;&#10;Description generated with high confidence">
-            <a:extLst>
-              <a:ext uri="{FF2B5EF4-FFF2-40B4-BE49-F238E27FC236}">
-                <a16:creationId xmlns:a16="http://schemas.microsoft.com/office/drawing/2014/main" id="{385C23C5-2FDA-448E-A42D-44934E6F1A0E}"/>
-              </a:ext>
-            </a:extLst>
-          </p:cNvPr>
-          <p:cNvPicPr>
-            <a:picLocks noChangeAspect="1"/>
-          </p:cNvPicPr>
-          <p:nvPr/>
-        </p:nvPicPr>
-        <p:blipFill rotWithShape="1">
-          <a:blip r:embed="rId2">
-            <a:extLst>
-              <a:ext uri="{28A0092B-C50C-407E-A947-70E740481C1C}">
-                <a14:useLocalDpi xmlns:a14="http://schemas.microsoft.com/office/drawing/2010/main" val="0"/>
-              </a:ext>
-            </a:extLst>
-          </a:blip>
-          <a:srcRect r="-2" b="2627"/>
-          <a:stretch/>
-        </p:blipFill>
-        <p:spPr>
-          <a:xfrm>
-            <a:off x="4639056" y="10"/>
-            <a:ext cx="7552944" cy="6857990"/>
-          </a:xfrm>
-          <a:prstGeom prst="rect">
-            <a:avLst/>
-          </a:prstGeom>
-          <a:effectLst/>
-        </p:spPr>
-      </p:pic>
+              <a:t>What kind of developer are you? (Full stack, back end, mobile)</a:t>
+            </a:r>
+          </a:p>
+          <a:p>
+            <a:r>
+              <a:rPr lang="en-US" dirty="0"/>
+              <a:t>How satisfied are you with your current job?</a:t>
+            </a:r>
+          </a:p>
+          <a:p>
+            <a:r>
+              <a:rPr lang="en-US" dirty="0"/>
+              <a:t>What languages do you use? (Java, Python, Pascal)</a:t>
+            </a:r>
+          </a:p>
+          <a:p>
+            <a:r>
+              <a:rPr lang="en-US" dirty="0"/>
+              <a:t>What IDE do you use? (Eclipse, IDLE, Sublime)</a:t>
+            </a:r>
+          </a:p>
+        </p:txBody>
+      </p:sp>
     </p:spTree>
     <p:extLst>
       <p:ext uri="{BB962C8B-B14F-4D97-AF65-F5344CB8AC3E}">
-        <p14:creationId xmlns:p14="http://schemas.microsoft.com/office/powerpoint/2010/main" val="3744827574"/>
+        <p14:creationId xmlns:p14="http://schemas.microsoft.com/office/powerpoint/2010/main" val="4207136230"/>
       </p:ext>
     </p:extLst>
   </p:cSld>
@@ -5721,7 +8232,7 @@
           <p:cNvPr id="2" name="Title 1">
             <a:extLst>
               <a:ext uri="{FF2B5EF4-FFF2-40B4-BE49-F238E27FC236}">
-                <a16:creationId xmlns:a16="http://schemas.microsoft.com/office/drawing/2014/main" id="{D453138C-A636-4754-A39E-02A599AE3149}"/>
+                <a16:creationId xmlns:a16="http://schemas.microsoft.com/office/drawing/2014/main" id="{3E158E42-18D7-42B7-932A-32D64EB270B5}"/>
               </a:ext>
             </a:extLst>
           </p:cNvPr>
@@ -5740,144 +8251,7 @@
             <a:pPr algn="ctr"/>
             <a:r>
               <a:rPr lang="en-US" dirty="0"/>
-              <a:t>Where’d I get my data from?</a:t>
-            </a:r>
-          </a:p>
-        </p:txBody>
-      </p:sp>
-      <p:pic>
-        <p:nvPicPr>
-          <p:cNvPr id="7" name="Content Placeholder 6" descr="A group of people sitting at a table&#10;&#10;Description generated with very high confidence">
-            <a:extLst>
-              <a:ext uri="{FF2B5EF4-FFF2-40B4-BE49-F238E27FC236}">
-                <a16:creationId xmlns:a16="http://schemas.microsoft.com/office/drawing/2014/main" id="{AFCB8C62-B12F-40E1-A7F7-E9615842ED3E}"/>
-              </a:ext>
-            </a:extLst>
-          </p:cNvPr>
-          <p:cNvPicPr>
-            <a:picLocks noGrp="1" noChangeAspect="1"/>
-          </p:cNvPicPr>
-          <p:nvPr>
-            <p:ph idx="1"/>
-          </p:nvPr>
-        </p:nvPicPr>
-        <p:blipFill rotWithShape="1">
-          <a:blip r:embed="rId2">
-            <a:extLst>
-              <a:ext uri="{28A0092B-C50C-407E-A947-70E740481C1C}">
-                <a14:useLocalDpi xmlns:a14="http://schemas.microsoft.com/office/drawing/2010/main" val="0"/>
-              </a:ext>
-            </a:extLst>
-          </a:blip>
-          <a:srcRect t="12199" b="12490"/>
-          <a:stretch/>
-        </p:blipFill>
-        <p:spPr>
-          <a:xfrm>
-            <a:off x="6530170" y="2431267"/>
-            <a:ext cx="4504590" cy="3392484"/>
-          </a:xfrm>
-        </p:spPr>
-      </p:pic>
-      <p:sp>
-        <p:nvSpPr>
-          <p:cNvPr id="8" name="TextBox 7">
-            <a:extLst>
-              <a:ext uri="{FF2B5EF4-FFF2-40B4-BE49-F238E27FC236}">
-                <a16:creationId xmlns:a16="http://schemas.microsoft.com/office/drawing/2014/main" id="{6FD066FB-C82B-48FF-82E4-D87DEC6ADEF5}"/>
-              </a:ext>
-            </a:extLst>
-          </p:cNvPr>
-          <p:cNvSpPr txBox="1"/>
-          <p:nvPr/>
-        </p:nvSpPr>
-        <p:spPr>
-          <a:xfrm>
-            <a:off x="838200" y="2006353"/>
-            <a:ext cx="5257800" cy="3108543"/>
-          </a:xfrm>
-          <a:prstGeom prst="rect">
-            <a:avLst/>
-          </a:prstGeom>
-          <a:noFill/>
-        </p:spPr>
-        <p:txBody>
-          <a:bodyPr wrap="square" rtlCol="0">
-            <a:spAutoFit/>
-          </a:bodyPr>
-          <a:lstStyle/>
-          <a:p>
-            <a:r>
-              <a:rPr lang="en-US" sz="2800" dirty="0"/>
-              <a:t>Stack Overflow is a Q&amp;A website where developers can learn from each other</a:t>
-            </a:r>
-          </a:p>
-          <a:p>
-            <a:endParaRPr lang="en-US" sz="2800" dirty="0"/>
-          </a:p>
-          <a:p>
-            <a:r>
-              <a:rPr lang="en-US" sz="2800" dirty="0"/>
-              <a:t>Every year they release a survey that asks developers question about their job</a:t>
-            </a:r>
-          </a:p>
-        </p:txBody>
-      </p:sp>
-    </p:spTree>
-    <p:extLst>
-      <p:ext uri="{BB962C8B-B14F-4D97-AF65-F5344CB8AC3E}">
-        <p14:creationId xmlns:p14="http://schemas.microsoft.com/office/powerpoint/2010/main" val="3416284938"/>
-      </p:ext>
-    </p:extLst>
-  </p:cSld>
-  <p:clrMapOvr>
-    <a:masterClrMapping/>
-  </p:clrMapOvr>
-</p:sld>
-</file>
-
-<file path=ppt/slides/slide7.xml><?xml version="1.0" encoding="utf-8"?>
-<p:sld xmlns:a="http://schemas.openxmlformats.org/drawingml/2006/main" xmlns:r="http://schemas.openxmlformats.org/officeDocument/2006/relationships" xmlns:p="http://schemas.openxmlformats.org/presentationml/2006/main">
-  <p:cSld>
-    <p:spTree>
-      <p:nvGrpSpPr>
-        <p:cNvPr id="1" name=""/>
-        <p:cNvGrpSpPr/>
-        <p:nvPr/>
-      </p:nvGrpSpPr>
-      <p:grpSpPr>
-        <a:xfrm>
-          <a:off x="0" y="0"/>
-          <a:ext cx="0" cy="0"/>
-          <a:chOff x="0" y="0"/>
-          <a:chExt cx="0" cy="0"/>
-        </a:xfrm>
-      </p:grpSpPr>
-      <p:sp>
-        <p:nvSpPr>
-          <p:cNvPr id="2" name="Title 1">
-            <a:extLst>
-              <a:ext uri="{FF2B5EF4-FFF2-40B4-BE49-F238E27FC236}">
-                <a16:creationId xmlns:a16="http://schemas.microsoft.com/office/drawing/2014/main" id="{3571731D-BB9B-41AE-927A-0E779E564F1F}"/>
-              </a:ext>
-            </a:extLst>
-          </p:cNvPr>
-          <p:cNvSpPr>
-            <a:spLocks noGrp="1"/>
-          </p:cNvSpPr>
-          <p:nvPr>
-            <p:ph type="title"/>
-          </p:nvPr>
-        </p:nvSpPr>
-        <p:spPr/>
-        <p:txBody>
-          <a:bodyPr/>
-          <a:lstStyle/>
-          <a:p>
-            <a:pPr algn="ctr"/>
-            <a:r>
-              <a:rPr lang="en-US" dirty="0"/>
-              <a:t>What do they ask about?</a:t>
+              <a:t>Methodological (Preprocessing)</a:t>
             </a:r>
           </a:p>
         </p:txBody>
@@ -5887,7 +8261,7 @@
           <p:cNvPr id="3" name="Content Placeholder 2">
             <a:extLst>
               <a:ext uri="{FF2B5EF4-FFF2-40B4-BE49-F238E27FC236}">
-                <a16:creationId xmlns:a16="http://schemas.microsoft.com/office/drawing/2014/main" id="{82DEE25E-4D0E-4384-A5F4-DCD5B9F60C42}"/>
+                <a16:creationId xmlns:a16="http://schemas.microsoft.com/office/drawing/2014/main" id="{F43307FC-A106-440D-8EFF-59C2232B43E9}"/>
               </a:ext>
             </a:extLst>
           </p:cNvPr>
@@ -5898,111 +8272,6 @@
             <p:ph idx="1"/>
           </p:nvPr>
         </p:nvSpPr>
-        <p:spPr/>
-        <p:txBody>
-          <a:bodyPr/>
-          <a:lstStyle/>
-          <a:p>
-            <a:r>
-              <a:rPr lang="en-US" dirty="0"/>
-              <a:t>What kind of developer are you? (Full stack, back end, mobile)</a:t>
-            </a:r>
-          </a:p>
-          <a:p>
-            <a:r>
-              <a:rPr lang="en-US" dirty="0"/>
-              <a:t>How satisfied are you with your current job?</a:t>
-            </a:r>
-          </a:p>
-          <a:p>
-            <a:r>
-              <a:rPr lang="en-US" dirty="0"/>
-              <a:t>What languages do you use?</a:t>
-            </a:r>
-          </a:p>
-          <a:p>
-            <a:r>
-              <a:rPr lang="en-US" dirty="0"/>
-              <a:t>What IDE do you use?</a:t>
-            </a:r>
-          </a:p>
-        </p:txBody>
-      </p:sp>
-    </p:spTree>
-    <p:extLst>
-      <p:ext uri="{BB962C8B-B14F-4D97-AF65-F5344CB8AC3E}">
-        <p14:creationId xmlns:p14="http://schemas.microsoft.com/office/powerpoint/2010/main" val="4207136230"/>
-      </p:ext>
-    </p:extLst>
-  </p:cSld>
-  <p:clrMapOvr>
-    <a:masterClrMapping/>
-  </p:clrMapOvr>
-</p:sld>
-</file>
-
-<file path=ppt/slides/slide8.xml><?xml version="1.0" encoding="utf-8"?>
-<p:sld xmlns:a="http://schemas.openxmlformats.org/drawingml/2006/main" xmlns:r="http://schemas.openxmlformats.org/officeDocument/2006/relationships" xmlns:p="http://schemas.openxmlformats.org/presentationml/2006/main">
-  <p:cSld>
-    <p:spTree>
-      <p:nvGrpSpPr>
-        <p:cNvPr id="1" name=""/>
-        <p:cNvGrpSpPr/>
-        <p:nvPr/>
-      </p:nvGrpSpPr>
-      <p:grpSpPr>
-        <a:xfrm>
-          <a:off x="0" y="0"/>
-          <a:ext cx="0" cy="0"/>
-          <a:chOff x="0" y="0"/>
-          <a:chExt cx="0" cy="0"/>
-        </a:xfrm>
-      </p:grpSpPr>
-      <p:sp>
-        <p:nvSpPr>
-          <p:cNvPr id="2" name="Title 1">
-            <a:extLst>
-              <a:ext uri="{FF2B5EF4-FFF2-40B4-BE49-F238E27FC236}">
-                <a16:creationId xmlns:a16="http://schemas.microsoft.com/office/drawing/2014/main" id="{D74E1043-92AB-4CEA-87FA-739B592C9AE8}"/>
-              </a:ext>
-            </a:extLst>
-          </p:cNvPr>
-          <p:cNvSpPr>
-            <a:spLocks noGrp="1"/>
-          </p:cNvSpPr>
-          <p:nvPr>
-            <p:ph type="title"/>
-          </p:nvPr>
-        </p:nvSpPr>
-        <p:spPr/>
-        <p:txBody>
-          <a:bodyPr/>
-          <a:lstStyle/>
-          <a:p>
-            <a:pPr algn="ctr"/>
-            <a:r>
-              <a:rPr lang="en-US" dirty="0"/>
-              <a:t>Methodological (Preprocessing)</a:t>
-            </a:r>
-          </a:p>
-        </p:txBody>
-      </p:sp>
-      <p:sp>
-        <p:nvSpPr>
-          <p:cNvPr id="3" name="Content Placeholder 2">
-            <a:extLst>
-              <a:ext uri="{FF2B5EF4-FFF2-40B4-BE49-F238E27FC236}">
-                <a16:creationId xmlns:a16="http://schemas.microsoft.com/office/drawing/2014/main" id="{E6286A1F-3A1A-4E8E-9C3B-31598408846D}"/>
-              </a:ext>
-            </a:extLst>
-          </p:cNvPr>
-          <p:cNvSpPr>
-            <a:spLocks noGrp="1"/>
-          </p:cNvSpPr>
-          <p:nvPr>
-            <p:ph idx="1"/>
-          </p:nvPr>
-        </p:nvSpPr>
         <p:spPr>
           <a:xfrm>
             <a:off x="838200" y="1825625"/>
@@ -6010,206 +8279,19 @@
           </a:xfrm>
         </p:spPr>
         <p:txBody>
-          <a:bodyPr>
-            <a:normAutofit/>
-          </a:bodyPr>
+          <a:bodyPr/>
           <a:lstStyle/>
           <a:p>
             <a:r>
               <a:rPr lang="en-US" dirty="0"/>
-              <a:t>Likert scale</a:t>
-            </a:r>
-          </a:p>
-          <a:p>
-            <a:endParaRPr lang="en-US" dirty="0"/>
+              <a:t>They asked questions like “Which of the following developer types describe you? Please select all that apply.”</a:t>
+            </a:r>
           </a:p>
           <a:p>
             <a:r>
               <a:rPr lang="en-US" dirty="0"/>
-              <a:t>For instance take a question like “Are you extremely satisfied with your current job?” The answers they gave answers similar to what’s above</a:t>
-            </a:r>
-          </a:p>
-          <a:p>
-            <a:r>
-              <a:rPr lang="en-US" dirty="0"/>
-              <a:t>I converted the answers the dataset gave into </a:t>
-            </a:r>
-            <a:r>
-              <a:rPr lang="en-US" dirty="0" err="1"/>
-              <a:t>numeraical</a:t>
-            </a:r>
-            <a:r>
-              <a:rPr lang="en-US" dirty="0"/>
-              <a:t> values so that if an answer is undecided I made it into a 3</a:t>
-            </a:r>
-          </a:p>
-          <a:p>
-            <a:r>
-              <a:rPr lang="en-US" dirty="0"/>
-              <a:t>Mostly did this to make the tree easier to read and easier to calculate averages later on</a:t>
-            </a:r>
-          </a:p>
-        </p:txBody>
-      </p:sp>
-      <p:pic>
-        <p:nvPicPr>
-          <p:cNvPr id="2050" name="Picture 2" descr="likert-scale-09">
-            <a:extLst>
-              <a:ext uri="{FF2B5EF4-FFF2-40B4-BE49-F238E27FC236}">
-                <a16:creationId xmlns:a16="http://schemas.microsoft.com/office/drawing/2014/main" id="{86A7F30A-C7E1-4E9E-BCDE-E808E25B44FF}"/>
-              </a:ext>
-            </a:extLst>
-          </p:cNvPr>
-          <p:cNvPicPr>
-            <a:picLocks noChangeAspect="1" noChangeArrowheads="1"/>
-          </p:cNvPicPr>
-          <p:nvPr/>
-        </p:nvPicPr>
-        <p:blipFill rotWithShape="1">
-          <a:blip r:embed="rId2">
-            <a:extLst>
-              <a:ext uri="{28A0092B-C50C-407E-A947-70E740481C1C}">
-                <a14:useLocalDpi xmlns:a14="http://schemas.microsoft.com/office/drawing/2010/main" val="0"/>
-              </a:ext>
-            </a:extLst>
-          </a:blip>
-          <a:srcRect l="31182" t="16666" r="6631" b="71386"/>
-          <a:stretch/>
-        </p:blipFill>
-        <p:spPr bwMode="auto">
-          <a:xfrm>
-            <a:off x="6000750" y="1690688"/>
-            <a:ext cx="5231675" cy="909638"/>
-          </a:xfrm>
-          <a:prstGeom prst="rect">
-            <a:avLst/>
-          </a:prstGeom>
-          <a:noFill/>
-          <a:extLst>
-            <a:ext uri="{909E8E84-426E-40DD-AFC4-6F175D3DCCD1}">
-              <a14:hiddenFill xmlns:a14="http://schemas.microsoft.com/office/drawing/2010/main">
-                <a:solidFill>
-                  <a:srgbClr val="FFFFFF"/>
-                </a:solidFill>
-              </a14:hiddenFill>
-            </a:ext>
-          </a:extLst>
-        </p:spPr>
-      </p:pic>
-    </p:spTree>
-    <p:extLst>
-      <p:ext uri="{BB962C8B-B14F-4D97-AF65-F5344CB8AC3E}">
-        <p14:creationId xmlns:p14="http://schemas.microsoft.com/office/powerpoint/2010/main" val="597531370"/>
-      </p:ext>
-    </p:extLst>
-  </p:cSld>
-  <p:clrMapOvr>
-    <a:masterClrMapping/>
-  </p:clrMapOvr>
-</p:sld>
-</file>
-
-<file path=ppt/slides/slide9.xml><?xml version="1.0" encoding="utf-8"?>
-<p:sld xmlns:a="http://schemas.openxmlformats.org/drawingml/2006/main" xmlns:r="http://schemas.openxmlformats.org/officeDocument/2006/relationships" xmlns:p="http://schemas.openxmlformats.org/presentationml/2006/main">
-  <p:cSld>
-    <p:spTree>
-      <p:nvGrpSpPr>
-        <p:cNvPr id="1" name=""/>
-        <p:cNvGrpSpPr/>
-        <p:nvPr/>
-      </p:nvGrpSpPr>
-      <p:grpSpPr>
-        <a:xfrm>
-          <a:off x="0" y="0"/>
-          <a:ext cx="0" cy="0"/>
-          <a:chOff x="0" y="0"/>
-          <a:chExt cx="0" cy="0"/>
-        </a:xfrm>
-      </p:grpSpPr>
-      <p:sp>
-        <p:nvSpPr>
-          <p:cNvPr id="2" name="Title 1">
-            <a:extLst>
-              <a:ext uri="{FF2B5EF4-FFF2-40B4-BE49-F238E27FC236}">
-                <a16:creationId xmlns:a16="http://schemas.microsoft.com/office/drawing/2014/main" id="{3E158E42-18D7-42B7-932A-32D64EB270B5}"/>
-              </a:ext>
-            </a:extLst>
-          </p:cNvPr>
-          <p:cNvSpPr>
-            <a:spLocks noGrp="1"/>
-          </p:cNvSpPr>
-          <p:nvPr>
-            <p:ph type="title"/>
-          </p:nvPr>
-        </p:nvSpPr>
-        <p:spPr/>
-        <p:txBody>
-          <a:bodyPr/>
-          <a:lstStyle/>
-          <a:p>
-            <a:pPr algn="ctr"/>
-            <a:r>
-              <a:rPr lang="en-US" dirty="0"/>
-              <a:t>Methodological (Preprocessing)</a:t>
-            </a:r>
-          </a:p>
-        </p:txBody>
-      </p:sp>
-      <p:sp>
-        <p:nvSpPr>
-          <p:cNvPr id="3" name="Content Placeholder 2">
-            <a:extLst>
-              <a:ext uri="{FF2B5EF4-FFF2-40B4-BE49-F238E27FC236}">
-                <a16:creationId xmlns:a16="http://schemas.microsoft.com/office/drawing/2014/main" id="{F43307FC-A106-440D-8EFF-59C2232B43E9}"/>
-              </a:ext>
-            </a:extLst>
-          </p:cNvPr>
-          <p:cNvSpPr>
-            <a:spLocks noGrp="1"/>
-          </p:cNvSpPr>
-          <p:nvPr>
-            <p:ph idx="1"/>
-          </p:nvPr>
-        </p:nvSpPr>
-        <p:spPr>
-          <a:xfrm>
-            <a:off x="838200" y="1825625"/>
-            <a:ext cx="10515600" cy="4351338"/>
-          </a:xfrm>
-        </p:spPr>
-        <p:txBody>
-          <a:bodyPr/>
-          <a:lstStyle/>
-          <a:p>
-            <a:r>
-              <a:rPr lang="en-US" dirty="0"/>
-              <a:t>They also asked questions like “Which of the following developer types describe you? Please select all that apply.”</a:t>
-            </a:r>
-          </a:p>
-          <a:p>
-            <a:r>
-              <a:rPr lang="en-US" dirty="0"/>
-              <a:t>The way Stack Overflow stored this is something like “Full </a:t>
-            </a:r>
-            <a:r>
-              <a:rPr lang="en-US" dirty="0" err="1"/>
-              <a:t>Stack;Database</a:t>
-            </a:r>
-            <a:r>
-              <a:rPr lang="en-US" dirty="0"/>
-              <a:t> </a:t>
-            </a:r>
-            <a:r>
-              <a:rPr lang="en-US" dirty="0" err="1"/>
-              <a:t>Adminstrator;DevOps</a:t>
-            </a:r>
-            <a:r>
-              <a:rPr lang="en-US" dirty="0"/>
-              <a:t>”</a:t>
-            </a:r>
-          </a:p>
-          <a:p>
-            <a:endParaRPr lang="en-US" dirty="0"/>
+              <a:t>The way Stack Overflow stored this is something like “Full Stack; Database Administrator; DevOps”</a:t>
+            </a:r>
           </a:p>
           <a:p>
             <a:r>
@@ -6237,13 +8319,13 @@
           <p:nvPr>
             <p:extLst>
               <p:ext uri="{D42A27DB-BD31-4B8C-83A1-F6EECF244321}">
-                <p14:modId xmlns:p14="http://schemas.microsoft.com/office/powerpoint/2010/main" val="624950855"/>
+                <p14:modId xmlns:p14="http://schemas.microsoft.com/office/powerpoint/2010/main" val="161667032"/>
               </p:ext>
             </p:extLst>
           </p:nvPr>
         </p:nvGraphicFramePr>
         <p:xfrm>
-          <a:off x="838200" y="4874415"/>
+          <a:off x="838200" y="4427375"/>
           <a:ext cx="10164933" cy="1112520"/>
         </p:xfrm>
         <a:graphic>
@@ -6435,6 +8517,2210 @@
     <p:extLst>
       <p:ext uri="{BB962C8B-B14F-4D97-AF65-F5344CB8AC3E}">
         <p14:creationId xmlns:p14="http://schemas.microsoft.com/office/powerpoint/2010/main" val="2192917368"/>
+      </p:ext>
+    </p:extLst>
+  </p:cSld>
+  <p:clrMapOvr>
+    <a:masterClrMapping/>
+  </p:clrMapOvr>
+</p:sld>
+</file>
+
+<file path=ppt/slides/slide7.xml><?xml version="1.0" encoding="utf-8"?>
+<p:sld xmlns:a="http://schemas.openxmlformats.org/drawingml/2006/main" xmlns:r="http://schemas.openxmlformats.org/officeDocument/2006/relationships" xmlns:p="http://schemas.openxmlformats.org/presentationml/2006/main">
+  <p:cSld>
+    <p:spTree>
+      <p:nvGrpSpPr>
+        <p:cNvPr id="1" name=""/>
+        <p:cNvGrpSpPr/>
+        <p:nvPr/>
+      </p:nvGrpSpPr>
+      <p:grpSpPr>
+        <a:xfrm>
+          <a:off x="0" y="0"/>
+          <a:ext cx="0" cy="0"/>
+          <a:chOff x="0" y="0"/>
+          <a:chExt cx="0" cy="0"/>
+        </a:xfrm>
+      </p:grpSpPr>
+      <p:sp>
+        <p:nvSpPr>
+          <p:cNvPr id="2" name="Title 1">
+            <a:extLst>
+              <a:ext uri="{FF2B5EF4-FFF2-40B4-BE49-F238E27FC236}">
+                <a16:creationId xmlns:a16="http://schemas.microsoft.com/office/drawing/2014/main" id="{49AE7DF9-C298-468C-87C2-9C4D4CEB63FC}"/>
+              </a:ext>
+            </a:extLst>
+          </p:cNvPr>
+          <p:cNvSpPr>
+            <a:spLocks noGrp="1"/>
+          </p:cNvSpPr>
+          <p:nvPr>
+            <p:ph type="title"/>
+          </p:nvPr>
+        </p:nvSpPr>
+        <p:spPr>
+          <a:xfrm>
+            <a:off x="838200" y="106476"/>
+            <a:ext cx="10515600" cy="1325563"/>
+          </a:xfrm>
+        </p:spPr>
+        <p:txBody>
+          <a:bodyPr/>
+          <a:lstStyle/>
+          <a:p>
+            <a:pPr algn="ctr"/>
+            <a:r>
+              <a:rPr lang="en-US"/>
+              <a:t>Methodological (Preprocessing)</a:t>
+            </a:r>
+            <a:endParaRPr lang="en-US" dirty="0"/>
+          </a:p>
+        </p:txBody>
+      </p:sp>
+      <p:sp>
+        <p:nvSpPr>
+          <p:cNvPr id="3" name="Content Placeholder 2">
+            <a:extLst>
+              <a:ext uri="{FF2B5EF4-FFF2-40B4-BE49-F238E27FC236}">
+                <a16:creationId xmlns:a16="http://schemas.microsoft.com/office/drawing/2014/main" id="{63D56331-CAFB-4040-841F-7B2B9E02AFC3}"/>
+              </a:ext>
+            </a:extLst>
+          </p:cNvPr>
+          <p:cNvSpPr>
+            <a:spLocks noGrp="1"/>
+          </p:cNvSpPr>
+          <p:nvPr>
+            <p:ph idx="1"/>
+          </p:nvPr>
+        </p:nvSpPr>
+        <p:spPr>
+          <a:xfrm>
+            <a:off x="838200" y="1253331"/>
+            <a:ext cx="10515600" cy="4351338"/>
+          </a:xfrm>
+        </p:spPr>
+        <p:txBody>
+          <a:bodyPr/>
+          <a:lstStyle/>
+          <a:p>
+            <a:r>
+              <a:rPr lang="en-US" dirty="0"/>
+              <a:t>This is so that the tree doesn’t turn into something like this with a ton of nodes </a:t>
+            </a:r>
+          </a:p>
+          <a:p>
+            <a:endParaRPr lang="en-US" dirty="0"/>
+          </a:p>
+          <a:p>
+            <a:endParaRPr lang="en-US" dirty="0"/>
+          </a:p>
+          <a:p>
+            <a:endParaRPr lang="en-US" dirty="0"/>
+          </a:p>
+          <a:p>
+            <a:endParaRPr lang="en-US" dirty="0"/>
+          </a:p>
+          <a:p>
+            <a:r>
+              <a:rPr lang="en-US" dirty="0"/>
+              <a:t>Now the tree will look like this</a:t>
+            </a:r>
+          </a:p>
+        </p:txBody>
+      </p:sp>
+      <p:pic>
+        <p:nvPicPr>
+          <p:cNvPr id="6" name="Picture 5">
+            <a:extLst>
+              <a:ext uri="{FF2B5EF4-FFF2-40B4-BE49-F238E27FC236}">
+                <a16:creationId xmlns:a16="http://schemas.microsoft.com/office/drawing/2014/main" id="{45009302-8B6C-434A-BDD0-B2D68BBE1BE1}"/>
+              </a:ext>
+            </a:extLst>
+          </p:cNvPr>
+          <p:cNvPicPr/>
+          <p:nvPr/>
+        </p:nvPicPr>
+        <p:blipFill rotWithShape="1">
+          <a:blip r:embed="rId2"/>
+          <a:srcRect l="24102" t="23703" r="7949" b="52365"/>
+          <a:stretch/>
+        </p:blipFill>
+        <p:spPr bwMode="auto">
+          <a:xfrm>
+            <a:off x="1715961" y="2055180"/>
+            <a:ext cx="8760078" cy="1735584"/>
+          </a:xfrm>
+          <a:prstGeom prst="rect">
+            <a:avLst/>
+          </a:prstGeom>
+          <a:ln>
+            <a:noFill/>
+          </a:ln>
+          <a:extLst>
+            <a:ext uri="{53640926-AAD7-44D8-BBD7-CCE9431645EC}">
+              <a14:shadowObscured xmlns:a14="http://schemas.microsoft.com/office/drawing/2010/main"/>
+            </a:ext>
+          </a:extLst>
+        </p:spPr>
+      </p:pic>
+      <p:pic>
+        <p:nvPicPr>
+          <p:cNvPr id="9" name="Picture 8">
+            <a:extLst>
+              <a:ext uri="{FF2B5EF4-FFF2-40B4-BE49-F238E27FC236}">
+                <a16:creationId xmlns:a16="http://schemas.microsoft.com/office/drawing/2014/main" id="{9FD394A4-2459-40DE-8EE4-6C16169A37AF}"/>
+              </a:ext>
+            </a:extLst>
+          </p:cNvPr>
+          <p:cNvPicPr/>
+          <p:nvPr/>
+        </p:nvPicPr>
+        <p:blipFill rotWithShape="1">
+          <a:blip r:embed="rId3"/>
+          <a:srcRect l="38333" t="23703" r="34487" b="52137"/>
+          <a:stretch/>
+        </p:blipFill>
+        <p:spPr bwMode="auto">
+          <a:xfrm>
+            <a:off x="4217740" y="4807531"/>
+            <a:ext cx="3408178" cy="1704090"/>
+          </a:xfrm>
+          <a:prstGeom prst="rect">
+            <a:avLst/>
+          </a:prstGeom>
+          <a:ln>
+            <a:noFill/>
+          </a:ln>
+          <a:extLst>
+            <a:ext uri="{53640926-AAD7-44D8-BBD7-CCE9431645EC}">
+              <a14:shadowObscured xmlns:a14="http://schemas.microsoft.com/office/drawing/2010/main"/>
+            </a:ext>
+          </a:extLst>
+        </p:spPr>
+      </p:pic>
+    </p:spTree>
+    <p:extLst>
+      <p:ext uri="{BB962C8B-B14F-4D97-AF65-F5344CB8AC3E}">
+        <p14:creationId xmlns:p14="http://schemas.microsoft.com/office/powerpoint/2010/main" val="3653661526"/>
+      </p:ext>
+    </p:extLst>
+  </p:cSld>
+  <p:clrMapOvr>
+    <a:masterClrMapping/>
+  </p:clrMapOvr>
+</p:sld>
+</file>
+
+<file path=ppt/slides/slide8.xml><?xml version="1.0" encoding="utf-8"?>
+<p:sld xmlns:a="http://schemas.openxmlformats.org/drawingml/2006/main" xmlns:r="http://schemas.openxmlformats.org/officeDocument/2006/relationships" xmlns:p="http://schemas.openxmlformats.org/presentationml/2006/main">
+  <p:cSld>
+    <p:spTree>
+      <p:nvGrpSpPr>
+        <p:cNvPr id="1" name=""/>
+        <p:cNvGrpSpPr/>
+        <p:nvPr/>
+      </p:nvGrpSpPr>
+      <p:grpSpPr>
+        <a:xfrm>
+          <a:off x="0" y="0"/>
+          <a:ext cx="0" cy="0"/>
+          <a:chOff x="0" y="0"/>
+          <a:chExt cx="0" cy="0"/>
+        </a:xfrm>
+      </p:grpSpPr>
+      <p:sp>
+        <p:nvSpPr>
+          <p:cNvPr id="2" name="Title 1">
+            <a:extLst>
+              <a:ext uri="{FF2B5EF4-FFF2-40B4-BE49-F238E27FC236}">
+                <a16:creationId xmlns:a16="http://schemas.microsoft.com/office/drawing/2014/main" id="{78302AA3-654B-4ADA-B8AA-CF9E6EAC082C}"/>
+              </a:ext>
+            </a:extLst>
+          </p:cNvPr>
+          <p:cNvSpPr>
+            <a:spLocks noGrp="1"/>
+          </p:cNvSpPr>
+          <p:nvPr>
+            <p:ph type="title"/>
+          </p:nvPr>
+        </p:nvSpPr>
+        <p:spPr/>
+        <p:txBody>
+          <a:bodyPr/>
+          <a:lstStyle/>
+          <a:p>
+            <a:pPr algn="ctr"/>
+            <a:r>
+              <a:rPr lang="en-US" dirty="0"/>
+              <a:t>K-Fold Cross Validation</a:t>
+            </a:r>
+          </a:p>
+        </p:txBody>
+      </p:sp>
+      <p:sp>
+        <p:nvSpPr>
+          <p:cNvPr id="3" name="Content Placeholder 2">
+            <a:extLst>
+              <a:ext uri="{FF2B5EF4-FFF2-40B4-BE49-F238E27FC236}">
+                <a16:creationId xmlns:a16="http://schemas.microsoft.com/office/drawing/2014/main" id="{0A8FF48C-AED0-4D8A-B476-E3A61002AE16}"/>
+              </a:ext>
+            </a:extLst>
+          </p:cNvPr>
+          <p:cNvSpPr>
+            <a:spLocks noGrp="1"/>
+          </p:cNvSpPr>
+          <p:nvPr>
+            <p:ph idx="1"/>
+          </p:nvPr>
+        </p:nvSpPr>
+        <p:spPr>
+          <a:xfrm>
+            <a:off x="838200" y="1825625"/>
+            <a:ext cx="10515600" cy="4351338"/>
+          </a:xfrm>
+        </p:spPr>
+        <p:txBody>
+          <a:bodyPr/>
+          <a:lstStyle/>
+          <a:p>
+            <a:r>
+              <a:rPr lang="en-US" dirty="0"/>
+              <a:t>K-Fold cross validation is a way to grade how well a model did at it’s given task without spoiling any data</a:t>
+            </a:r>
+          </a:p>
+          <a:p>
+            <a:r>
+              <a:rPr lang="en-US" dirty="0"/>
+              <a:t>Split the data into k sections (Folds), save one fold for testing and use the others to train the model on</a:t>
+            </a:r>
+          </a:p>
+          <a:p>
+            <a:r>
+              <a:rPr lang="en-US" dirty="0"/>
+              <a:t>Repeat k times until you have k models and get an accuracy for each</a:t>
+            </a:r>
+          </a:p>
+          <a:p>
+            <a:endParaRPr lang="en-US" dirty="0"/>
+          </a:p>
+        </p:txBody>
+      </p:sp>
+      <p:sp>
+        <p:nvSpPr>
+          <p:cNvPr id="4" name="Rectangle 3">
+            <a:extLst>
+              <a:ext uri="{FF2B5EF4-FFF2-40B4-BE49-F238E27FC236}">
+                <a16:creationId xmlns:a16="http://schemas.microsoft.com/office/drawing/2014/main" id="{D06BDF6C-0723-46B3-BC01-BB20E36D5424}"/>
+              </a:ext>
+            </a:extLst>
+          </p:cNvPr>
+          <p:cNvSpPr/>
+          <p:nvPr/>
+        </p:nvSpPr>
+        <p:spPr>
+          <a:xfrm>
+            <a:off x="1236980" y="4603869"/>
+            <a:ext cx="538480" cy="335280"/>
+          </a:xfrm>
+          <a:prstGeom prst="rect">
+            <a:avLst/>
+          </a:prstGeom>
+          <a:solidFill>
+            <a:schemeClr val="bg1"/>
+          </a:solidFill>
+          <a:ln>
+            <a:solidFill>
+              <a:schemeClr val="tx1"/>
+            </a:solidFill>
+          </a:ln>
+        </p:spPr>
+        <p:style>
+          <a:lnRef idx="2">
+            <a:schemeClr val="accent1">
+              <a:shade val="50000"/>
+            </a:schemeClr>
+          </a:lnRef>
+          <a:fillRef idx="1">
+            <a:schemeClr val="accent1"/>
+          </a:fillRef>
+          <a:effectRef idx="0">
+            <a:schemeClr val="accent1"/>
+          </a:effectRef>
+          <a:fontRef idx="minor">
+            <a:schemeClr val="lt1"/>
+          </a:fontRef>
+        </p:style>
+        <p:txBody>
+          <a:bodyPr rtlCol="0" anchor="ctr"/>
+          <a:lstStyle/>
+          <a:p>
+            <a:pPr algn="ctr"/>
+            <a:endParaRPr lang="en-US"/>
+          </a:p>
+        </p:txBody>
+      </p:sp>
+      <p:sp>
+        <p:nvSpPr>
+          <p:cNvPr id="5" name="Rectangle 4">
+            <a:extLst>
+              <a:ext uri="{FF2B5EF4-FFF2-40B4-BE49-F238E27FC236}">
+                <a16:creationId xmlns:a16="http://schemas.microsoft.com/office/drawing/2014/main" id="{68545DD8-4E32-4BF3-9274-B8606A8F29DB}"/>
+              </a:ext>
+            </a:extLst>
+          </p:cNvPr>
+          <p:cNvSpPr/>
+          <p:nvPr/>
+        </p:nvSpPr>
+        <p:spPr>
+          <a:xfrm>
+            <a:off x="1775460" y="4603869"/>
+            <a:ext cx="538480" cy="335280"/>
+          </a:xfrm>
+          <a:prstGeom prst="rect">
+            <a:avLst/>
+          </a:prstGeom>
+          <a:solidFill>
+            <a:schemeClr val="bg1"/>
+          </a:solidFill>
+          <a:ln>
+            <a:solidFill>
+              <a:schemeClr val="tx1"/>
+            </a:solidFill>
+          </a:ln>
+        </p:spPr>
+        <p:style>
+          <a:lnRef idx="2">
+            <a:schemeClr val="accent1">
+              <a:shade val="50000"/>
+            </a:schemeClr>
+          </a:lnRef>
+          <a:fillRef idx="1">
+            <a:schemeClr val="accent1"/>
+          </a:fillRef>
+          <a:effectRef idx="0">
+            <a:schemeClr val="accent1"/>
+          </a:effectRef>
+          <a:fontRef idx="minor">
+            <a:schemeClr val="lt1"/>
+          </a:fontRef>
+        </p:style>
+        <p:txBody>
+          <a:bodyPr rtlCol="0" anchor="ctr"/>
+          <a:lstStyle/>
+          <a:p>
+            <a:pPr algn="ctr"/>
+            <a:endParaRPr lang="en-US"/>
+          </a:p>
+        </p:txBody>
+      </p:sp>
+      <p:sp>
+        <p:nvSpPr>
+          <p:cNvPr id="6" name="Rectangle 5">
+            <a:extLst>
+              <a:ext uri="{FF2B5EF4-FFF2-40B4-BE49-F238E27FC236}">
+                <a16:creationId xmlns:a16="http://schemas.microsoft.com/office/drawing/2014/main" id="{56E9BD64-010A-4934-97AD-FAD763336D6C}"/>
+              </a:ext>
+            </a:extLst>
+          </p:cNvPr>
+          <p:cNvSpPr/>
+          <p:nvPr/>
+        </p:nvSpPr>
+        <p:spPr>
+          <a:xfrm>
+            <a:off x="2320290" y="4603869"/>
+            <a:ext cx="538480" cy="335280"/>
+          </a:xfrm>
+          <a:prstGeom prst="rect">
+            <a:avLst/>
+          </a:prstGeom>
+          <a:solidFill>
+            <a:schemeClr val="tx1"/>
+          </a:solidFill>
+          <a:ln>
+            <a:solidFill>
+              <a:schemeClr val="tx1"/>
+            </a:solidFill>
+          </a:ln>
+        </p:spPr>
+        <p:style>
+          <a:lnRef idx="2">
+            <a:schemeClr val="accent1">
+              <a:shade val="50000"/>
+            </a:schemeClr>
+          </a:lnRef>
+          <a:fillRef idx="1">
+            <a:schemeClr val="accent1"/>
+          </a:fillRef>
+          <a:effectRef idx="0">
+            <a:schemeClr val="accent1"/>
+          </a:effectRef>
+          <a:fontRef idx="minor">
+            <a:schemeClr val="lt1"/>
+          </a:fontRef>
+        </p:style>
+        <p:txBody>
+          <a:bodyPr rtlCol="0" anchor="ctr"/>
+          <a:lstStyle/>
+          <a:p>
+            <a:pPr algn="ctr"/>
+            <a:endParaRPr lang="en-US"/>
+          </a:p>
+        </p:txBody>
+      </p:sp>
+      <p:sp>
+        <p:nvSpPr>
+          <p:cNvPr id="7" name="Rectangle 6">
+            <a:extLst>
+              <a:ext uri="{FF2B5EF4-FFF2-40B4-BE49-F238E27FC236}">
+                <a16:creationId xmlns:a16="http://schemas.microsoft.com/office/drawing/2014/main" id="{644EA11A-B546-4A29-8935-0D9596E5279F}"/>
+              </a:ext>
+            </a:extLst>
+          </p:cNvPr>
+          <p:cNvSpPr/>
+          <p:nvPr/>
+        </p:nvSpPr>
+        <p:spPr>
+          <a:xfrm>
+            <a:off x="4039870" y="4603869"/>
+            <a:ext cx="538480" cy="335280"/>
+          </a:xfrm>
+          <a:prstGeom prst="rect">
+            <a:avLst/>
+          </a:prstGeom>
+          <a:solidFill>
+            <a:schemeClr val="bg1"/>
+          </a:solidFill>
+          <a:ln>
+            <a:solidFill>
+              <a:schemeClr val="tx1"/>
+            </a:solidFill>
+          </a:ln>
+        </p:spPr>
+        <p:style>
+          <a:lnRef idx="2">
+            <a:schemeClr val="accent1">
+              <a:shade val="50000"/>
+            </a:schemeClr>
+          </a:lnRef>
+          <a:fillRef idx="1">
+            <a:schemeClr val="accent1"/>
+          </a:fillRef>
+          <a:effectRef idx="0">
+            <a:schemeClr val="accent1"/>
+          </a:effectRef>
+          <a:fontRef idx="minor">
+            <a:schemeClr val="lt1"/>
+          </a:fontRef>
+        </p:style>
+        <p:txBody>
+          <a:bodyPr rtlCol="0" anchor="ctr"/>
+          <a:lstStyle/>
+          <a:p>
+            <a:pPr algn="ctr"/>
+            <a:endParaRPr lang="en-US"/>
+          </a:p>
+        </p:txBody>
+      </p:sp>
+      <p:sp>
+        <p:nvSpPr>
+          <p:cNvPr id="8" name="Rectangle 7">
+            <a:extLst>
+              <a:ext uri="{FF2B5EF4-FFF2-40B4-BE49-F238E27FC236}">
+                <a16:creationId xmlns:a16="http://schemas.microsoft.com/office/drawing/2014/main" id="{B3BA3DCF-91DE-4259-8B13-680874B2A6EE}"/>
+              </a:ext>
+            </a:extLst>
+          </p:cNvPr>
+          <p:cNvSpPr/>
+          <p:nvPr/>
+        </p:nvSpPr>
+        <p:spPr>
+          <a:xfrm>
+            <a:off x="4578350" y="4603869"/>
+            <a:ext cx="538480" cy="335280"/>
+          </a:xfrm>
+          <a:prstGeom prst="rect">
+            <a:avLst/>
+          </a:prstGeom>
+          <a:solidFill>
+            <a:schemeClr val="tx1"/>
+          </a:solidFill>
+          <a:ln>
+            <a:solidFill>
+              <a:schemeClr val="tx1"/>
+            </a:solidFill>
+          </a:ln>
+        </p:spPr>
+        <p:style>
+          <a:lnRef idx="2">
+            <a:schemeClr val="accent1">
+              <a:shade val="50000"/>
+            </a:schemeClr>
+          </a:lnRef>
+          <a:fillRef idx="1">
+            <a:schemeClr val="accent1"/>
+          </a:fillRef>
+          <a:effectRef idx="0">
+            <a:schemeClr val="accent1"/>
+          </a:effectRef>
+          <a:fontRef idx="minor">
+            <a:schemeClr val="lt1"/>
+          </a:fontRef>
+        </p:style>
+        <p:txBody>
+          <a:bodyPr rtlCol="0" anchor="ctr"/>
+          <a:lstStyle/>
+          <a:p>
+            <a:pPr algn="ctr"/>
+            <a:endParaRPr lang="en-US"/>
+          </a:p>
+        </p:txBody>
+      </p:sp>
+      <p:sp>
+        <p:nvSpPr>
+          <p:cNvPr id="9" name="Rectangle 8">
+            <a:extLst>
+              <a:ext uri="{FF2B5EF4-FFF2-40B4-BE49-F238E27FC236}">
+                <a16:creationId xmlns:a16="http://schemas.microsoft.com/office/drawing/2014/main" id="{86920526-B089-45EB-BD1F-D51F11116E6A}"/>
+              </a:ext>
+            </a:extLst>
+          </p:cNvPr>
+          <p:cNvSpPr/>
+          <p:nvPr/>
+        </p:nvSpPr>
+        <p:spPr>
+          <a:xfrm>
+            <a:off x="5123180" y="4603869"/>
+            <a:ext cx="538480" cy="335280"/>
+          </a:xfrm>
+          <a:prstGeom prst="rect">
+            <a:avLst/>
+          </a:prstGeom>
+          <a:solidFill>
+            <a:schemeClr val="bg1"/>
+          </a:solidFill>
+          <a:ln>
+            <a:solidFill>
+              <a:schemeClr val="tx1"/>
+            </a:solidFill>
+          </a:ln>
+        </p:spPr>
+        <p:style>
+          <a:lnRef idx="2">
+            <a:schemeClr val="accent1">
+              <a:shade val="50000"/>
+            </a:schemeClr>
+          </a:lnRef>
+          <a:fillRef idx="1">
+            <a:schemeClr val="accent1"/>
+          </a:fillRef>
+          <a:effectRef idx="0">
+            <a:schemeClr val="accent1"/>
+          </a:effectRef>
+          <a:fontRef idx="minor">
+            <a:schemeClr val="lt1"/>
+          </a:fontRef>
+        </p:style>
+        <p:txBody>
+          <a:bodyPr rtlCol="0" anchor="ctr"/>
+          <a:lstStyle/>
+          <a:p>
+            <a:pPr algn="ctr"/>
+            <a:endParaRPr lang="en-US"/>
+          </a:p>
+        </p:txBody>
+      </p:sp>
+      <p:sp>
+        <p:nvSpPr>
+          <p:cNvPr id="10" name="Rectangle 9">
+            <a:extLst>
+              <a:ext uri="{FF2B5EF4-FFF2-40B4-BE49-F238E27FC236}">
+                <a16:creationId xmlns:a16="http://schemas.microsoft.com/office/drawing/2014/main" id="{90ED22DB-E617-46A2-A5AB-62EB28988F5E}"/>
+              </a:ext>
+            </a:extLst>
+          </p:cNvPr>
+          <p:cNvSpPr/>
+          <p:nvPr/>
+        </p:nvSpPr>
+        <p:spPr>
+          <a:xfrm>
+            <a:off x="7043420" y="4603869"/>
+            <a:ext cx="538480" cy="335280"/>
+          </a:xfrm>
+          <a:prstGeom prst="rect">
+            <a:avLst/>
+          </a:prstGeom>
+          <a:solidFill>
+            <a:schemeClr val="tx1"/>
+          </a:solidFill>
+          <a:ln>
+            <a:solidFill>
+              <a:schemeClr val="tx1"/>
+            </a:solidFill>
+          </a:ln>
+        </p:spPr>
+        <p:style>
+          <a:lnRef idx="2">
+            <a:schemeClr val="accent1">
+              <a:shade val="50000"/>
+            </a:schemeClr>
+          </a:lnRef>
+          <a:fillRef idx="1">
+            <a:schemeClr val="accent1"/>
+          </a:fillRef>
+          <a:effectRef idx="0">
+            <a:schemeClr val="accent1"/>
+          </a:effectRef>
+          <a:fontRef idx="minor">
+            <a:schemeClr val="lt1"/>
+          </a:fontRef>
+        </p:style>
+        <p:txBody>
+          <a:bodyPr rtlCol="0" anchor="ctr"/>
+          <a:lstStyle/>
+          <a:p>
+            <a:pPr algn="ctr"/>
+            <a:endParaRPr lang="en-US"/>
+          </a:p>
+        </p:txBody>
+      </p:sp>
+      <p:sp>
+        <p:nvSpPr>
+          <p:cNvPr id="11" name="Rectangle 10">
+            <a:extLst>
+              <a:ext uri="{FF2B5EF4-FFF2-40B4-BE49-F238E27FC236}">
+                <a16:creationId xmlns:a16="http://schemas.microsoft.com/office/drawing/2014/main" id="{44D278C6-4616-454F-98C0-D79A17F5603F}"/>
+              </a:ext>
+            </a:extLst>
+          </p:cNvPr>
+          <p:cNvSpPr/>
+          <p:nvPr/>
+        </p:nvSpPr>
+        <p:spPr>
+          <a:xfrm>
+            <a:off x="7581900" y="4603869"/>
+            <a:ext cx="538480" cy="335280"/>
+          </a:xfrm>
+          <a:prstGeom prst="rect">
+            <a:avLst/>
+          </a:prstGeom>
+          <a:solidFill>
+            <a:schemeClr val="bg1"/>
+          </a:solidFill>
+          <a:ln>
+            <a:solidFill>
+              <a:schemeClr val="tx1"/>
+            </a:solidFill>
+          </a:ln>
+        </p:spPr>
+        <p:style>
+          <a:lnRef idx="2">
+            <a:schemeClr val="accent1">
+              <a:shade val="50000"/>
+            </a:schemeClr>
+          </a:lnRef>
+          <a:fillRef idx="1">
+            <a:schemeClr val="accent1"/>
+          </a:fillRef>
+          <a:effectRef idx="0">
+            <a:schemeClr val="accent1"/>
+          </a:effectRef>
+          <a:fontRef idx="minor">
+            <a:schemeClr val="lt1"/>
+          </a:fontRef>
+        </p:style>
+        <p:txBody>
+          <a:bodyPr rtlCol="0" anchor="ctr"/>
+          <a:lstStyle/>
+          <a:p>
+            <a:pPr algn="ctr"/>
+            <a:endParaRPr lang="en-US"/>
+          </a:p>
+        </p:txBody>
+      </p:sp>
+      <p:sp>
+        <p:nvSpPr>
+          <p:cNvPr id="12" name="Rectangle 11">
+            <a:extLst>
+              <a:ext uri="{FF2B5EF4-FFF2-40B4-BE49-F238E27FC236}">
+                <a16:creationId xmlns:a16="http://schemas.microsoft.com/office/drawing/2014/main" id="{7C85349F-72AE-43AC-A557-55B4896A5366}"/>
+              </a:ext>
+            </a:extLst>
+          </p:cNvPr>
+          <p:cNvSpPr/>
+          <p:nvPr/>
+        </p:nvSpPr>
+        <p:spPr>
+          <a:xfrm>
+            <a:off x="8126730" y="4603869"/>
+            <a:ext cx="538480" cy="335280"/>
+          </a:xfrm>
+          <a:prstGeom prst="rect">
+            <a:avLst/>
+          </a:prstGeom>
+          <a:solidFill>
+            <a:schemeClr val="bg1"/>
+          </a:solidFill>
+          <a:ln>
+            <a:solidFill>
+              <a:schemeClr val="tx1"/>
+            </a:solidFill>
+          </a:ln>
+        </p:spPr>
+        <p:style>
+          <a:lnRef idx="2">
+            <a:schemeClr val="accent1">
+              <a:shade val="50000"/>
+            </a:schemeClr>
+          </a:lnRef>
+          <a:fillRef idx="1">
+            <a:schemeClr val="accent1"/>
+          </a:fillRef>
+          <a:effectRef idx="0">
+            <a:schemeClr val="accent1"/>
+          </a:effectRef>
+          <a:fontRef idx="minor">
+            <a:schemeClr val="lt1"/>
+          </a:fontRef>
+        </p:style>
+        <p:txBody>
+          <a:bodyPr rtlCol="0" anchor="ctr"/>
+          <a:lstStyle/>
+          <a:p>
+            <a:pPr algn="ctr"/>
+            <a:endParaRPr lang="en-US"/>
+          </a:p>
+        </p:txBody>
+      </p:sp>
+      <p:sp>
+        <p:nvSpPr>
+          <p:cNvPr id="13" name="Oval 12">
+            <a:extLst>
+              <a:ext uri="{FF2B5EF4-FFF2-40B4-BE49-F238E27FC236}">
+                <a16:creationId xmlns:a16="http://schemas.microsoft.com/office/drawing/2014/main" id="{CED22736-6287-453B-9C9F-419CDCC9CE7A}"/>
+              </a:ext>
+            </a:extLst>
+          </p:cNvPr>
+          <p:cNvSpPr/>
+          <p:nvPr/>
+        </p:nvSpPr>
+        <p:spPr>
+          <a:xfrm>
+            <a:off x="1610360" y="5074086"/>
+            <a:ext cx="772160" cy="335280"/>
+          </a:xfrm>
+          <a:prstGeom prst="ellipse">
+            <a:avLst/>
+          </a:prstGeom>
+          <a:solidFill>
+            <a:schemeClr val="bg1"/>
+          </a:solidFill>
+          <a:ln>
+            <a:solidFill>
+              <a:schemeClr val="tx1"/>
+            </a:solidFill>
+          </a:ln>
+        </p:spPr>
+        <p:style>
+          <a:lnRef idx="2">
+            <a:schemeClr val="accent1">
+              <a:shade val="50000"/>
+            </a:schemeClr>
+          </a:lnRef>
+          <a:fillRef idx="1">
+            <a:schemeClr val="accent1"/>
+          </a:fillRef>
+          <a:effectRef idx="0">
+            <a:schemeClr val="accent1"/>
+          </a:effectRef>
+          <a:fontRef idx="minor">
+            <a:schemeClr val="lt1"/>
+          </a:fontRef>
+        </p:style>
+        <p:txBody>
+          <a:bodyPr rtlCol="0" anchor="ctr"/>
+          <a:lstStyle/>
+          <a:p>
+            <a:pPr algn="ctr"/>
+            <a:endParaRPr lang="en-US" dirty="0">
+              <a:solidFill>
+                <a:sysClr val="windowText" lastClr="000000"/>
+              </a:solidFill>
+            </a:endParaRPr>
+          </a:p>
+        </p:txBody>
+      </p:sp>
+      <p:sp>
+        <p:nvSpPr>
+          <p:cNvPr id="14" name="Oval 13">
+            <a:extLst>
+              <a:ext uri="{FF2B5EF4-FFF2-40B4-BE49-F238E27FC236}">
+                <a16:creationId xmlns:a16="http://schemas.microsoft.com/office/drawing/2014/main" id="{938B843E-3515-47BB-9FC5-DB8A3314E946}"/>
+              </a:ext>
+            </a:extLst>
+          </p:cNvPr>
+          <p:cNvSpPr/>
+          <p:nvPr/>
+        </p:nvSpPr>
+        <p:spPr>
+          <a:xfrm>
+            <a:off x="838200" y="5544303"/>
+            <a:ext cx="772160" cy="335280"/>
+          </a:xfrm>
+          <a:prstGeom prst="ellipse">
+            <a:avLst/>
+          </a:prstGeom>
+          <a:blipFill>
+            <a:blip r:embed="rId2"/>
+            <a:tile tx="0" ty="0" sx="100000" sy="100000" flip="none" algn="tl"/>
+          </a:blipFill>
+          <a:ln>
+            <a:solidFill>
+              <a:schemeClr val="tx1"/>
+            </a:solidFill>
+          </a:ln>
+        </p:spPr>
+        <p:style>
+          <a:lnRef idx="2">
+            <a:schemeClr val="accent1">
+              <a:shade val="50000"/>
+            </a:schemeClr>
+          </a:lnRef>
+          <a:fillRef idx="1">
+            <a:schemeClr val="accent1"/>
+          </a:fillRef>
+          <a:effectRef idx="0">
+            <a:schemeClr val="accent1"/>
+          </a:effectRef>
+          <a:fontRef idx="minor">
+            <a:schemeClr val="lt1"/>
+          </a:fontRef>
+        </p:style>
+        <p:txBody>
+          <a:bodyPr rtlCol="0" anchor="ctr"/>
+          <a:lstStyle/>
+          <a:p>
+            <a:pPr algn="ctr"/>
+            <a:endParaRPr lang="en-US" dirty="0">
+              <a:solidFill>
+                <a:sysClr val="windowText" lastClr="000000"/>
+              </a:solidFill>
+            </a:endParaRPr>
+          </a:p>
+        </p:txBody>
+      </p:sp>
+      <p:sp>
+        <p:nvSpPr>
+          <p:cNvPr id="15" name="Oval 14">
+            <a:extLst>
+              <a:ext uri="{FF2B5EF4-FFF2-40B4-BE49-F238E27FC236}">
+                <a16:creationId xmlns:a16="http://schemas.microsoft.com/office/drawing/2014/main" id="{0251A942-624E-4B4A-AAE2-43C6F27DB3EE}"/>
+              </a:ext>
+            </a:extLst>
+          </p:cNvPr>
+          <p:cNvSpPr/>
+          <p:nvPr/>
+        </p:nvSpPr>
+        <p:spPr>
+          <a:xfrm>
+            <a:off x="2250440" y="5544303"/>
+            <a:ext cx="772160" cy="335280"/>
+          </a:xfrm>
+          <a:prstGeom prst="ellipse">
+            <a:avLst/>
+          </a:prstGeom>
+          <a:blipFill>
+            <a:blip r:embed="rId3"/>
+            <a:tile tx="0" ty="0" sx="100000" sy="100000" flip="none" algn="tl"/>
+          </a:blipFill>
+          <a:ln>
+            <a:solidFill>
+              <a:schemeClr val="tx1"/>
+            </a:solidFill>
+          </a:ln>
+        </p:spPr>
+        <p:style>
+          <a:lnRef idx="2">
+            <a:schemeClr val="accent1">
+              <a:shade val="50000"/>
+            </a:schemeClr>
+          </a:lnRef>
+          <a:fillRef idx="1">
+            <a:schemeClr val="accent1"/>
+          </a:fillRef>
+          <a:effectRef idx="0">
+            <a:schemeClr val="accent1"/>
+          </a:effectRef>
+          <a:fontRef idx="minor">
+            <a:schemeClr val="lt1"/>
+          </a:fontRef>
+        </p:style>
+        <p:txBody>
+          <a:bodyPr rtlCol="0" anchor="ctr"/>
+          <a:lstStyle/>
+          <a:p>
+            <a:pPr algn="ctr"/>
+            <a:endParaRPr lang="en-US" dirty="0">
+              <a:solidFill>
+                <a:sysClr val="windowText" lastClr="000000"/>
+              </a:solidFill>
+            </a:endParaRPr>
+          </a:p>
+        </p:txBody>
+      </p:sp>
+      <p:cxnSp>
+        <p:nvCxnSpPr>
+          <p:cNvPr id="17" name="Straight Connector 16">
+            <a:extLst>
+              <a:ext uri="{FF2B5EF4-FFF2-40B4-BE49-F238E27FC236}">
+                <a16:creationId xmlns:a16="http://schemas.microsoft.com/office/drawing/2014/main" id="{5C43C436-D34A-4F0C-9935-17BAD9265E03}"/>
+              </a:ext>
+            </a:extLst>
+          </p:cNvPr>
+          <p:cNvCxnSpPr>
+            <a:stCxn id="13" idx="3"/>
+            <a:endCxn id="14" idx="0"/>
+          </p:cNvCxnSpPr>
+          <p:nvPr/>
+        </p:nvCxnSpPr>
+        <p:spPr>
+          <a:xfrm flipH="1">
+            <a:off x="1224280" y="5360265"/>
+            <a:ext cx="499160" cy="184038"/>
+          </a:xfrm>
+          <a:prstGeom prst="line">
+            <a:avLst/>
+          </a:prstGeom>
+          <a:ln>
+            <a:solidFill>
+              <a:schemeClr val="tx1"/>
+            </a:solidFill>
+          </a:ln>
+        </p:spPr>
+        <p:style>
+          <a:lnRef idx="1">
+            <a:schemeClr val="accent1"/>
+          </a:lnRef>
+          <a:fillRef idx="0">
+            <a:schemeClr val="accent1"/>
+          </a:fillRef>
+          <a:effectRef idx="0">
+            <a:schemeClr val="accent1"/>
+          </a:effectRef>
+          <a:fontRef idx="minor">
+            <a:schemeClr val="tx1"/>
+          </a:fontRef>
+        </p:style>
+      </p:cxnSp>
+      <p:cxnSp>
+        <p:nvCxnSpPr>
+          <p:cNvPr id="18" name="Straight Connector 17">
+            <a:extLst>
+              <a:ext uri="{FF2B5EF4-FFF2-40B4-BE49-F238E27FC236}">
+                <a16:creationId xmlns:a16="http://schemas.microsoft.com/office/drawing/2014/main" id="{A32CDB59-A6A7-4B09-8B24-F6BEA22653DF}"/>
+              </a:ext>
+            </a:extLst>
+          </p:cNvPr>
+          <p:cNvCxnSpPr>
+            <a:cxnSpLocks/>
+            <a:stCxn id="13" idx="5"/>
+            <a:endCxn id="15" idx="0"/>
+          </p:cNvCxnSpPr>
+          <p:nvPr/>
+        </p:nvCxnSpPr>
+        <p:spPr>
+          <a:xfrm>
+            <a:off x="2269440" y="5360265"/>
+            <a:ext cx="367080" cy="184038"/>
+          </a:xfrm>
+          <a:prstGeom prst="line">
+            <a:avLst/>
+          </a:prstGeom>
+          <a:ln>
+            <a:solidFill>
+              <a:schemeClr val="tx1"/>
+            </a:solidFill>
+          </a:ln>
+        </p:spPr>
+        <p:style>
+          <a:lnRef idx="1">
+            <a:schemeClr val="accent1"/>
+          </a:lnRef>
+          <a:fillRef idx="0">
+            <a:schemeClr val="accent1"/>
+          </a:fillRef>
+          <a:effectRef idx="0">
+            <a:schemeClr val="accent1"/>
+          </a:effectRef>
+          <a:fontRef idx="minor">
+            <a:schemeClr val="tx1"/>
+          </a:fontRef>
+        </p:style>
+      </p:cxnSp>
+      <p:sp>
+        <p:nvSpPr>
+          <p:cNvPr id="21" name="Oval 20">
+            <a:extLst>
+              <a:ext uri="{FF2B5EF4-FFF2-40B4-BE49-F238E27FC236}">
+                <a16:creationId xmlns:a16="http://schemas.microsoft.com/office/drawing/2014/main" id="{DCC3420D-6C3D-4134-89F5-FA5913551046}"/>
+              </a:ext>
+            </a:extLst>
+          </p:cNvPr>
+          <p:cNvSpPr/>
+          <p:nvPr/>
+        </p:nvSpPr>
+        <p:spPr>
+          <a:xfrm>
+            <a:off x="4527550" y="5086628"/>
+            <a:ext cx="772160" cy="335280"/>
+          </a:xfrm>
+          <a:prstGeom prst="ellipse">
+            <a:avLst/>
+          </a:prstGeom>
+          <a:solidFill>
+            <a:schemeClr val="bg1"/>
+          </a:solidFill>
+          <a:ln>
+            <a:solidFill>
+              <a:schemeClr val="tx1"/>
+            </a:solidFill>
+          </a:ln>
+        </p:spPr>
+        <p:style>
+          <a:lnRef idx="2">
+            <a:schemeClr val="accent1">
+              <a:shade val="50000"/>
+            </a:schemeClr>
+          </a:lnRef>
+          <a:fillRef idx="1">
+            <a:schemeClr val="accent1"/>
+          </a:fillRef>
+          <a:effectRef idx="0">
+            <a:schemeClr val="accent1"/>
+          </a:effectRef>
+          <a:fontRef idx="minor">
+            <a:schemeClr val="lt1"/>
+          </a:fontRef>
+        </p:style>
+        <p:txBody>
+          <a:bodyPr rtlCol="0" anchor="ctr"/>
+          <a:lstStyle/>
+          <a:p>
+            <a:pPr algn="ctr"/>
+            <a:endParaRPr lang="en-US" dirty="0">
+              <a:solidFill>
+                <a:sysClr val="windowText" lastClr="000000"/>
+              </a:solidFill>
+            </a:endParaRPr>
+          </a:p>
+        </p:txBody>
+      </p:sp>
+      <p:sp>
+        <p:nvSpPr>
+          <p:cNvPr id="22" name="Oval 21">
+            <a:extLst>
+              <a:ext uri="{FF2B5EF4-FFF2-40B4-BE49-F238E27FC236}">
+                <a16:creationId xmlns:a16="http://schemas.microsoft.com/office/drawing/2014/main" id="{1F908ABB-1A83-4972-A5B5-22B78E0FF395}"/>
+              </a:ext>
+            </a:extLst>
+          </p:cNvPr>
+          <p:cNvSpPr/>
+          <p:nvPr/>
+        </p:nvSpPr>
+        <p:spPr>
+          <a:xfrm>
+            <a:off x="3755390" y="5556845"/>
+            <a:ext cx="772160" cy="335280"/>
+          </a:xfrm>
+          <a:prstGeom prst="ellipse">
+            <a:avLst/>
+          </a:prstGeom>
+          <a:blipFill>
+            <a:blip r:embed="rId2"/>
+            <a:tile tx="0" ty="0" sx="100000" sy="100000" flip="none" algn="tl"/>
+          </a:blipFill>
+          <a:ln>
+            <a:solidFill>
+              <a:schemeClr val="tx1"/>
+            </a:solidFill>
+          </a:ln>
+        </p:spPr>
+        <p:style>
+          <a:lnRef idx="2">
+            <a:schemeClr val="accent1">
+              <a:shade val="50000"/>
+            </a:schemeClr>
+          </a:lnRef>
+          <a:fillRef idx="1">
+            <a:schemeClr val="accent1"/>
+          </a:fillRef>
+          <a:effectRef idx="0">
+            <a:schemeClr val="accent1"/>
+          </a:effectRef>
+          <a:fontRef idx="minor">
+            <a:schemeClr val="lt1"/>
+          </a:fontRef>
+        </p:style>
+        <p:txBody>
+          <a:bodyPr rtlCol="0" anchor="ctr"/>
+          <a:lstStyle/>
+          <a:p>
+            <a:pPr algn="ctr"/>
+            <a:endParaRPr lang="en-US" dirty="0">
+              <a:solidFill>
+                <a:sysClr val="windowText" lastClr="000000"/>
+              </a:solidFill>
+            </a:endParaRPr>
+          </a:p>
+        </p:txBody>
+      </p:sp>
+      <p:sp>
+        <p:nvSpPr>
+          <p:cNvPr id="23" name="Oval 22">
+            <a:extLst>
+              <a:ext uri="{FF2B5EF4-FFF2-40B4-BE49-F238E27FC236}">
+                <a16:creationId xmlns:a16="http://schemas.microsoft.com/office/drawing/2014/main" id="{DCC540CE-0F9E-4DD7-B160-C04BE28E068F}"/>
+              </a:ext>
+            </a:extLst>
+          </p:cNvPr>
+          <p:cNvSpPr/>
+          <p:nvPr/>
+        </p:nvSpPr>
+        <p:spPr>
+          <a:xfrm>
+            <a:off x="5167630" y="5556845"/>
+            <a:ext cx="772160" cy="335280"/>
+          </a:xfrm>
+          <a:prstGeom prst="ellipse">
+            <a:avLst/>
+          </a:prstGeom>
+          <a:blipFill>
+            <a:blip r:embed="rId4"/>
+            <a:tile tx="0" ty="0" sx="100000" sy="100000" flip="none" algn="tl"/>
+          </a:blipFill>
+          <a:ln>
+            <a:solidFill>
+              <a:schemeClr val="tx1"/>
+            </a:solidFill>
+          </a:ln>
+        </p:spPr>
+        <p:style>
+          <a:lnRef idx="2">
+            <a:schemeClr val="accent1">
+              <a:shade val="50000"/>
+            </a:schemeClr>
+          </a:lnRef>
+          <a:fillRef idx="1">
+            <a:schemeClr val="accent1"/>
+          </a:fillRef>
+          <a:effectRef idx="0">
+            <a:schemeClr val="accent1"/>
+          </a:effectRef>
+          <a:fontRef idx="minor">
+            <a:schemeClr val="lt1"/>
+          </a:fontRef>
+        </p:style>
+        <p:txBody>
+          <a:bodyPr rtlCol="0" anchor="ctr"/>
+          <a:lstStyle/>
+          <a:p>
+            <a:pPr algn="ctr"/>
+            <a:endParaRPr lang="en-US" dirty="0">
+              <a:solidFill>
+                <a:sysClr val="windowText" lastClr="000000"/>
+              </a:solidFill>
+            </a:endParaRPr>
+          </a:p>
+        </p:txBody>
+      </p:sp>
+      <p:cxnSp>
+        <p:nvCxnSpPr>
+          <p:cNvPr id="24" name="Straight Connector 23">
+            <a:extLst>
+              <a:ext uri="{FF2B5EF4-FFF2-40B4-BE49-F238E27FC236}">
+                <a16:creationId xmlns:a16="http://schemas.microsoft.com/office/drawing/2014/main" id="{666A2EE2-316D-4A31-83D1-3F76B5021E37}"/>
+              </a:ext>
+            </a:extLst>
+          </p:cNvPr>
+          <p:cNvCxnSpPr>
+            <a:stCxn id="21" idx="3"/>
+            <a:endCxn id="22" idx="0"/>
+          </p:cNvCxnSpPr>
+          <p:nvPr/>
+        </p:nvCxnSpPr>
+        <p:spPr>
+          <a:xfrm flipH="1">
+            <a:off x="4141470" y="5372807"/>
+            <a:ext cx="499160" cy="184038"/>
+          </a:xfrm>
+          <a:prstGeom prst="line">
+            <a:avLst/>
+          </a:prstGeom>
+          <a:ln>
+            <a:solidFill>
+              <a:schemeClr val="tx1"/>
+            </a:solidFill>
+          </a:ln>
+        </p:spPr>
+        <p:style>
+          <a:lnRef idx="1">
+            <a:schemeClr val="accent1"/>
+          </a:lnRef>
+          <a:fillRef idx="0">
+            <a:schemeClr val="accent1"/>
+          </a:fillRef>
+          <a:effectRef idx="0">
+            <a:schemeClr val="accent1"/>
+          </a:effectRef>
+          <a:fontRef idx="minor">
+            <a:schemeClr val="tx1"/>
+          </a:fontRef>
+        </p:style>
+      </p:cxnSp>
+      <p:cxnSp>
+        <p:nvCxnSpPr>
+          <p:cNvPr id="25" name="Straight Connector 24">
+            <a:extLst>
+              <a:ext uri="{FF2B5EF4-FFF2-40B4-BE49-F238E27FC236}">
+                <a16:creationId xmlns:a16="http://schemas.microsoft.com/office/drawing/2014/main" id="{26BDCEA4-D7C5-4B5D-9258-A0D0354DB6F2}"/>
+              </a:ext>
+            </a:extLst>
+          </p:cNvPr>
+          <p:cNvCxnSpPr>
+            <a:cxnSpLocks/>
+            <a:stCxn id="21" idx="5"/>
+            <a:endCxn id="23" idx="0"/>
+          </p:cNvCxnSpPr>
+          <p:nvPr/>
+        </p:nvCxnSpPr>
+        <p:spPr>
+          <a:xfrm>
+            <a:off x="5186630" y="5372807"/>
+            <a:ext cx="367080" cy="184038"/>
+          </a:xfrm>
+          <a:prstGeom prst="line">
+            <a:avLst/>
+          </a:prstGeom>
+          <a:ln>
+            <a:solidFill>
+              <a:schemeClr val="tx1"/>
+            </a:solidFill>
+          </a:ln>
+        </p:spPr>
+        <p:style>
+          <a:lnRef idx="1">
+            <a:schemeClr val="accent1"/>
+          </a:lnRef>
+          <a:fillRef idx="0">
+            <a:schemeClr val="accent1"/>
+          </a:fillRef>
+          <a:effectRef idx="0">
+            <a:schemeClr val="accent1"/>
+          </a:effectRef>
+          <a:fontRef idx="minor">
+            <a:schemeClr val="tx1"/>
+          </a:fontRef>
+        </p:style>
+      </p:cxnSp>
+      <p:sp>
+        <p:nvSpPr>
+          <p:cNvPr id="26" name="Oval 25">
+            <a:extLst>
+              <a:ext uri="{FF2B5EF4-FFF2-40B4-BE49-F238E27FC236}">
+                <a16:creationId xmlns:a16="http://schemas.microsoft.com/office/drawing/2014/main" id="{FE45B687-42A6-4E87-8AF8-E9834D862ACF}"/>
+              </a:ext>
+            </a:extLst>
+          </p:cNvPr>
+          <p:cNvSpPr/>
+          <p:nvPr/>
+        </p:nvSpPr>
+        <p:spPr>
+          <a:xfrm>
+            <a:off x="7557820" y="5153462"/>
+            <a:ext cx="772160" cy="335280"/>
+          </a:xfrm>
+          <a:prstGeom prst="ellipse">
+            <a:avLst/>
+          </a:prstGeom>
+          <a:solidFill>
+            <a:schemeClr val="bg1"/>
+          </a:solidFill>
+          <a:ln>
+            <a:solidFill>
+              <a:schemeClr val="tx1"/>
+            </a:solidFill>
+          </a:ln>
+        </p:spPr>
+        <p:style>
+          <a:lnRef idx="2">
+            <a:schemeClr val="accent1">
+              <a:shade val="50000"/>
+            </a:schemeClr>
+          </a:lnRef>
+          <a:fillRef idx="1">
+            <a:schemeClr val="accent1"/>
+          </a:fillRef>
+          <a:effectRef idx="0">
+            <a:schemeClr val="accent1"/>
+          </a:effectRef>
+          <a:fontRef idx="minor">
+            <a:schemeClr val="lt1"/>
+          </a:fontRef>
+        </p:style>
+        <p:txBody>
+          <a:bodyPr rtlCol="0" anchor="ctr"/>
+          <a:lstStyle/>
+          <a:p>
+            <a:pPr algn="ctr"/>
+            <a:endParaRPr lang="en-US" dirty="0">
+              <a:solidFill>
+                <a:sysClr val="windowText" lastClr="000000"/>
+              </a:solidFill>
+            </a:endParaRPr>
+          </a:p>
+        </p:txBody>
+      </p:sp>
+      <p:sp>
+        <p:nvSpPr>
+          <p:cNvPr id="27" name="Oval 26">
+            <a:extLst>
+              <a:ext uri="{FF2B5EF4-FFF2-40B4-BE49-F238E27FC236}">
+                <a16:creationId xmlns:a16="http://schemas.microsoft.com/office/drawing/2014/main" id="{14BF722C-81FC-4F10-A33C-30E031C08093}"/>
+              </a:ext>
+            </a:extLst>
+          </p:cNvPr>
+          <p:cNvSpPr/>
+          <p:nvPr/>
+        </p:nvSpPr>
+        <p:spPr>
+          <a:xfrm>
+            <a:off x="6785660" y="5623679"/>
+            <a:ext cx="772160" cy="335280"/>
+          </a:xfrm>
+          <a:prstGeom prst="ellipse">
+            <a:avLst/>
+          </a:prstGeom>
+          <a:blipFill>
+            <a:blip r:embed="rId2"/>
+            <a:tile tx="0" ty="0" sx="100000" sy="100000" flip="none" algn="tl"/>
+          </a:blipFill>
+          <a:ln>
+            <a:solidFill>
+              <a:schemeClr val="tx1"/>
+            </a:solidFill>
+          </a:ln>
+        </p:spPr>
+        <p:style>
+          <a:lnRef idx="2">
+            <a:schemeClr val="accent1">
+              <a:shade val="50000"/>
+            </a:schemeClr>
+          </a:lnRef>
+          <a:fillRef idx="1">
+            <a:schemeClr val="accent1"/>
+          </a:fillRef>
+          <a:effectRef idx="0">
+            <a:schemeClr val="accent1"/>
+          </a:effectRef>
+          <a:fontRef idx="minor">
+            <a:schemeClr val="lt1"/>
+          </a:fontRef>
+        </p:style>
+        <p:txBody>
+          <a:bodyPr rtlCol="0" anchor="ctr"/>
+          <a:lstStyle/>
+          <a:p>
+            <a:pPr algn="ctr"/>
+            <a:endParaRPr lang="en-US" dirty="0">
+              <a:solidFill>
+                <a:sysClr val="windowText" lastClr="000000"/>
+              </a:solidFill>
+            </a:endParaRPr>
+          </a:p>
+        </p:txBody>
+      </p:sp>
+      <p:cxnSp>
+        <p:nvCxnSpPr>
+          <p:cNvPr id="29" name="Straight Connector 28">
+            <a:extLst>
+              <a:ext uri="{FF2B5EF4-FFF2-40B4-BE49-F238E27FC236}">
+                <a16:creationId xmlns:a16="http://schemas.microsoft.com/office/drawing/2014/main" id="{D8BA891E-61D7-45D0-8C5E-C3FE3D9A4B03}"/>
+              </a:ext>
+            </a:extLst>
+          </p:cNvPr>
+          <p:cNvCxnSpPr>
+            <a:cxnSpLocks/>
+            <a:stCxn id="26" idx="3"/>
+            <a:endCxn id="27" idx="0"/>
+          </p:cNvCxnSpPr>
+          <p:nvPr/>
+        </p:nvCxnSpPr>
+        <p:spPr>
+          <a:xfrm flipH="1">
+            <a:off x="7171740" y="5439641"/>
+            <a:ext cx="499160" cy="184038"/>
+          </a:xfrm>
+          <a:prstGeom prst="line">
+            <a:avLst/>
+          </a:prstGeom>
+          <a:ln>
+            <a:solidFill>
+              <a:schemeClr val="tx1"/>
+            </a:solidFill>
+          </a:ln>
+        </p:spPr>
+        <p:style>
+          <a:lnRef idx="1">
+            <a:schemeClr val="accent1"/>
+          </a:lnRef>
+          <a:fillRef idx="0">
+            <a:schemeClr val="accent1"/>
+          </a:fillRef>
+          <a:effectRef idx="0">
+            <a:schemeClr val="accent1"/>
+          </a:effectRef>
+          <a:fontRef idx="minor">
+            <a:schemeClr val="tx1"/>
+          </a:fontRef>
+        </p:style>
+      </p:cxnSp>
+      <p:sp>
+        <p:nvSpPr>
+          <p:cNvPr id="31" name="TextBox 30">
+            <a:extLst>
+              <a:ext uri="{FF2B5EF4-FFF2-40B4-BE49-F238E27FC236}">
+                <a16:creationId xmlns:a16="http://schemas.microsoft.com/office/drawing/2014/main" id="{2EE6FBDF-7E92-450F-BD8A-D85B1497283E}"/>
+              </a:ext>
+            </a:extLst>
+          </p:cNvPr>
+          <p:cNvSpPr txBox="1"/>
+          <p:nvPr/>
+        </p:nvSpPr>
+        <p:spPr>
+          <a:xfrm>
+            <a:off x="1775460" y="6077513"/>
+            <a:ext cx="583814" cy="369332"/>
+          </a:xfrm>
+          <a:prstGeom prst="rect">
+            <a:avLst/>
+          </a:prstGeom>
+          <a:noFill/>
+        </p:spPr>
+        <p:txBody>
+          <a:bodyPr wrap="none" rtlCol="0">
+            <a:spAutoFit/>
+          </a:bodyPr>
+          <a:lstStyle/>
+          <a:p>
+            <a:r>
+              <a:rPr lang="en-US" dirty="0"/>
+              <a:t>50%</a:t>
+            </a:r>
+          </a:p>
+        </p:txBody>
+      </p:sp>
+      <p:sp>
+        <p:nvSpPr>
+          <p:cNvPr id="32" name="TextBox 31">
+            <a:extLst>
+              <a:ext uri="{FF2B5EF4-FFF2-40B4-BE49-F238E27FC236}">
+                <a16:creationId xmlns:a16="http://schemas.microsoft.com/office/drawing/2014/main" id="{0E3EA7CF-AD07-47B5-9DE1-5B115C8E4C21}"/>
+              </a:ext>
+            </a:extLst>
+          </p:cNvPr>
+          <p:cNvSpPr txBox="1"/>
+          <p:nvPr/>
+        </p:nvSpPr>
+        <p:spPr>
+          <a:xfrm>
+            <a:off x="4602816" y="6123543"/>
+            <a:ext cx="583814" cy="369332"/>
+          </a:xfrm>
+          <a:prstGeom prst="rect">
+            <a:avLst/>
+          </a:prstGeom>
+          <a:noFill/>
+        </p:spPr>
+        <p:txBody>
+          <a:bodyPr wrap="none" rtlCol="0">
+            <a:spAutoFit/>
+          </a:bodyPr>
+          <a:lstStyle/>
+          <a:p>
+            <a:r>
+              <a:rPr lang="en-US" dirty="0"/>
+              <a:t>70%</a:t>
+            </a:r>
+          </a:p>
+        </p:txBody>
+      </p:sp>
+      <p:sp>
+        <p:nvSpPr>
+          <p:cNvPr id="33" name="TextBox 32">
+            <a:extLst>
+              <a:ext uri="{FF2B5EF4-FFF2-40B4-BE49-F238E27FC236}">
+                <a16:creationId xmlns:a16="http://schemas.microsoft.com/office/drawing/2014/main" id="{CF897706-A87D-42F0-A495-F87B60577C34}"/>
+              </a:ext>
+            </a:extLst>
+          </p:cNvPr>
+          <p:cNvSpPr txBox="1"/>
+          <p:nvPr/>
+        </p:nvSpPr>
+        <p:spPr>
+          <a:xfrm>
+            <a:off x="7586709" y="6119852"/>
+            <a:ext cx="583814" cy="369332"/>
+          </a:xfrm>
+          <a:prstGeom prst="rect">
+            <a:avLst/>
+          </a:prstGeom>
+          <a:noFill/>
+        </p:spPr>
+        <p:txBody>
+          <a:bodyPr wrap="none" rtlCol="0">
+            <a:spAutoFit/>
+          </a:bodyPr>
+          <a:lstStyle/>
+          <a:p>
+            <a:r>
+              <a:rPr lang="en-US" dirty="0"/>
+              <a:t>30%</a:t>
+            </a:r>
+          </a:p>
+        </p:txBody>
+      </p:sp>
+      <p:sp>
+        <p:nvSpPr>
+          <p:cNvPr id="34" name="Rectangle 33">
+            <a:extLst>
+              <a:ext uri="{FF2B5EF4-FFF2-40B4-BE49-F238E27FC236}">
+                <a16:creationId xmlns:a16="http://schemas.microsoft.com/office/drawing/2014/main" id="{4A59991D-02C1-4D38-B2C8-063DB26DF62B}"/>
+              </a:ext>
+            </a:extLst>
+          </p:cNvPr>
+          <p:cNvSpPr/>
+          <p:nvPr/>
+        </p:nvSpPr>
+        <p:spPr>
+          <a:xfrm>
+            <a:off x="9387100" y="4603869"/>
+            <a:ext cx="538480" cy="335280"/>
+          </a:xfrm>
+          <a:prstGeom prst="rect">
+            <a:avLst/>
+          </a:prstGeom>
+          <a:solidFill>
+            <a:schemeClr val="bg1"/>
+          </a:solidFill>
+          <a:ln>
+            <a:solidFill>
+              <a:schemeClr val="tx1"/>
+            </a:solidFill>
+          </a:ln>
+        </p:spPr>
+        <p:style>
+          <a:lnRef idx="2">
+            <a:schemeClr val="accent1">
+              <a:shade val="50000"/>
+            </a:schemeClr>
+          </a:lnRef>
+          <a:fillRef idx="1">
+            <a:schemeClr val="accent1"/>
+          </a:fillRef>
+          <a:effectRef idx="0">
+            <a:schemeClr val="accent1"/>
+          </a:effectRef>
+          <a:fontRef idx="minor">
+            <a:schemeClr val="lt1"/>
+          </a:fontRef>
+        </p:style>
+        <p:txBody>
+          <a:bodyPr rtlCol="0" anchor="ctr"/>
+          <a:lstStyle/>
+          <a:p>
+            <a:pPr algn="ctr"/>
+            <a:endParaRPr lang="en-US"/>
+          </a:p>
+        </p:txBody>
+      </p:sp>
+      <p:sp>
+        <p:nvSpPr>
+          <p:cNvPr id="35" name="Rectangle 34">
+            <a:extLst>
+              <a:ext uri="{FF2B5EF4-FFF2-40B4-BE49-F238E27FC236}">
+                <a16:creationId xmlns:a16="http://schemas.microsoft.com/office/drawing/2014/main" id="{095A07EF-328E-4AC4-B664-2E156150DDB2}"/>
+              </a:ext>
+            </a:extLst>
+          </p:cNvPr>
+          <p:cNvSpPr/>
+          <p:nvPr/>
+        </p:nvSpPr>
+        <p:spPr>
+          <a:xfrm>
+            <a:off x="9925580" y="4603869"/>
+            <a:ext cx="538480" cy="335280"/>
+          </a:xfrm>
+          <a:prstGeom prst="rect">
+            <a:avLst/>
+          </a:prstGeom>
+          <a:solidFill>
+            <a:schemeClr val="bg1"/>
+          </a:solidFill>
+          <a:ln>
+            <a:solidFill>
+              <a:schemeClr val="tx1"/>
+            </a:solidFill>
+          </a:ln>
+        </p:spPr>
+        <p:style>
+          <a:lnRef idx="2">
+            <a:schemeClr val="accent1">
+              <a:shade val="50000"/>
+            </a:schemeClr>
+          </a:lnRef>
+          <a:fillRef idx="1">
+            <a:schemeClr val="accent1"/>
+          </a:fillRef>
+          <a:effectRef idx="0">
+            <a:schemeClr val="accent1"/>
+          </a:effectRef>
+          <a:fontRef idx="minor">
+            <a:schemeClr val="lt1"/>
+          </a:fontRef>
+        </p:style>
+        <p:txBody>
+          <a:bodyPr rtlCol="0" anchor="ctr"/>
+          <a:lstStyle/>
+          <a:p>
+            <a:pPr algn="ctr"/>
+            <a:endParaRPr lang="en-US"/>
+          </a:p>
+        </p:txBody>
+      </p:sp>
+      <p:sp>
+        <p:nvSpPr>
+          <p:cNvPr id="36" name="Rectangle 35">
+            <a:extLst>
+              <a:ext uri="{FF2B5EF4-FFF2-40B4-BE49-F238E27FC236}">
+                <a16:creationId xmlns:a16="http://schemas.microsoft.com/office/drawing/2014/main" id="{09E17A12-4727-4792-82F4-E557C6CE40C2}"/>
+              </a:ext>
+            </a:extLst>
+          </p:cNvPr>
+          <p:cNvSpPr/>
+          <p:nvPr/>
+        </p:nvSpPr>
+        <p:spPr>
+          <a:xfrm>
+            <a:off x="10470410" y="4603869"/>
+            <a:ext cx="538480" cy="335280"/>
+          </a:xfrm>
+          <a:prstGeom prst="rect">
+            <a:avLst/>
+          </a:prstGeom>
+          <a:solidFill>
+            <a:schemeClr val="bg1"/>
+          </a:solidFill>
+          <a:ln>
+            <a:solidFill>
+              <a:schemeClr val="tx1"/>
+            </a:solidFill>
+          </a:ln>
+        </p:spPr>
+        <p:style>
+          <a:lnRef idx="2">
+            <a:schemeClr val="accent1">
+              <a:shade val="50000"/>
+            </a:schemeClr>
+          </a:lnRef>
+          <a:fillRef idx="1">
+            <a:schemeClr val="accent1"/>
+          </a:fillRef>
+          <a:effectRef idx="0">
+            <a:schemeClr val="accent1"/>
+          </a:effectRef>
+          <a:fontRef idx="minor">
+            <a:schemeClr val="lt1"/>
+          </a:fontRef>
+        </p:style>
+        <p:txBody>
+          <a:bodyPr rtlCol="0" anchor="ctr"/>
+          <a:lstStyle/>
+          <a:p>
+            <a:pPr algn="ctr"/>
+            <a:endParaRPr lang="en-US"/>
+          </a:p>
+        </p:txBody>
+      </p:sp>
+      <p:sp>
+        <p:nvSpPr>
+          <p:cNvPr id="37" name="TextBox 36">
+            <a:extLst>
+              <a:ext uri="{FF2B5EF4-FFF2-40B4-BE49-F238E27FC236}">
+                <a16:creationId xmlns:a16="http://schemas.microsoft.com/office/drawing/2014/main" id="{1982D42A-5120-4926-AE52-92192591831C}"/>
+              </a:ext>
+            </a:extLst>
+          </p:cNvPr>
+          <p:cNvSpPr txBox="1"/>
+          <p:nvPr/>
+        </p:nvSpPr>
+        <p:spPr>
+          <a:xfrm>
+            <a:off x="9555863" y="4149321"/>
+            <a:ext cx="1277914" cy="369332"/>
+          </a:xfrm>
+          <a:prstGeom prst="rect">
+            <a:avLst/>
+          </a:prstGeom>
+          <a:noFill/>
+        </p:spPr>
+        <p:txBody>
+          <a:bodyPr wrap="none" rtlCol="0">
+            <a:spAutoFit/>
+          </a:bodyPr>
+          <a:lstStyle/>
+          <a:p>
+            <a:r>
+              <a:rPr lang="en-US" dirty="0"/>
+              <a:t>Final model</a:t>
+            </a:r>
+          </a:p>
+        </p:txBody>
+      </p:sp>
+      <p:sp>
+        <p:nvSpPr>
+          <p:cNvPr id="43" name="Oval 42">
+            <a:extLst>
+              <a:ext uri="{FF2B5EF4-FFF2-40B4-BE49-F238E27FC236}">
+                <a16:creationId xmlns:a16="http://schemas.microsoft.com/office/drawing/2014/main" id="{8EB4D933-66D2-48FF-9DC5-D3D8A21CA9C9}"/>
+              </a:ext>
+            </a:extLst>
+          </p:cNvPr>
+          <p:cNvSpPr/>
+          <p:nvPr/>
+        </p:nvSpPr>
+        <p:spPr>
+          <a:xfrm>
+            <a:off x="9834930" y="5153462"/>
+            <a:ext cx="772160" cy="335280"/>
+          </a:xfrm>
+          <a:prstGeom prst="ellipse">
+            <a:avLst/>
+          </a:prstGeom>
+          <a:solidFill>
+            <a:schemeClr val="bg1"/>
+          </a:solidFill>
+          <a:ln>
+            <a:solidFill>
+              <a:schemeClr val="tx1"/>
+            </a:solidFill>
+          </a:ln>
+        </p:spPr>
+        <p:style>
+          <a:lnRef idx="2">
+            <a:schemeClr val="accent1">
+              <a:shade val="50000"/>
+            </a:schemeClr>
+          </a:lnRef>
+          <a:fillRef idx="1">
+            <a:schemeClr val="accent1"/>
+          </a:fillRef>
+          <a:effectRef idx="0">
+            <a:schemeClr val="accent1"/>
+          </a:effectRef>
+          <a:fontRef idx="minor">
+            <a:schemeClr val="lt1"/>
+          </a:fontRef>
+        </p:style>
+        <p:txBody>
+          <a:bodyPr rtlCol="0" anchor="ctr"/>
+          <a:lstStyle/>
+          <a:p>
+            <a:pPr algn="ctr"/>
+            <a:endParaRPr lang="en-US" dirty="0">
+              <a:solidFill>
+                <a:sysClr val="windowText" lastClr="000000"/>
+              </a:solidFill>
+            </a:endParaRPr>
+          </a:p>
+        </p:txBody>
+      </p:sp>
+      <p:sp>
+        <p:nvSpPr>
+          <p:cNvPr id="44" name="Oval 43">
+            <a:extLst>
+              <a:ext uri="{FF2B5EF4-FFF2-40B4-BE49-F238E27FC236}">
+                <a16:creationId xmlns:a16="http://schemas.microsoft.com/office/drawing/2014/main" id="{86E51782-3447-4EF2-A3A8-BF57D9AD49D0}"/>
+              </a:ext>
+            </a:extLst>
+          </p:cNvPr>
+          <p:cNvSpPr/>
+          <p:nvPr/>
+        </p:nvSpPr>
+        <p:spPr>
+          <a:xfrm>
+            <a:off x="9062770" y="5623679"/>
+            <a:ext cx="772160" cy="335280"/>
+          </a:xfrm>
+          <a:prstGeom prst="ellipse">
+            <a:avLst/>
+          </a:prstGeom>
+          <a:blipFill>
+            <a:blip r:embed="rId2"/>
+            <a:tile tx="0" ty="0" sx="100000" sy="100000" flip="none" algn="tl"/>
+          </a:blipFill>
+          <a:ln>
+            <a:solidFill>
+              <a:schemeClr val="tx1"/>
+            </a:solidFill>
+          </a:ln>
+        </p:spPr>
+        <p:style>
+          <a:lnRef idx="2">
+            <a:schemeClr val="accent1">
+              <a:shade val="50000"/>
+            </a:schemeClr>
+          </a:lnRef>
+          <a:fillRef idx="1">
+            <a:schemeClr val="accent1"/>
+          </a:fillRef>
+          <a:effectRef idx="0">
+            <a:schemeClr val="accent1"/>
+          </a:effectRef>
+          <a:fontRef idx="minor">
+            <a:schemeClr val="lt1"/>
+          </a:fontRef>
+        </p:style>
+        <p:txBody>
+          <a:bodyPr rtlCol="0" anchor="ctr"/>
+          <a:lstStyle/>
+          <a:p>
+            <a:pPr algn="ctr"/>
+            <a:endParaRPr lang="en-US" dirty="0">
+              <a:solidFill>
+                <a:sysClr val="windowText" lastClr="000000"/>
+              </a:solidFill>
+            </a:endParaRPr>
+          </a:p>
+        </p:txBody>
+      </p:sp>
+      <p:sp>
+        <p:nvSpPr>
+          <p:cNvPr id="45" name="Oval 44">
+            <a:extLst>
+              <a:ext uri="{FF2B5EF4-FFF2-40B4-BE49-F238E27FC236}">
+                <a16:creationId xmlns:a16="http://schemas.microsoft.com/office/drawing/2014/main" id="{9D735AFD-775B-4C11-9B8F-A9BD8698C3BA}"/>
+              </a:ext>
+            </a:extLst>
+          </p:cNvPr>
+          <p:cNvSpPr/>
+          <p:nvPr/>
+        </p:nvSpPr>
+        <p:spPr>
+          <a:xfrm>
+            <a:off x="10475010" y="5623679"/>
+            <a:ext cx="772160" cy="335280"/>
+          </a:xfrm>
+          <a:prstGeom prst="ellipse">
+            <a:avLst/>
+          </a:prstGeom>
+          <a:blipFill>
+            <a:blip r:embed="rId3"/>
+            <a:tile tx="0" ty="0" sx="100000" sy="100000" flip="none" algn="tl"/>
+          </a:blipFill>
+          <a:ln>
+            <a:solidFill>
+              <a:schemeClr val="tx1"/>
+            </a:solidFill>
+          </a:ln>
+        </p:spPr>
+        <p:style>
+          <a:lnRef idx="2">
+            <a:schemeClr val="accent1">
+              <a:shade val="50000"/>
+            </a:schemeClr>
+          </a:lnRef>
+          <a:fillRef idx="1">
+            <a:schemeClr val="accent1"/>
+          </a:fillRef>
+          <a:effectRef idx="0">
+            <a:schemeClr val="accent1"/>
+          </a:effectRef>
+          <a:fontRef idx="minor">
+            <a:schemeClr val="lt1"/>
+          </a:fontRef>
+        </p:style>
+        <p:txBody>
+          <a:bodyPr rtlCol="0" anchor="ctr"/>
+          <a:lstStyle/>
+          <a:p>
+            <a:pPr algn="ctr"/>
+            <a:endParaRPr lang="en-US" dirty="0">
+              <a:solidFill>
+                <a:sysClr val="windowText" lastClr="000000"/>
+              </a:solidFill>
+            </a:endParaRPr>
+          </a:p>
+        </p:txBody>
+      </p:sp>
+      <p:cxnSp>
+        <p:nvCxnSpPr>
+          <p:cNvPr id="46" name="Straight Connector 45">
+            <a:extLst>
+              <a:ext uri="{FF2B5EF4-FFF2-40B4-BE49-F238E27FC236}">
+                <a16:creationId xmlns:a16="http://schemas.microsoft.com/office/drawing/2014/main" id="{D2F59606-41E6-4FA6-9D71-A76A3BC2FD14}"/>
+              </a:ext>
+            </a:extLst>
+          </p:cNvPr>
+          <p:cNvCxnSpPr>
+            <a:stCxn id="43" idx="3"/>
+            <a:endCxn id="44" idx="0"/>
+          </p:cNvCxnSpPr>
+          <p:nvPr/>
+        </p:nvCxnSpPr>
+        <p:spPr>
+          <a:xfrm flipH="1">
+            <a:off x="9448850" y="5439641"/>
+            <a:ext cx="499160" cy="184038"/>
+          </a:xfrm>
+          <a:prstGeom prst="line">
+            <a:avLst/>
+          </a:prstGeom>
+          <a:ln>
+            <a:solidFill>
+              <a:schemeClr val="tx1"/>
+            </a:solidFill>
+          </a:ln>
+        </p:spPr>
+        <p:style>
+          <a:lnRef idx="1">
+            <a:schemeClr val="accent1"/>
+          </a:lnRef>
+          <a:fillRef idx="0">
+            <a:schemeClr val="accent1"/>
+          </a:fillRef>
+          <a:effectRef idx="0">
+            <a:schemeClr val="accent1"/>
+          </a:effectRef>
+          <a:fontRef idx="minor">
+            <a:schemeClr val="tx1"/>
+          </a:fontRef>
+        </p:style>
+      </p:cxnSp>
+      <p:cxnSp>
+        <p:nvCxnSpPr>
+          <p:cNvPr id="47" name="Straight Connector 46">
+            <a:extLst>
+              <a:ext uri="{FF2B5EF4-FFF2-40B4-BE49-F238E27FC236}">
+                <a16:creationId xmlns:a16="http://schemas.microsoft.com/office/drawing/2014/main" id="{76703E06-EBDA-4380-9859-73DA6C2CF7A5}"/>
+              </a:ext>
+            </a:extLst>
+          </p:cNvPr>
+          <p:cNvCxnSpPr>
+            <a:cxnSpLocks/>
+            <a:stCxn id="43" idx="5"/>
+            <a:endCxn id="45" idx="0"/>
+          </p:cNvCxnSpPr>
+          <p:nvPr/>
+        </p:nvCxnSpPr>
+        <p:spPr>
+          <a:xfrm>
+            <a:off x="10494010" y="5439641"/>
+            <a:ext cx="367080" cy="184038"/>
+          </a:xfrm>
+          <a:prstGeom prst="line">
+            <a:avLst/>
+          </a:prstGeom>
+          <a:ln>
+            <a:solidFill>
+              <a:schemeClr val="tx1"/>
+            </a:solidFill>
+          </a:ln>
+        </p:spPr>
+        <p:style>
+          <a:lnRef idx="1">
+            <a:schemeClr val="accent1"/>
+          </a:lnRef>
+          <a:fillRef idx="0">
+            <a:schemeClr val="accent1"/>
+          </a:fillRef>
+          <a:effectRef idx="0">
+            <a:schemeClr val="accent1"/>
+          </a:effectRef>
+          <a:fontRef idx="minor">
+            <a:schemeClr val="tx1"/>
+          </a:fontRef>
+        </p:style>
+      </p:cxnSp>
+      <p:sp>
+        <p:nvSpPr>
+          <p:cNvPr id="48" name="TextBox 47">
+            <a:extLst>
+              <a:ext uri="{FF2B5EF4-FFF2-40B4-BE49-F238E27FC236}">
+                <a16:creationId xmlns:a16="http://schemas.microsoft.com/office/drawing/2014/main" id="{98F0588E-BB33-46CF-A48A-3E7AEC6458CF}"/>
+              </a:ext>
+            </a:extLst>
+          </p:cNvPr>
+          <p:cNvSpPr txBox="1"/>
+          <p:nvPr/>
+        </p:nvSpPr>
+        <p:spPr>
+          <a:xfrm>
+            <a:off x="9188841" y="6066740"/>
+            <a:ext cx="2085827" cy="369332"/>
+          </a:xfrm>
+          <a:prstGeom prst="rect">
+            <a:avLst/>
+          </a:prstGeom>
+          <a:noFill/>
+        </p:spPr>
+        <p:txBody>
+          <a:bodyPr wrap="none" rtlCol="0">
+            <a:spAutoFit/>
+          </a:bodyPr>
+          <a:lstStyle/>
+          <a:p>
+            <a:r>
+              <a:rPr lang="en-US" dirty="0"/>
+              <a:t>(50+70+30)/3 = 50%</a:t>
+            </a:r>
+          </a:p>
+        </p:txBody>
+      </p:sp>
+    </p:spTree>
+    <p:extLst>
+      <p:ext uri="{BB962C8B-B14F-4D97-AF65-F5344CB8AC3E}">
+        <p14:creationId xmlns:p14="http://schemas.microsoft.com/office/powerpoint/2010/main" val="3425534460"/>
+      </p:ext>
+    </p:extLst>
+  </p:cSld>
+  <p:clrMapOvr>
+    <a:masterClrMapping/>
+  </p:clrMapOvr>
+</p:sld>
+</file>
+
+<file path=ppt/slides/slide9.xml><?xml version="1.0" encoding="utf-8"?>
+<p:sld xmlns:a="http://schemas.openxmlformats.org/drawingml/2006/main" xmlns:r="http://schemas.openxmlformats.org/officeDocument/2006/relationships" xmlns:p="http://schemas.openxmlformats.org/presentationml/2006/main">
+  <p:cSld>
+    <p:spTree>
+      <p:nvGrpSpPr>
+        <p:cNvPr id="1" name=""/>
+        <p:cNvGrpSpPr/>
+        <p:nvPr/>
+      </p:nvGrpSpPr>
+      <p:grpSpPr>
+        <a:xfrm>
+          <a:off x="0" y="0"/>
+          <a:ext cx="0" cy="0"/>
+          <a:chOff x="0" y="0"/>
+          <a:chExt cx="0" cy="0"/>
+        </a:xfrm>
+      </p:grpSpPr>
+      <p:sp>
+        <p:nvSpPr>
+          <p:cNvPr id="2" name="Title 1">
+            <a:extLst>
+              <a:ext uri="{FF2B5EF4-FFF2-40B4-BE49-F238E27FC236}">
+                <a16:creationId xmlns:a16="http://schemas.microsoft.com/office/drawing/2014/main" id="{674983B4-0B97-4ED9-B011-C318788CD714}"/>
+              </a:ext>
+            </a:extLst>
+          </p:cNvPr>
+          <p:cNvSpPr>
+            <a:spLocks noGrp="1"/>
+          </p:cNvSpPr>
+          <p:nvPr>
+            <p:ph type="title"/>
+          </p:nvPr>
+        </p:nvSpPr>
+        <p:spPr/>
+        <p:txBody>
+          <a:bodyPr/>
+          <a:lstStyle/>
+          <a:p>
+            <a:pPr algn="ctr"/>
+            <a:r>
+              <a:rPr lang="en-US" dirty="0"/>
+              <a:t>Confusion Matrix</a:t>
+            </a:r>
+          </a:p>
+        </p:txBody>
+      </p:sp>
+      <p:sp>
+        <p:nvSpPr>
+          <p:cNvPr id="3" name="Content Placeholder 2">
+            <a:extLst>
+              <a:ext uri="{FF2B5EF4-FFF2-40B4-BE49-F238E27FC236}">
+                <a16:creationId xmlns:a16="http://schemas.microsoft.com/office/drawing/2014/main" id="{90F8E0CC-DB80-4D81-9867-C8317EF824C5}"/>
+              </a:ext>
+            </a:extLst>
+          </p:cNvPr>
+          <p:cNvSpPr>
+            <a:spLocks noGrp="1"/>
+          </p:cNvSpPr>
+          <p:nvPr>
+            <p:ph idx="1"/>
+          </p:nvPr>
+        </p:nvSpPr>
+        <p:spPr/>
+        <p:txBody>
+          <a:bodyPr/>
+          <a:lstStyle/>
+          <a:p>
+            <a:r>
+              <a:rPr lang="en-US" dirty="0"/>
+              <a:t>A confusion matrix is an output that you can build with supervised learning algorithms</a:t>
+            </a:r>
+          </a:p>
+          <a:p>
+            <a:r>
+              <a:rPr lang="en-US" dirty="0"/>
+              <a:t>It is a way to tell what an algorithm thinks of a particular example vs what it actually is</a:t>
+            </a:r>
+          </a:p>
+          <a:p>
+            <a:endParaRPr lang="en-US" dirty="0"/>
+          </a:p>
+        </p:txBody>
+      </p:sp>
+      <p:pic>
+        <p:nvPicPr>
+          <p:cNvPr id="5" name="Picture 4">
+            <a:extLst>
+              <a:ext uri="{FF2B5EF4-FFF2-40B4-BE49-F238E27FC236}">
+                <a16:creationId xmlns:a16="http://schemas.microsoft.com/office/drawing/2014/main" id="{5DEBC913-49A1-4D3F-A5B4-A28F45FB52D0}"/>
+              </a:ext>
+            </a:extLst>
+          </p:cNvPr>
+          <p:cNvPicPr/>
+          <p:nvPr/>
+        </p:nvPicPr>
+        <p:blipFill rotWithShape="1">
+          <a:blip r:embed="rId2"/>
+          <a:srcRect l="3098" t="32859" r="63046" b="48908"/>
+          <a:stretch/>
+        </p:blipFill>
+        <p:spPr bwMode="auto">
+          <a:xfrm>
+            <a:off x="2584216" y="3996277"/>
+            <a:ext cx="6592968" cy="1996150"/>
+          </a:xfrm>
+          <a:prstGeom prst="rect">
+            <a:avLst/>
+          </a:prstGeom>
+          <a:ln>
+            <a:noFill/>
+          </a:ln>
+          <a:extLst>
+            <a:ext uri="{53640926-AAD7-44D8-BBD7-CCE9431645EC}">
+              <a14:shadowObscured xmlns:a14="http://schemas.microsoft.com/office/drawing/2010/main"/>
+            </a:ext>
+          </a:extLst>
+        </p:spPr>
+      </p:pic>
+    </p:spTree>
+    <p:extLst>
+      <p:ext uri="{BB962C8B-B14F-4D97-AF65-F5344CB8AC3E}">
+        <p14:creationId xmlns:p14="http://schemas.microsoft.com/office/powerpoint/2010/main" val="2121041516"/>
       </p:ext>
     </p:extLst>
   </p:cSld>
